--- a/presentation/Intelligent Movie Recommender.pptx
+++ b/presentation/Intelligent Movie Recommender.pptx
@@ -1,50 +1,50 @@
 
 <file path=ppt/presentation.xml><?xml version="1.0" encoding="utf-8"?>
-<p:presentation xmlns:a="http://schemas.openxmlformats.org/drawingml/2006/main" xmlns:r="http://schemas.openxmlformats.org/officeDocument/2006/relationships" xmlns:mc="http://schemas.openxmlformats.org/markup-compatibility/2006" xmlns:mv="urn:schemas-microsoft-com:mac:vml" xmlns:p="http://schemas.openxmlformats.org/presentationml/2006/main" xmlns:c="http://schemas.openxmlformats.org/drawingml/2006/chart" xmlns:dgm="http://schemas.openxmlformats.org/drawingml/2006/diagram" xmlns:o="urn:schemas-microsoft-com:office:office" xmlns:v="urn:schemas-microsoft-com:vml" xmlns:pvml="urn:schemas-microsoft-com:office:powerpoint" xmlns:com="http://schemas.openxmlformats.org/drawingml/2006/compatibility" xmlns:p14="http://schemas.microsoft.com/office/powerpoint/2010/main" xmlns:p15="http://schemas.microsoft.com/office/powerpoint/2012/main" xmlns:ahyp="http://schemas.microsoft.com/office/drawing/2018/hyperlinkcolor" autoCompressPictures="0" embedTrueTypeFonts="1" strictFirstAndLastChars="0" saveSubsetFonts="1">
+<p:presentation xmlns:a="http://schemas.openxmlformats.org/drawingml/2006/main" xmlns:r="http://schemas.openxmlformats.org/officeDocument/2006/relationships" xmlns:p="http://schemas.openxmlformats.org/presentationml/2006/main" strictFirstAndLastChars="0" embedTrueTypeFonts="1" saveSubsetFonts="1" autoCompressPictures="0">
   <p:sldMasterIdLst>
-    <p:sldMasterId id="2147483659" r:id="rId5"/>
+    <p:sldMasterId id="2147483659" r:id="rId1"/>
   </p:sldMasterIdLst>
   <p:notesMasterIdLst>
-    <p:notesMasterId r:id="rId6"/>
+    <p:notesMasterId r:id="rId18"/>
   </p:notesMasterIdLst>
   <p:sldIdLst>
-    <p:sldId id="256" r:id="rId7"/>
-    <p:sldId id="257" r:id="rId8"/>
-    <p:sldId id="258" r:id="rId9"/>
-    <p:sldId id="259" r:id="rId10"/>
-    <p:sldId id="260" r:id="rId11"/>
-    <p:sldId id="261" r:id="rId12"/>
-    <p:sldId id="262" r:id="rId13"/>
-    <p:sldId id="263" r:id="rId14"/>
-    <p:sldId id="264" r:id="rId15"/>
-    <p:sldId id="265" r:id="rId16"/>
-    <p:sldId id="266" r:id="rId17"/>
-    <p:sldId id="267" r:id="rId18"/>
-    <p:sldId id="268" r:id="rId19"/>
-    <p:sldId id="269" r:id="rId20"/>
-    <p:sldId id="270" r:id="rId21"/>
-    <p:sldId id="271" r:id="rId22"/>
+    <p:sldId id="256" r:id="rId2"/>
+    <p:sldId id="257" r:id="rId3"/>
+    <p:sldId id="258" r:id="rId4"/>
+    <p:sldId id="259" r:id="rId5"/>
+    <p:sldId id="260" r:id="rId6"/>
+    <p:sldId id="261" r:id="rId7"/>
+    <p:sldId id="262" r:id="rId8"/>
+    <p:sldId id="263" r:id="rId9"/>
+    <p:sldId id="264" r:id="rId10"/>
+    <p:sldId id="265" r:id="rId11"/>
+    <p:sldId id="266" r:id="rId12"/>
+    <p:sldId id="267" r:id="rId13"/>
+    <p:sldId id="268" r:id="rId14"/>
+    <p:sldId id="269" r:id="rId15"/>
+    <p:sldId id="270" r:id="rId16"/>
+    <p:sldId id="271" r:id="rId17"/>
   </p:sldIdLst>
-  <p:sldSz cy="5143500" cx="9144000"/>
+  <p:sldSz cx="9144000" cy="5143500" type="screen16x9"/>
   <p:notesSz cx="6858000" cy="9144000"/>
   <p:embeddedFontLst>
     <p:embeddedFont>
-      <p:font typeface="Raleway"/>
+      <p:font typeface="Lato" panose="020F0502020204030203" pitchFamily="34" charset="0"/>
+      <p:regular r:id="rId19"/>
+      <p:bold r:id="rId20"/>
+      <p:italic r:id="rId21"/>
+      <p:boldItalic r:id="rId22"/>
+    </p:embeddedFont>
+    <p:embeddedFont>
+      <p:font typeface="Raleway" pitchFamily="2" charset="0"/>
       <p:regular r:id="rId23"/>
       <p:bold r:id="rId24"/>
       <p:italic r:id="rId25"/>
       <p:boldItalic r:id="rId26"/>
     </p:embeddedFont>
-    <p:embeddedFont>
-      <p:font typeface="Lato"/>
-      <p:regular r:id="rId27"/>
-      <p:bold r:id="rId28"/>
-      <p:italic r:id="rId29"/>
-      <p:boldItalic r:id="rId30"/>
-    </p:embeddedFont>
   </p:embeddedFontLst>
   <p:defaultTextStyle>
-    <a:defPPr lvl="0" marR="0" rtl="0" algn="l">
+    <a:defPPr marR="0" lvl="0" algn="l" rtl="0">
       <a:lnSpc>
         <a:spcPct val="100000"/>
       </a:lnSpc>
@@ -55,7 +55,7 @@
         <a:spcPts val="0"/>
       </a:spcAft>
     </a:defPPr>
-    <a:lvl1pPr lvl="0" marR="0" rtl="0" algn="l">
+    <a:lvl1pPr marR="0" lvl="0" algn="l" rtl="0">
       <a:lnSpc>
         <a:spcPct val="100000"/>
       </a:lnSpc>
@@ -69,7 +69,7 @@
         <a:srgbClr val="000000"/>
       </a:buClr>
       <a:buFont typeface="Arial"/>
-      <a:defRPr b="0" i="0" sz="1400" u="none" cap="none" strike="noStrike">
+      <a:defRPr sz="1400" b="0" i="0" u="none" strike="noStrike" cap="none">
         <a:solidFill>
           <a:srgbClr val="000000"/>
         </a:solidFill>
@@ -79,7 +79,7 @@
         <a:sym typeface="Arial"/>
       </a:defRPr>
     </a:lvl1pPr>
-    <a:lvl2pPr lvl="1" marR="0" rtl="0" algn="l">
+    <a:lvl2pPr marR="0" lvl="1" algn="l" rtl="0">
       <a:lnSpc>
         <a:spcPct val="100000"/>
       </a:lnSpc>
@@ -93,7 +93,7 @@
         <a:srgbClr val="000000"/>
       </a:buClr>
       <a:buFont typeface="Arial"/>
-      <a:defRPr b="0" i="0" sz="1400" u="none" cap="none" strike="noStrike">
+      <a:defRPr sz="1400" b="0" i="0" u="none" strike="noStrike" cap="none">
         <a:solidFill>
           <a:srgbClr val="000000"/>
         </a:solidFill>
@@ -103,7 +103,7 @@
         <a:sym typeface="Arial"/>
       </a:defRPr>
     </a:lvl2pPr>
-    <a:lvl3pPr lvl="2" marR="0" rtl="0" algn="l">
+    <a:lvl3pPr marR="0" lvl="2" algn="l" rtl="0">
       <a:lnSpc>
         <a:spcPct val="100000"/>
       </a:lnSpc>
@@ -117,7 +117,7 @@
         <a:srgbClr val="000000"/>
       </a:buClr>
       <a:buFont typeface="Arial"/>
-      <a:defRPr b="0" i="0" sz="1400" u="none" cap="none" strike="noStrike">
+      <a:defRPr sz="1400" b="0" i="0" u="none" strike="noStrike" cap="none">
         <a:solidFill>
           <a:srgbClr val="000000"/>
         </a:solidFill>
@@ -127,7 +127,7 @@
         <a:sym typeface="Arial"/>
       </a:defRPr>
     </a:lvl3pPr>
-    <a:lvl4pPr lvl="3" marR="0" rtl="0" algn="l">
+    <a:lvl4pPr marR="0" lvl="3" algn="l" rtl="0">
       <a:lnSpc>
         <a:spcPct val="100000"/>
       </a:lnSpc>
@@ -141,7 +141,7 @@
         <a:srgbClr val="000000"/>
       </a:buClr>
       <a:buFont typeface="Arial"/>
-      <a:defRPr b="0" i="0" sz="1400" u="none" cap="none" strike="noStrike">
+      <a:defRPr sz="1400" b="0" i="0" u="none" strike="noStrike" cap="none">
         <a:solidFill>
           <a:srgbClr val="000000"/>
         </a:solidFill>
@@ -151,7 +151,7 @@
         <a:sym typeface="Arial"/>
       </a:defRPr>
     </a:lvl4pPr>
-    <a:lvl5pPr lvl="4" marR="0" rtl="0" algn="l">
+    <a:lvl5pPr marR="0" lvl="4" algn="l" rtl="0">
       <a:lnSpc>
         <a:spcPct val="100000"/>
       </a:lnSpc>
@@ -165,7 +165,7 @@
         <a:srgbClr val="000000"/>
       </a:buClr>
       <a:buFont typeface="Arial"/>
-      <a:defRPr b="0" i="0" sz="1400" u="none" cap="none" strike="noStrike">
+      <a:defRPr sz="1400" b="0" i="0" u="none" strike="noStrike" cap="none">
         <a:solidFill>
           <a:srgbClr val="000000"/>
         </a:solidFill>
@@ -175,7 +175,7 @@
         <a:sym typeface="Arial"/>
       </a:defRPr>
     </a:lvl5pPr>
-    <a:lvl6pPr lvl="5" marR="0" rtl="0" algn="l">
+    <a:lvl6pPr marR="0" lvl="5" algn="l" rtl="0">
       <a:lnSpc>
         <a:spcPct val="100000"/>
       </a:lnSpc>
@@ -189,7 +189,7 @@
         <a:srgbClr val="000000"/>
       </a:buClr>
       <a:buFont typeface="Arial"/>
-      <a:defRPr b="0" i="0" sz="1400" u="none" cap="none" strike="noStrike">
+      <a:defRPr sz="1400" b="0" i="0" u="none" strike="noStrike" cap="none">
         <a:solidFill>
           <a:srgbClr val="000000"/>
         </a:solidFill>
@@ -199,7 +199,7 @@
         <a:sym typeface="Arial"/>
       </a:defRPr>
     </a:lvl6pPr>
-    <a:lvl7pPr lvl="6" marR="0" rtl="0" algn="l">
+    <a:lvl7pPr marR="0" lvl="6" algn="l" rtl="0">
       <a:lnSpc>
         <a:spcPct val="100000"/>
       </a:lnSpc>
@@ -213,7 +213,7 @@
         <a:srgbClr val="000000"/>
       </a:buClr>
       <a:buFont typeface="Arial"/>
-      <a:defRPr b="0" i="0" sz="1400" u="none" cap="none" strike="noStrike">
+      <a:defRPr sz="1400" b="0" i="0" u="none" strike="noStrike" cap="none">
         <a:solidFill>
           <a:srgbClr val="000000"/>
         </a:solidFill>
@@ -223,7 +223,7 @@
         <a:sym typeface="Arial"/>
       </a:defRPr>
     </a:lvl7pPr>
-    <a:lvl8pPr lvl="7" marR="0" rtl="0" algn="l">
+    <a:lvl8pPr marR="0" lvl="7" algn="l" rtl="0">
       <a:lnSpc>
         <a:spcPct val="100000"/>
       </a:lnSpc>
@@ -237,7 +237,7 @@
         <a:srgbClr val="000000"/>
       </a:buClr>
       <a:buFont typeface="Arial"/>
-      <a:defRPr b="0" i="0" sz="1400" u="none" cap="none" strike="noStrike">
+      <a:defRPr sz="1400" b="0" i="0" u="none" strike="noStrike" cap="none">
         <a:solidFill>
           <a:srgbClr val="000000"/>
         </a:solidFill>
@@ -247,7 +247,7 @@
         <a:sym typeface="Arial"/>
       </a:defRPr>
     </a:lvl8pPr>
-    <a:lvl9pPr lvl="8" marR="0" rtl="0" algn="l">
+    <a:lvl9pPr marR="0" lvl="8" algn="l" rtl="0">
       <a:lnSpc>
         <a:spcPct val="100000"/>
       </a:lnSpc>
@@ -261,7 +261,7 @@
         <a:srgbClr val="000000"/>
       </a:buClr>
       <a:buFont typeface="Arial"/>
-      <a:defRPr b="0" i="0" sz="1400" u="none" cap="none" strike="noStrike">
+      <a:defRPr sz="1400" b="0" i="0" u="none" strike="noStrike" cap="none">
         <a:solidFill>
           <a:srgbClr val="000000"/>
         </a:solidFill>
@@ -274,7 +274,7 @@
   </p:defaultTextStyle>
   <p:extLst>
     <p:ext uri="{EFAFB233-063F-42B5-8137-9DF3F51BA10A}">
-      <p15:sldGuideLst>
+      <p15:sldGuideLst xmlns:p15="http://schemas.microsoft.com/office/powerpoint/2012/main">
         <p15:guide id="1" orient="horz" pos="1620">
           <p15:clr>
             <a:srgbClr val="747775"/>
@@ -292,11 +292,16 @@
 </file>
 
 <file path=ppt/notesMasters/notesMaster1.xml><?xml version="1.0" encoding="utf-8"?>
-<p:notesMaster xmlns:a="http://schemas.openxmlformats.org/drawingml/2006/main" xmlns:r="http://schemas.openxmlformats.org/officeDocument/2006/relationships" xmlns:mc="http://schemas.openxmlformats.org/markup-compatibility/2006" xmlns:mv="urn:schemas-microsoft-com:mac:vml" xmlns:p="http://schemas.openxmlformats.org/presentationml/2006/main" xmlns:c="http://schemas.openxmlformats.org/drawingml/2006/chart" xmlns:dgm="http://schemas.openxmlformats.org/drawingml/2006/diagram" xmlns:o="urn:schemas-microsoft-com:office:office" xmlns:v="urn:schemas-microsoft-com:vml" xmlns:pvml="urn:schemas-microsoft-com:office:powerpoint" xmlns:com="http://schemas.openxmlformats.org/drawingml/2006/compatibility" xmlns:p14="http://schemas.microsoft.com/office/powerpoint/2010/main" xmlns:p15="http://schemas.microsoft.com/office/powerpoint/2012/main" xmlns:ahyp="http://schemas.microsoft.com/office/drawing/2018/hyperlinkcolor">
+<p:notesMaster xmlns:a="http://schemas.openxmlformats.org/drawingml/2006/main" xmlns:r="http://schemas.openxmlformats.org/officeDocument/2006/relationships" xmlns:p="http://schemas.openxmlformats.org/presentationml/2006/main">
   <p:cSld>
+    <p:bg>
+      <p:bgRef idx="1001">
+        <a:schemeClr val="bg1"/>
+      </p:bgRef>
+    </p:bg>
     <p:spTree>
       <p:nvGrpSpPr>
-        <p:cNvPr id="2" name="Shape 2"/>
+        <p:cNvPr id="1" name="Shape 2"/>
         <p:cNvGrpSpPr/>
         <p:nvPr/>
       </p:nvGrpSpPr>
@@ -311,9 +316,11 @@
       <p:sp>
         <p:nvSpPr>
           <p:cNvPr id="3" name="Google Shape;3;n"/>
-          <p:cNvSpPr/>
+          <p:cNvSpPr>
+            <a:spLocks noGrp="1" noRot="1" noChangeAspect="1"/>
+          </p:cNvSpPr>
           <p:nvPr>
-            <p:ph idx="2" type="sldImg"/>
+            <p:ph type="sldImg" idx="2"/>
           </p:nvPr>
         </p:nvSpPr>
         <p:spPr>
@@ -322,9 +329,13 @@
             <a:ext cx="6096075" cy="3429000"/>
           </a:xfrm>
           <a:custGeom>
-            <a:rect b="b" l="l" r="r" t="t"/>
+            <a:avLst/>
+            <a:gdLst/>
+            <a:ahLst/>
+            <a:cxnLst/>
+            <a:rect l="l" t="t" r="r" b="b"/>
             <a:pathLst>
-              <a:path extrusionOk="0" h="120000" w="120000">
+              <a:path w="120000" h="120000" extrusionOk="0">
                 <a:moveTo>
                   <a:pt x="0" y="0"/>
                 </a:moveTo>
@@ -342,23 +353,25 @@
             </a:pathLst>
           </a:custGeom>
           <a:noFill/>
-          <a:ln cap="flat" cmpd="sng" w="9525">
+          <a:ln w="9525" cap="flat" cmpd="sng">
             <a:solidFill>
               <a:srgbClr val="000000"/>
             </a:solidFill>
             <a:prstDash val="solid"/>
             <a:round/>
-            <a:headEnd len="sm" w="sm" type="none"/>
-            <a:tailEnd len="sm" w="sm" type="none"/>
+            <a:headEnd type="none" w="sm" len="sm"/>
+            <a:tailEnd type="none" w="sm" len="sm"/>
           </a:ln>
         </p:spPr>
       </p:sp>
       <p:sp>
         <p:nvSpPr>
           <p:cNvPr id="4" name="Google Shape;4;n"/>
-          <p:cNvSpPr txBox="1"/>
+          <p:cNvSpPr txBox="1">
+            <a:spLocks noGrp="1"/>
+          </p:cNvSpPr>
           <p:nvPr>
-            <p:ph idx="1" type="body"/>
+            <p:ph type="body" idx="1"/>
           </p:nvPr>
         </p:nvSpPr>
         <p:spPr>
@@ -375,11 +388,11 @@
           </a:ln>
         </p:spPr>
         <p:txBody>
-          <a:bodyPr anchorCtr="0" anchor="t" bIns="91425" lIns="91425" spcFirstLastPara="1" rIns="91425" wrap="square" tIns="91425">
+          <a:bodyPr spcFirstLastPara="1" wrap="square" lIns="91425" tIns="91425" rIns="91425" bIns="91425" anchor="t" anchorCtr="0">
             <a:noAutofit/>
           </a:bodyPr>
           <a:lstStyle>
-            <a:lvl1pPr indent="-298450" lvl="0" marL="457200">
+            <a:lvl1pPr marL="457200" lvl="0" indent="-298450">
               <a:spcBef>
                 <a:spcPts val="0"/>
               </a:spcBef>
@@ -390,7 +403,7 @@
               <a:buChar char="●"/>
               <a:defRPr sz="1100"/>
             </a:lvl1pPr>
-            <a:lvl2pPr indent="-298450" lvl="1" marL="914400">
+            <a:lvl2pPr marL="914400" lvl="1" indent="-298450">
               <a:spcBef>
                 <a:spcPts val="0"/>
               </a:spcBef>
@@ -401,7 +414,7 @@
               <a:buChar char="○"/>
               <a:defRPr sz="1100"/>
             </a:lvl2pPr>
-            <a:lvl3pPr indent="-298450" lvl="2" marL="1371600">
+            <a:lvl3pPr marL="1371600" lvl="2" indent="-298450">
               <a:spcBef>
                 <a:spcPts val="0"/>
               </a:spcBef>
@@ -412,7 +425,7 @@
               <a:buChar char="■"/>
               <a:defRPr sz="1100"/>
             </a:lvl3pPr>
-            <a:lvl4pPr indent="-298450" lvl="3" marL="1828800">
+            <a:lvl4pPr marL="1828800" lvl="3" indent="-298450">
               <a:spcBef>
                 <a:spcPts val="0"/>
               </a:spcBef>
@@ -423,7 +436,7 @@
               <a:buChar char="●"/>
               <a:defRPr sz="1100"/>
             </a:lvl4pPr>
-            <a:lvl5pPr indent="-298450" lvl="4" marL="2286000">
+            <a:lvl5pPr marL="2286000" lvl="4" indent="-298450">
               <a:spcBef>
                 <a:spcPts val="0"/>
               </a:spcBef>
@@ -434,7 +447,7 @@
               <a:buChar char="○"/>
               <a:defRPr sz="1100"/>
             </a:lvl5pPr>
-            <a:lvl6pPr indent="-298450" lvl="5" marL="2743200">
+            <a:lvl6pPr marL="2743200" lvl="5" indent="-298450">
               <a:spcBef>
                 <a:spcPts val="0"/>
               </a:spcBef>
@@ -445,7 +458,7 @@
               <a:buChar char="■"/>
               <a:defRPr sz="1100"/>
             </a:lvl6pPr>
-            <a:lvl7pPr indent="-298450" lvl="6" marL="3200400">
+            <a:lvl7pPr marL="3200400" lvl="6" indent="-298450">
               <a:spcBef>
                 <a:spcPts val="0"/>
               </a:spcBef>
@@ -456,7 +469,7 @@
               <a:buChar char="●"/>
               <a:defRPr sz="1100"/>
             </a:lvl7pPr>
-            <a:lvl8pPr indent="-298450" lvl="7" marL="3657600">
+            <a:lvl8pPr marL="3657600" lvl="7" indent="-298450">
               <a:spcBef>
                 <a:spcPts val="0"/>
               </a:spcBef>
@@ -467,7 +480,7 @@
               <a:buChar char="○"/>
               <a:defRPr sz="1100"/>
             </a:lvl8pPr>
-            <a:lvl9pPr indent="-298450" lvl="8" marL="4114800">
+            <a:lvl9pPr marL="4114800" lvl="8" indent="-298450">
               <a:spcBef>
                 <a:spcPts val="0"/>
               </a:spcBef>
@@ -479,14 +492,16 @@
               <a:defRPr sz="1100"/>
             </a:lvl9pPr>
           </a:lstStyle>
-          <a:p/>
+          <a:p>
+            <a:endParaRPr/>
+          </a:p>
         </p:txBody>
       </p:sp>
     </p:spTree>
   </p:cSld>
-  <p:clrMap accent1="accent1" accent2="accent2" accent3="accent3" accent4="accent4" accent5="accent5" accent6="accent6" bg1="lt1" bg2="dk2" tx1="dk1" tx2="lt2" folHlink="folHlink" hlink="hlink"/>
+  <p:clrMap bg1="lt1" tx1="dk1" bg2="dk2" tx2="lt2" accent1="accent1" accent2="accent2" accent3="accent3" accent4="accent4" accent5="accent5" accent6="accent6" hlink="hlink" folHlink="folHlink"/>
   <p:notesStyle>
-    <a:defPPr lvl="0" marR="0" rtl="0" algn="l">
+    <a:defPPr marR="0" lvl="0" algn="l" rtl="0">
       <a:lnSpc>
         <a:spcPct val="100000"/>
       </a:lnSpc>
@@ -497,7 +512,7 @@
         <a:spcPts val="0"/>
       </a:spcAft>
     </a:defPPr>
-    <a:lvl1pPr lvl="0" marR="0" rtl="0" algn="l">
+    <a:lvl1pPr marR="0" lvl="0" algn="l" rtl="0">
       <a:lnSpc>
         <a:spcPct val="100000"/>
       </a:lnSpc>
@@ -511,7 +526,7 @@
         <a:srgbClr val="000000"/>
       </a:buClr>
       <a:buFont typeface="Arial"/>
-      <a:defRPr b="0" i="0" sz="1400" u="none" cap="none" strike="noStrike">
+      <a:defRPr sz="1400" b="0" i="0" u="none" strike="noStrike" cap="none">
         <a:solidFill>
           <a:srgbClr val="000000"/>
         </a:solidFill>
@@ -521,7 +536,7 @@
         <a:sym typeface="Arial"/>
       </a:defRPr>
     </a:lvl1pPr>
-    <a:lvl2pPr lvl="1" marR="0" rtl="0" algn="l">
+    <a:lvl2pPr marR="0" lvl="1" algn="l" rtl="0">
       <a:lnSpc>
         <a:spcPct val="100000"/>
       </a:lnSpc>
@@ -535,7 +550,7 @@
         <a:srgbClr val="000000"/>
       </a:buClr>
       <a:buFont typeface="Arial"/>
-      <a:defRPr b="0" i="0" sz="1400" u="none" cap="none" strike="noStrike">
+      <a:defRPr sz="1400" b="0" i="0" u="none" strike="noStrike" cap="none">
         <a:solidFill>
           <a:srgbClr val="000000"/>
         </a:solidFill>
@@ -545,7 +560,7 @@
         <a:sym typeface="Arial"/>
       </a:defRPr>
     </a:lvl2pPr>
-    <a:lvl3pPr lvl="2" marR="0" rtl="0" algn="l">
+    <a:lvl3pPr marR="0" lvl="2" algn="l" rtl="0">
       <a:lnSpc>
         <a:spcPct val="100000"/>
       </a:lnSpc>
@@ -559,7 +574,7 @@
         <a:srgbClr val="000000"/>
       </a:buClr>
       <a:buFont typeface="Arial"/>
-      <a:defRPr b="0" i="0" sz="1400" u="none" cap="none" strike="noStrike">
+      <a:defRPr sz="1400" b="0" i="0" u="none" strike="noStrike" cap="none">
         <a:solidFill>
           <a:srgbClr val="000000"/>
         </a:solidFill>
@@ -569,7 +584,7 @@
         <a:sym typeface="Arial"/>
       </a:defRPr>
     </a:lvl3pPr>
-    <a:lvl4pPr lvl="3" marR="0" rtl="0" algn="l">
+    <a:lvl4pPr marR="0" lvl="3" algn="l" rtl="0">
       <a:lnSpc>
         <a:spcPct val="100000"/>
       </a:lnSpc>
@@ -583,7 +598,7 @@
         <a:srgbClr val="000000"/>
       </a:buClr>
       <a:buFont typeface="Arial"/>
-      <a:defRPr b="0" i="0" sz="1400" u="none" cap="none" strike="noStrike">
+      <a:defRPr sz="1400" b="0" i="0" u="none" strike="noStrike" cap="none">
         <a:solidFill>
           <a:srgbClr val="000000"/>
         </a:solidFill>
@@ -593,7 +608,7 @@
         <a:sym typeface="Arial"/>
       </a:defRPr>
     </a:lvl4pPr>
-    <a:lvl5pPr lvl="4" marR="0" rtl="0" algn="l">
+    <a:lvl5pPr marR="0" lvl="4" algn="l" rtl="0">
       <a:lnSpc>
         <a:spcPct val="100000"/>
       </a:lnSpc>
@@ -607,7 +622,7 @@
         <a:srgbClr val="000000"/>
       </a:buClr>
       <a:buFont typeface="Arial"/>
-      <a:defRPr b="0" i="0" sz="1400" u="none" cap="none" strike="noStrike">
+      <a:defRPr sz="1400" b="0" i="0" u="none" strike="noStrike" cap="none">
         <a:solidFill>
           <a:srgbClr val="000000"/>
         </a:solidFill>
@@ -617,7 +632,7 @@
         <a:sym typeface="Arial"/>
       </a:defRPr>
     </a:lvl5pPr>
-    <a:lvl6pPr lvl="5" marR="0" rtl="0" algn="l">
+    <a:lvl6pPr marR="0" lvl="5" algn="l" rtl="0">
       <a:lnSpc>
         <a:spcPct val="100000"/>
       </a:lnSpc>
@@ -631,7 +646,7 @@
         <a:srgbClr val="000000"/>
       </a:buClr>
       <a:buFont typeface="Arial"/>
-      <a:defRPr b="0" i="0" sz="1400" u="none" cap="none" strike="noStrike">
+      <a:defRPr sz="1400" b="0" i="0" u="none" strike="noStrike" cap="none">
         <a:solidFill>
           <a:srgbClr val="000000"/>
         </a:solidFill>
@@ -641,7 +656,7 @@
         <a:sym typeface="Arial"/>
       </a:defRPr>
     </a:lvl6pPr>
-    <a:lvl7pPr lvl="6" marR="0" rtl="0" algn="l">
+    <a:lvl7pPr marR="0" lvl="6" algn="l" rtl="0">
       <a:lnSpc>
         <a:spcPct val="100000"/>
       </a:lnSpc>
@@ -655,7 +670,7 @@
         <a:srgbClr val="000000"/>
       </a:buClr>
       <a:buFont typeface="Arial"/>
-      <a:defRPr b="0" i="0" sz="1400" u="none" cap="none" strike="noStrike">
+      <a:defRPr sz="1400" b="0" i="0" u="none" strike="noStrike" cap="none">
         <a:solidFill>
           <a:srgbClr val="000000"/>
         </a:solidFill>
@@ -665,7 +680,7 @@
         <a:sym typeface="Arial"/>
       </a:defRPr>
     </a:lvl7pPr>
-    <a:lvl8pPr lvl="7" marR="0" rtl="0" algn="l">
+    <a:lvl8pPr marR="0" lvl="7" algn="l" rtl="0">
       <a:lnSpc>
         <a:spcPct val="100000"/>
       </a:lnSpc>
@@ -679,7 +694,7 @@
         <a:srgbClr val="000000"/>
       </a:buClr>
       <a:buFont typeface="Arial"/>
-      <a:defRPr b="0" i="0" sz="1400" u="none" cap="none" strike="noStrike">
+      <a:defRPr sz="1400" b="0" i="0" u="none" strike="noStrike" cap="none">
         <a:solidFill>
           <a:srgbClr val="000000"/>
         </a:solidFill>
@@ -689,7 +704,7 @@
         <a:sym typeface="Arial"/>
       </a:defRPr>
     </a:lvl8pPr>
-    <a:lvl9pPr lvl="8" marR="0" rtl="0" algn="l">
+    <a:lvl9pPr marR="0" lvl="8" algn="l" rtl="0">
       <a:lnSpc>
         <a:spcPct val="100000"/>
       </a:lnSpc>
@@ -703,7 +718,7 @@
         <a:srgbClr val="000000"/>
       </a:buClr>
       <a:buFont typeface="Arial"/>
-      <a:defRPr b="0" i="0" sz="1400" u="none" cap="none" strike="noStrike">
+      <a:defRPr sz="1400" b="0" i="0" u="none" strike="noStrike" cap="none">
         <a:solidFill>
           <a:srgbClr val="000000"/>
         </a:solidFill>
@@ -718,11 +733,11 @@
 </file>
 
 <file path=ppt/notesSlides/notesSlide1.xml><?xml version="1.0" encoding="utf-8"?>
-<p:notes xmlns:a="http://schemas.openxmlformats.org/drawingml/2006/main" xmlns:r="http://schemas.openxmlformats.org/officeDocument/2006/relationships" xmlns:mc="http://schemas.openxmlformats.org/markup-compatibility/2006" xmlns:mv="urn:schemas-microsoft-com:mac:vml" xmlns:p="http://schemas.openxmlformats.org/presentationml/2006/main" xmlns:c="http://schemas.openxmlformats.org/drawingml/2006/chart" xmlns:dgm="http://schemas.openxmlformats.org/drawingml/2006/diagram" xmlns:o="urn:schemas-microsoft-com:office:office" xmlns:v="urn:schemas-microsoft-com:vml" xmlns:pvml="urn:schemas-microsoft-com:office:powerpoint" xmlns:com="http://schemas.openxmlformats.org/drawingml/2006/compatibility" xmlns:p14="http://schemas.microsoft.com/office/powerpoint/2010/main" xmlns:p15="http://schemas.microsoft.com/office/powerpoint/2012/main" xmlns:ahyp="http://schemas.microsoft.com/office/drawing/2018/hyperlinkcolor" showMasterPhAnim="0" showMasterSp="0">
+<p:notes xmlns:a="http://schemas.openxmlformats.org/drawingml/2006/main" xmlns:r="http://schemas.openxmlformats.org/officeDocument/2006/relationships" xmlns:p="http://schemas.openxmlformats.org/presentationml/2006/main" showMasterSp="0" showMasterPhAnim="0">
   <p:cSld>
     <p:spTree>
       <p:nvGrpSpPr>
-        <p:cNvPr id="82" name="Shape 82"/>
+        <p:cNvPr id="1" name="Shape 82"/>
         <p:cNvGrpSpPr/>
         <p:nvPr/>
       </p:nvGrpSpPr>
@@ -737,20 +752,26 @@
       <p:sp>
         <p:nvSpPr>
           <p:cNvPr id="83" name="Google Shape;83;p:notes"/>
-          <p:cNvSpPr/>
+          <p:cNvSpPr>
+            <a:spLocks noGrp="1" noRot="1" noChangeAspect="1"/>
+          </p:cNvSpPr>
           <p:nvPr>
-            <p:ph idx="2" type="sldImg"/>
+            <p:ph type="sldImg" idx="2"/>
           </p:nvPr>
         </p:nvSpPr>
         <p:spPr>
           <a:xfrm>
-            <a:off x="381300" y="685800"/>
-            <a:ext cx="6096075" cy="3429000"/>
+            <a:off x="381000" y="685800"/>
+            <a:ext cx="6096000" cy="3429000"/>
           </a:xfrm>
           <a:custGeom>
-            <a:rect b="b" l="l" r="r" t="t"/>
+            <a:avLst/>
+            <a:gdLst/>
+            <a:ahLst/>
+            <a:cxnLst/>
+            <a:rect l="l" t="t" r="r" b="b"/>
             <a:pathLst>
-              <a:path extrusionOk="0" h="120000" w="120000">
+              <a:path w="120000" h="120000" extrusionOk="0">
                 <a:moveTo>
                   <a:pt x="0" y="0"/>
                 </a:moveTo>
@@ -772,9 +793,11 @@
       <p:sp>
         <p:nvSpPr>
           <p:cNvPr id="84" name="Google Shape;84;p:notes"/>
-          <p:cNvSpPr txBox="1"/>
+          <p:cNvSpPr txBox="1">
+            <a:spLocks noGrp="1"/>
+          </p:cNvSpPr>
           <p:nvPr>
-            <p:ph idx="1" type="body"/>
+            <p:ph type="body" idx="1"/>
           </p:nvPr>
         </p:nvSpPr>
         <p:spPr>
@@ -787,12 +810,12 @@
           </a:prstGeom>
         </p:spPr>
         <p:txBody>
-          <a:bodyPr anchorCtr="0" anchor="t" bIns="91425" lIns="91425" spcFirstLastPara="1" rIns="91425" wrap="square" tIns="91425">
+          <a:bodyPr spcFirstLastPara="1" wrap="square" lIns="91425" tIns="91425" rIns="91425" bIns="91425" anchor="t" anchorCtr="0">
             <a:noAutofit/>
           </a:bodyPr>
           <a:lstStyle/>
           <a:p>
-            <a:pPr indent="0" lvl="0" marL="0" rtl="0" algn="l">
+            <a:pPr marL="0" lvl="0" indent="0" algn="l" rtl="0">
               <a:spcBef>
                 <a:spcPts val="0"/>
               </a:spcBef>
@@ -801,9 +824,6 @@
               </a:spcAft>
               <a:buNone/>
             </a:pPr>
-            <a:r>
-              <a:t/>
-            </a:r>
             <a:endParaRPr/>
           </a:p>
         </p:txBody>
@@ -817,11 +837,11 @@
 </file>
 
 <file path=ppt/notesSlides/notesSlide10.xml><?xml version="1.0" encoding="utf-8"?>
-<p:notes xmlns:a="http://schemas.openxmlformats.org/drawingml/2006/main" xmlns:r="http://schemas.openxmlformats.org/officeDocument/2006/relationships" xmlns:mc="http://schemas.openxmlformats.org/markup-compatibility/2006" xmlns:mv="urn:schemas-microsoft-com:mac:vml" xmlns:p="http://schemas.openxmlformats.org/presentationml/2006/main" xmlns:c="http://schemas.openxmlformats.org/drawingml/2006/chart" xmlns:dgm="http://schemas.openxmlformats.org/drawingml/2006/diagram" xmlns:o="urn:schemas-microsoft-com:office:office" xmlns:v="urn:schemas-microsoft-com:vml" xmlns:pvml="urn:schemas-microsoft-com:office:powerpoint" xmlns:com="http://schemas.openxmlformats.org/drawingml/2006/compatibility" xmlns:p14="http://schemas.microsoft.com/office/powerpoint/2010/main" xmlns:p15="http://schemas.microsoft.com/office/powerpoint/2012/main" xmlns:ahyp="http://schemas.microsoft.com/office/drawing/2018/hyperlinkcolor" showMasterPhAnim="0" showMasterSp="0">
+<p:notes xmlns:a="http://schemas.openxmlformats.org/drawingml/2006/main" xmlns:r="http://schemas.openxmlformats.org/officeDocument/2006/relationships" xmlns:p="http://schemas.openxmlformats.org/presentationml/2006/main" showMasterSp="0" showMasterPhAnim="0">
   <p:cSld>
     <p:spTree>
       <p:nvGrpSpPr>
-        <p:cNvPr id="138" name="Shape 138"/>
+        <p:cNvPr id="1" name="Shape 138"/>
         <p:cNvGrpSpPr/>
         <p:nvPr/>
       </p:nvGrpSpPr>
@@ -836,9 +856,11 @@
       <p:sp>
         <p:nvSpPr>
           <p:cNvPr id="139" name="Google Shape;139;g39173bd9899_2_41:notes"/>
-          <p:cNvSpPr/>
+          <p:cNvSpPr>
+            <a:spLocks noGrp="1" noRot="1" noChangeAspect="1"/>
+          </p:cNvSpPr>
           <p:nvPr>
-            <p:ph idx="2" type="sldImg"/>
+            <p:ph type="sldImg" idx="2"/>
           </p:nvPr>
         </p:nvSpPr>
         <p:spPr>
@@ -847,9 +869,13 @@
             <a:ext cx="6096000" cy="3429000"/>
           </a:xfrm>
           <a:custGeom>
-            <a:rect b="b" l="l" r="r" t="t"/>
+            <a:avLst/>
+            <a:gdLst/>
+            <a:ahLst/>
+            <a:cxnLst/>
+            <a:rect l="l" t="t" r="r" b="b"/>
             <a:pathLst>
-              <a:path extrusionOk="0" h="120000" w="120000">
+              <a:path w="120000" h="120000" extrusionOk="0">
                 <a:moveTo>
                   <a:pt x="0" y="0"/>
                 </a:moveTo>
@@ -871,9 +897,11 @@
       <p:sp>
         <p:nvSpPr>
           <p:cNvPr id="140" name="Google Shape;140;g39173bd9899_2_41:notes"/>
-          <p:cNvSpPr txBox="1"/>
+          <p:cNvSpPr txBox="1">
+            <a:spLocks noGrp="1"/>
+          </p:cNvSpPr>
           <p:nvPr>
-            <p:ph idx="1" type="body"/>
+            <p:ph type="body" idx="1"/>
           </p:nvPr>
         </p:nvSpPr>
         <p:spPr>
@@ -886,12 +914,12 @@
           </a:prstGeom>
         </p:spPr>
         <p:txBody>
-          <a:bodyPr anchorCtr="0" anchor="t" bIns="91425" lIns="91425" spcFirstLastPara="1" rIns="91425" wrap="square" tIns="91425">
+          <a:bodyPr spcFirstLastPara="1" wrap="square" lIns="91425" tIns="91425" rIns="91425" bIns="91425" anchor="t" anchorCtr="0">
             <a:noAutofit/>
           </a:bodyPr>
           <a:lstStyle/>
           <a:p>
-            <a:pPr indent="0" lvl="0" marL="0" rtl="0" algn="l">
+            <a:pPr marL="0" lvl="0" indent="0" algn="l" rtl="0">
               <a:spcBef>
                 <a:spcPts val="0"/>
               </a:spcBef>
@@ -900,9 +928,6 @@
               </a:spcAft>
               <a:buNone/>
             </a:pPr>
-            <a:r>
-              <a:t/>
-            </a:r>
             <a:endParaRPr/>
           </a:p>
         </p:txBody>
@@ -916,11 +941,11 @@
 </file>
 
 <file path=ppt/notesSlides/notesSlide11.xml><?xml version="1.0" encoding="utf-8"?>
-<p:notes xmlns:a="http://schemas.openxmlformats.org/drawingml/2006/main" xmlns:r="http://schemas.openxmlformats.org/officeDocument/2006/relationships" xmlns:mc="http://schemas.openxmlformats.org/markup-compatibility/2006" xmlns:mv="urn:schemas-microsoft-com:mac:vml" xmlns:p="http://schemas.openxmlformats.org/presentationml/2006/main" xmlns:c="http://schemas.openxmlformats.org/drawingml/2006/chart" xmlns:dgm="http://schemas.openxmlformats.org/drawingml/2006/diagram" xmlns:o="urn:schemas-microsoft-com:office:office" xmlns:v="urn:schemas-microsoft-com:vml" xmlns:pvml="urn:schemas-microsoft-com:office:powerpoint" xmlns:com="http://schemas.openxmlformats.org/drawingml/2006/compatibility" xmlns:p14="http://schemas.microsoft.com/office/powerpoint/2010/main" xmlns:p15="http://schemas.microsoft.com/office/powerpoint/2012/main" xmlns:ahyp="http://schemas.microsoft.com/office/drawing/2018/hyperlinkcolor" showMasterPhAnim="0" showMasterSp="0">
+<p:notes xmlns:a="http://schemas.openxmlformats.org/drawingml/2006/main" xmlns:r="http://schemas.openxmlformats.org/officeDocument/2006/relationships" xmlns:p="http://schemas.openxmlformats.org/presentationml/2006/main" showMasterSp="0" showMasterPhAnim="0">
   <p:cSld>
     <p:spTree>
       <p:nvGrpSpPr>
-        <p:cNvPr id="144" name="Shape 144"/>
+        <p:cNvPr id="1" name="Shape 144"/>
         <p:cNvGrpSpPr/>
         <p:nvPr/>
       </p:nvGrpSpPr>
@@ -935,9 +960,11 @@
       <p:sp>
         <p:nvSpPr>
           <p:cNvPr id="145" name="Google Shape;145;g39173bd9899_2_54:notes"/>
-          <p:cNvSpPr/>
+          <p:cNvSpPr>
+            <a:spLocks noGrp="1" noRot="1" noChangeAspect="1"/>
+          </p:cNvSpPr>
           <p:nvPr>
-            <p:ph idx="2" type="sldImg"/>
+            <p:ph type="sldImg" idx="2"/>
           </p:nvPr>
         </p:nvSpPr>
         <p:spPr>
@@ -946,9 +973,13 @@
             <a:ext cx="6096000" cy="3429000"/>
           </a:xfrm>
           <a:custGeom>
-            <a:rect b="b" l="l" r="r" t="t"/>
+            <a:avLst/>
+            <a:gdLst/>
+            <a:ahLst/>
+            <a:cxnLst/>
+            <a:rect l="l" t="t" r="r" b="b"/>
             <a:pathLst>
-              <a:path extrusionOk="0" h="120000" w="120000">
+              <a:path w="120000" h="120000" extrusionOk="0">
                 <a:moveTo>
                   <a:pt x="0" y="0"/>
                 </a:moveTo>
@@ -970,9 +1001,11 @@
       <p:sp>
         <p:nvSpPr>
           <p:cNvPr id="146" name="Google Shape;146;g39173bd9899_2_54:notes"/>
-          <p:cNvSpPr txBox="1"/>
+          <p:cNvSpPr txBox="1">
+            <a:spLocks noGrp="1"/>
+          </p:cNvSpPr>
           <p:nvPr>
-            <p:ph idx="1" type="body"/>
+            <p:ph type="body" idx="1"/>
           </p:nvPr>
         </p:nvSpPr>
         <p:spPr>
@@ -985,12 +1018,12 @@
           </a:prstGeom>
         </p:spPr>
         <p:txBody>
-          <a:bodyPr anchorCtr="0" anchor="t" bIns="91425" lIns="91425" spcFirstLastPara="1" rIns="91425" wrap="square" tIns="91425">
+          <a:bodyPr spcFirstLastPara="1" wrap="square" lIns="91425" tIns="91425" rIns="91425" bIns="91425" anchor="t" anchorCtr="0">
             <a:noAutofit/>
           </a:bodyPr>
           <a:lstStyle/>
           <a:p>
-            <a:pPr indent="0" lvl="0" marL="0" rtl="0" algn="l">
+            <a:pPr marL="0" lvl="0" indent="0" algn="l" rtl="0">
               <a:spcBef>
                 <a:spcPts val="0"/>
               </a:spcBef>
@@ -999,9 +1032,6 @@
               </a:spcAft>
               <a:buNone/>
             </a:pPr>
-            <a:r>
-              <a:t/>
-            </a:r>
             <a:endParaRPr/>
           </a:p>
         </p:txBody>
@@ -1015,11 +1045,11 @@
 </file>
 
 <file path=ppt/notesSlides/notesSlide12.xml><?xml version="1.0" encoding="utf-8"?>
-<p:notes xmlns:a="http://schemas.openxmlformats.org/drawingml/2006/main" xmlns:r="http://schemas.openxmlformats.org/officeDocument/2006/relationships" xmlns:mc="http://schemas.openxmlformats.org/markup-compatibility/2006" xmlns:mv="urn:schemas-microsoft-com:mac:vml" xmlns:p="http://schemas.openxmlformats.org/presentationml/2006/main" xmlns:c="http://schemas.openxmlformats.org/drawingml/2006/chart" xmlns:dgm="http://schemas.openxmlformats.org/drawingml/2006/diagram" xmlns:o="urn:schemas-microsoft-com:office:office" xmlns:v="urn:schemas-microsoft-com:vml" xmlns:pvml="urn:schemas-microsoft-com:office:powerpoint" xmlns:com="http://schemas.openxmlformats.org/drawingml/2006/compatibility" xmlns:p14="http://schemas.microsoft.com/office/powerpoint/2010/main" xmlns:p15="http://schemas.microsoft.com/office/powerpoint/2012/main" xmlns:ahyp="http://schemas.microsoft.com/office/drawing/2018/hyperlinkcolor" showMasterPhAnim="0" showMasterSp="0">
+<p:notes xmlns:a="http://schemas.openxmlformats.org/drawingml/2006/main" xmlns:r="http://schemas.openxmlformats.org/officeDocument/2006/relationships" xmlns:p="http://schemas.openxmlformats.org/presentationml/2006/main" showMasterSp="0" showMasterPhAnim="0">
   <p:cSld>
     <p:spTree>
       <p:nvGrpSpPr>
-        <p:cNvPr id="151" name="Shape 151"/>
+        <p:cNvPr id="1" name="Shape 151"/>
         <p:cNvGrpSpPr/>
         <p:nvPr/>
       </p:nvGrpSpPr>
@@ -1034,9 +1064,11 @@
       <p:sp>
         <p:nvSpPr>
           <p:cNvPr id="152" name="Google Shape;152;g39173bd9899_2_76:notes"/>
-          <p:cNvSpPr/>
+          <p:cNvSpPr>
+            <a:spLocks noGrp="1" noRot="1" noChangeAspect="1"/>
+          </p:cNvSpPr>
           <p:nvPr>
-            <p:ph idx="2" type="sldImg"/>
+            <p:ph type="sldImg" idx="2"/>
           </p:nvPr>
         </p:nvSpPr>
         <p:spPr>
@@ -1045,9 +1077,13 @@
             <a:ext cx="6096000" cy="3429000"/>
           </a:xfrm>
           <a:custGeom>
-            <a:rect b="b" l="l" r="r" t="t"/>
+            <a:avLst/>
+            <a:gdLst/>
+            <a:ahLst/>
+            <a:cxnLst/>
+            <a:rect l="l" t="t" r="r" b="b"/>
             <a:pathLst>
-              <a:path extrusionOk="0" h="120000" w="120000">
+              <a:path w="120000" h="120000" extrusionOk="0">
                 <a:moveTo>
                   <a:pt x="0" y="0"/>
                 </a:moveTo>
@@ -1069,9 +1105,11 @@
       <p:sp>
         <p:nvSpPr>
           <p:cNvPr id="153" name="Google Shape;153;g39173bd9899_2_76:notes"/>
-          <p:cNvSpPr txBox="1"/>
+          <p:cNvSpPr txBox="1">
+            <a:spLocks noGrp="1"/>
+          </p:cNvSpPr>
           <p:nvPr>
-            <p:ph idx="1" type="body"/>
+            <p:ph type="body" idx="1"/>
           </p:nvPr>
         </p:nvSpPr>
         <p:spPr>
@@ -1084,12 +1122,12 @@
           </a:prstGeom>
         </p:spPr>
         <p:txBody>
-          <a:bodyPr anchorCtr="0" anchor="t" bIns="91425" lIns="91425" spcFirstLastPara="1" rIns="91425" wrap="square" tIns="91425">
+          <a:bodyPr spcFirstLastPara="1" wrap="square" lIns="91425" tIns="91425" rIns="91425" bIns="91425" anchor="t" anchorCtr="0">
             <a:noAutofit/>
           </a:bodyPr>
           <a:lstStyle/>
           <a:p>
-            <a:pPr indent="0" lvl="0" marL="0" rtl="0" algn="l">
+            <a:pPr marL="0" lvl="0" indent="0" algn="l" rtl="0">
               <a:spcBef>
                 <a:spcPts val="0"/>
               </a:spcBef>
@@ -1098,9 +1136,6 @@
               </a:spcAft>
               <a:buNone/>
             </a:pPr>
-            <a:r>
-              <a:t/>
-            </a:r>
             <a:endParaRPr/>
           </a:p>
         </p:txBody>
@@ -1114,11 +1149,11 @@
 </file>
 
 <file path=ppt/notesSlides/notesSlide13.xml><?xml version="1.0" encoding="utf-8"?>
-<p:notes xmlns:a="http://schemas.openxmlformats.org/drawingml/2006/main" xmlns:r="http://schemas.openxmlformats.org/officeDocument/2006/relationships" xmlns:mc="http://schemas.openxmlformats.org/markup-compatibility/2006" xmlns:mv="urn:schemas-microsoft-com:mac:vml" xmlns:p="http://schemas.openxmlformats.org/presentationml/2006/main" xmlns:c="http://schemas.openxmlformats.org/drawingml/2006/chart" xmlns:dgm="http://schemas.openxmlformats.org/drawingml/2006/diagram" xmlns:o="urn:schemas-microsoft-com:office:office" xmlns:v="urn:schemas-microsoft-com:vml" xmlns:pvml="urn:schemas-microsoft-com:office:powerpoint" xmlns:com="http://schemas.openxmlformats.org/drawingml/2006/compatibility" xmlns:p14="http://schemas.microsoft.com/office/powerpoint/2010/main" xmlns:p15="http://schemas.microsoft.com/office/powerpoint/2012/main" xmlns:ahyp="http://schemas.microsoft.com/office/drawing/2018/hyperlinkcolor" showMasterPhAnim="0" showMasterSp="0">
+<p:notes xmlns:a="http://schemas.openxmlformats.org/drawingml/2006/main" xmlns:r="http://schemas.openxmlformats.org/officeDocument/2006/relationships" xmlns:p="http://schemas.openxmlformats.org/presentationml/2006/main" showMasterSp="0" showMasterPhAnim="0">
   <p:cSld>
     <p:spTree>
       <p:nvGrpSpPr>
-        <p:cNvPr id="157" name="Shape 157"/>
+        <p:cNvPr id="1" name="Shape 157"/>
         <p:cNvGrpSpPr/>
         <p:nvPr/>
       </p:nvGrpSpPr>
@@ -1133,9 +1168,11 @@
       <p:sp>
         <p:nvSpPr>
           <p:cNvPr id="158" name="Google Shape;158;g39173bd9899_2_87:notes"/>
-          <p:cNvSpPr/>
+          <p:cNvSpPr>
+            <a:spLocks noGrp="1" noRot="1" noChangeAspect="1"/>
+          </p:cNvSpPr>
           <p:nvPr>
-            <p:ph idx="2" type="sldImg"/>
+            <p:ph type="sldImg" idx="2"/>
           </p:nvPr>
         </p:nvSpPr>
         <p:spPr>
@@ -1144,9 +1181,13 @@
             <a:ext cx="6096000" cy="3429000"/>
           </a:xfrm>
           <a:custGeom>
-            <a:rect b="b" l="l" r="r" t="t"/>
+            <a:avLst/>
+            <a:gdLst/>
+            <a:ahLst/>
+            <a:cxnLst/>
+            <a:rect l="l" t="t" r="r" b="b"/>
             <a:pathLst>
-              <a:path extrusionOk="0" h="120000" w="120000">
+              <a:path w="120000" h="120000" extrusionOk="0">
                 <a:moveTo>
                   <a:pt x="0" y="0"/>
                 </a:moveTo>
@@ -1168,9 +1209,11 @@
       <p:sp>
         <p:nvSpPr>
           <p:cNvPr id="159" name="Google Shape;159;g39173bd9899_2_87:notes"/>
-          <p:cNvSpPr txBox="1"/>
+          <p:cNvSpPr txBox="1">
+            <a:spLocks noGrp="1"/>
+          </p:cNvSpPr>
           <p:nvPr>
-            <p:ph idx="1" type="body"/>
+            <p:ph type="body" idx="1"/>
           </p:nvPr>
         </p:nvSpPr>
         <p:spPr>
@@ -1183,12 +1226,12 @@
           </a:prstGeom>
         </p:spPr>
         <p:txBody>
-          <a:bodyPr anchorCtr="0" anchor="t" bIns="91425" lIns="91425" spcFirstLastPara="1" rIns="91425" wrap="square" tIns="91425">
+          <a:bodyPr spcFirstLastPara="1" wrap="square" lIns="91425" tIns="91425" rIns="91425" bIns="91425" anchor="t" anchorCtr="0">
             <a:noAutofit/>
           </a:bodyPr>
           <a:lstStyle/>
           <a:p>
-            <a:pPr indent="0" lvl="0" marL="0" rtl="0" algn="l">
+            <a:pPr marL="0" lvl="0" indent="0" algn="l" rtl="0">
               <a:spcBef>
                 <a:spcPts val="0"/>
               </a:spcBef>
@@ -1197,9 +1240,6 @@
               </a:spcAft>
               <a:buNone/>
             </a:pPr>
-            <a:r>
-              <a:t/>
-            </a:r>
             <a:endParaRPr/>
           </a:p>
         </p:txBody>
@@ -1213,11 +1253,11 @@
 </file>
 
 <file path=ppt/notesSlides/notesSlide14.xml><?xml version="1.0" encoding="utf-8"?>
-<p:notes xmlns:a="http://schemas.openxmlformats.org/drawingml/2006/main" xmlns:r="http://schemas.openxmlformats.org/officeDocument/2006/relationships" xmlns:mc="http://schemas.openxmlformats.org/markup-compatibility/2006" xmlns:mv="urn:schemas-microsoft-com:mac:vml" xmlns:p="http://schemas.openxmlformats.org/presentationml/2006/main" xmlns:c="http://schemas.openxmlformats.org/drawingml/2006/chart" xmlns:dgm="http://schemas.openxmlformats.org/drawingml/2006/diagram" xmlns:o="urn:schemas-microsoft-com:office:office" xmlns:v="urn:schemas-microsoft-com:vml" xmlns:pvml="urn:schemas-microsoft-com:office:powerpoint" xmlns:com="http://schemas.openxmlformats.org/drawingml/2006/compatibility" xmlns:p14="http://schemas.microsoft.com/office/powerpoint/2010/main" xmlns:p15="http://schemas.microsoft.com/office/powerpoint/2012/main" xmlns:ahyp="http://schemas.microsoft.com/office/drawing/2018/hyperlinkcolor" showMasterPhAnim="0" showMasterSp="0">
+<p:notes xmlns:a="http://schemas.openxmlformats.org/drawingml/2006/main" xmlns:r="http://schemas.openxmlformats.org/officeDocument/2006/relationships" xmlns:p="http://schemas.openxmlformats.org/presentationml/2006/main" showMasterSp="0" showMasterPhAnim="0">
   <p:cSld>
     <p:spTree>
       <p:nvGrpSpPr>
-        <p:cNvPr id="163" name="Shape 163"/>
+        <p:cNvPr id="1" name="Shape 163"/>
         <p:cNvGrpSpPr/>
         <p:nvPr/>
       </p:nvGrpSpPr>
@@ -1232,9 +1272,11 @@
       <p:sp>
         <p:nvSpPr>
           <p:cNvPr id="164" name="Google Shape;164;g39173bd9899_2_96:notes"/>
-          <p:cNvSpPr/>
+          <p:cNvSpPr>
+            <a:spLocks noGrp="1" noRot="1" noChangeAspect="1"/>
+          </p:cNvSpPr>
           <p:nvPr>
-            <p:ph idx="2" type="sldImg"/>
+            <p:ph type="sldImg" idx="2"/>
           </p:nvPr>
         </p:nvSpPr>
         <p:spPr>
@@ -1243,9 +1285,13 @@
             <a:ext cx="6096000" cy="3429000"/>
           </a:xfrm>
           <a:custGeom>
-            <a:rect b="b" l="l" r="r" t="t"/>
+            <a:avLst/>
+            <a:gdLst/>
+            <a:ahLst/>
+            <a:cxnLst/>
+            <a:rect l="l" t="t" r="r" b="b"/>
             <a:pathLst>
-              <a:path extrusionOk="0" h="120000" w="120000">
+              <a:path w="120000" h="120000" extrusionOk="0">
                 <a:moveTo>
                   <a:pt x="0" y="0"/>
                 </a:moveTo>
@@ -1267,9 +1313,11 @@
       <p:sp>
         <p:nvSpPr>
           <p:cNvPr id="165" name="Google Shape;165;g39173bd9899_2_96:notes"/>
-          <p:cNvSpPr txBox="1"/>
+          <p:cNvSpPr txBox="1">
+            <a:spLocks noGrp="1"/>
+          </p:cNvSpPr>
           <p:nvPr>
-            <p:ph idx="1" type="body"/>
+            <p:ph type="body" idx="1"/>
           </p:nvPr>
         </p:nvSpPr>
         <p:spPr>
@@ -1282,12 +1330,12 @@
           </a:prstGeom>
         </p:spPr>
         <p:txBody>
-          <a:bodyPr anchorCtr="0" anchor="t" bIns="91425" lIns="91425" spcFirstLastPara="1" rIns="91425" wrap="square" tIns="91425">
+          <a:bodyPr spcFirstLastPara="1" wrap="square" lIns="91425" tIns="91425" rIns="91425" bIns="91425" anchor="t" anchorCtr="0">
             <a:noAutofit/>
           </a:bodyPr>
           <a:lstStyle/>
           <a:p>
-            <a:pPr indent="0" lvl="0" marL="0" rtl="0" algn="l">
+            <a:pPr marL="0" lvl="0" indent="0" algn="l" rtl="0">
               <a:spcBef>
                 <a:spcPts val="0"/>
               </a:spcBef>
@@ -1296,9 +1344,6 @@
               </a:spcAft>
               <a:buNone/>
             </a:pPr>
-            <a:r>
-              <a:t/>
-            </a:r>
             <a:endParaRPr/>
           </a:p>
         </p:txBody>
@@ -1312,11 +1357,11 @@
 </file>
 
 <file path=ppt/notesSlides/notesSlide15.xml><?xml version="1.0" encoding="utf-8"?>
-<p:notes xmlns:a="http://schemas.openxmlformats.org/drawingml/2006/main" xmlns:r="http://schemas.openxmlformats.org/officeDocument/2006/relationships" xmlns:mc="http://schemas.openxmlformats.org/markup-compatibility/2006" xmlns:mv="urn:schemas-microsoft-com:mac:vml" xmlns:p="http://schemas.openxmlformats.org/presentationml/2006/main" xmlns:c="http://schemas.openxmlformats.org/drawingml/2006/chart" xmlns:dgm="http://schemas.openxmlformats.org/drawingml/2006/diagram" xmlns:o="urn:schemas-microsoft-com:office:office" xmlns:v="urn:schemas-microsoft-com:vml" xmlns:pvml="urn:schemas-microsoft-com:office:powerpoint" xmlns:com="http://schemas.openxmlformats.org/drawingml/2006/compatibility" xmlns:p14="http://schemas.microsoft.com/office/powerpoint/2010/main" xmlns:p15="http://schemas.microsoft.com/office/powerpoint/2012/main" xmlns:ahyp="http://schemas.microsoft.com/office/drawing/2018/hyperlinkcolor" showMasterPhAnim="0" showMasterSp="0">
+<p:notes xmlns:a="http://schemas.openxmlformats.org/drawingml/2006/main" xmlns:r="http://schemas.openxmlformats.org/officeDocument/2006/relationships" xmlns:p="http://schemas.openxmlformats.org/presentationml/2006/main" showMasterSp="0" showMasterPhAnim="0">
   <p:cSld>
     <p:spTree>
       <p:nvGrpSpPr>
-        <p:cNvPr id="169" name="Shape 169"/>
+        <p:cNvPr id="1" name="Shape 169"/>
         <p:cNvGrpSpPr/>
         <p:nvPr/>
       </p:nvGrpSpPr>
@@ -1331,9 +1376,11 @@
       <p:sp>
         <p:nvSpPr>
           <p:cNvPr id="170" name="Google Shape;170;g39173bd9899_2_105:notes"/>
-          <p:cNvSpPr/>
+          <p:cNvSpPr>
+            <a:spLocks noGrp="1" noRot="1" noChangeAspect="1"/>
+          </p:cNvSpPr>
           <p:nvPr>
-            <p:ph idx="2" type="sldImg"/>
+            <p:ph type="sldImg" idx="2"/>
           </p:nvPr>
         </p:nvSpPr>
         <p:spPr>
@@ -1342,9 +1389,13 @@
             <a:ext cx="6096000" cy="3429000"/>
           </a:xfrm>
           <a:custGeom>
-            <a:rect b="b" l="l" r="r" t="t"/>
+            <a:avLst/>
+            <a:gdLst/>
+            <a:ahLst/>
+            <a:cxnLst/>
+            <a:rect l="l" t="t" r="r" b="b"/>
             <a:pathLst>
-              <a:path extrusionOk="0" h="120000" w="120000">
+              <a:path w="120000" h="120000" extrusionOk="0">
                 <a:moveTo>
                   <a:pt x="0" y="0"/>
                 </a:moveTo>
@@ -1366,9 +1417,11 @@
       <p:sp>
         <p:nvSpPr>
           <p:cNvPr id="171" name="Google Shape;171;g39173bd9899_2_105:notes"/>
-          <p:cNvSpPr txBox="1"/>
+          <p:cNvSpPr txBox="1">
+            <a:spLocks noGrp="1"/>
+          </p:cNvSpPr>
           <p:nvPr>
-            <p:ph idx="1" type="body"/>
+            <p:ph type="body" idx="1"/>
           </p:nvPr>
         </p:nvSpPr>
         <p:spPr>
@@ -1381,12 +1434,12 @@
           </a:prstGeom>
         </p:spPr>
         <p:txBody>
-          <a:bodyPr anchorCtr="0" anchor="t" bIns="91425" lIns="91425" spcFirstLastPara="1" rIns="91425" wrap="square" tIns="91425">
+          <a:bodyPr spcFirstLastPara="1" wrap="square" lIns="91425" tIns="91425" rIns="91425" bIns="91425" anchor="t" anchorCtr="0">
             <a:noAutofit/>
           </a:bodyPr>
           <a:lstStyle/>
           <a:p>
-            <a:pPr indent="0" lvl="0" marL="0" rtl="0" algn="l">
+            <a:pPr marL="0" lvl="0" indent="0" algn="l" rtl="0">
               <a:spcBef>
                 <a:spcPts val="0"/>
               </a:spcBef>
@@ -1395,9 +1448,6 @@
               </a:spcAft>
               <a:buNone/>
             </a:pPr>
-            <a:r>
-              <a:t/>
-            </a:r>
             <a:endParaRPr/>
           </a:p>
         </p:txBody>
@@ -1411,11 +1461,11 @@
 </file>
 
 <file path=ppt/notesSlides/notesSlide16.xml><?xml version="1.0" encoding="utf-8"?>
-<p:notes xmlns:a="http://schemas.openxmlformats.org/drawingml/2006/main" xmlns:r="http://schemas.openxmlformats.org/officeDocument/2006/relationships" xmlns:mc="http://schemas.openxmlformats.org/markup-compatibility/2006" xmlns:mv="urn:schemas-microsoft-com:mac:vml" xmlns:p="http://schemas.openxmlformats.org/presentationml/2006/main" xmlns:c="http://schemas.openxmlformats.org/drawingml/2006/chart" xmlns:dgm="http://schemas.openxmlformats.org/drawingml/2006/diagram" xmlns:o="urn:schemas-microsoft-com:office:office" xmlns:v="urn:schemas-microsoft-com:vml" xmlns:pvml="urn:schemas-microsoft-com:office:powerpoint" xmlns:com="http://schemas.openxmlformats.org/drawingml/2006/compatibility" xmlns:p14="http://schemas.microsoft.com/office/powerpoint/2010/main" xmlns:p15="http://schemas.microsoft.com/office/powerpoint/2012/main" xmlns:ahyp="http://schemas.microsoft.com/office/drawing/2018/hyperlinkcolor" showMasterPhAnim="0" showMasterSp="0">
+<p:notes xmlns:a="http://schemas.openxmlformats.org/drawingml/2006/main" xmlns:r="http://schemas.openxmlformats.org/officeDocument/2006/relationships" xmlns:p="http://schemas.openxmlformats.org/presentationml/2006/main" showMasterSp="0" showMasterPhAnim="0">
   <p:cSld>
     <p:spTree>
       <p:nvGrpSpPr>
-        <p:cNvPr id="175" name="Shape 175"/>
+        <p:cNvPr id="1" name="Shape 175"/>
         <p:cNvGrpSpPr/>
         <p:nvPr/>
       </p:nvGrpSpPr>
@@ -1430,9 +1480,11 @@
       <p:sp>
         <p:nvSpPr>
           <p:cNvPr id="176" name="Google Shape;176;g39173bd9899_1_9:notes"/>
-          <p:cNvSpPr/>
+          <p:cNvSpPr>
+            <a:spLocks noGrp="1" noRot="1" noChangeAspect="1"/>
+          </p:cNvSpPr>
           <p:nvPr>
-            <p:ph idx="2" type="sldImg"/>
+            <p:ph type="sldImg" idx="2"/>
           </p:nvPr>
         </p:nvSpPr>
         <p:spPr>
@@ -1441,9 +1493,13 @@
             <a:ext cx="6096000" cy="3429000"/>
           </a:xfrm>
           <a:custGeom>
-            <a:rect b="b" l="l" r="r" t="t"/>
+            <a:avLst/>
+            <a:gdLst/>
+            <a:ahLst/>
+            <a:cxnLst/>
+            <a:rect l="l" t="t" r="r" b="b"/>
             <a:pathLst>
-              <a:path extrusionOk="0" h="120000" w="120000">
+              <a:path w="120000" h="120000" extrusionOk="0">
                 <a:moveTo>
                   <a:pt x="0" y="0"/>
                 </a:moveTo>
@@ -1465,9 +1521,11 @@
       <p:sp>
         <p:nvSpPr>
           <p:cNvPr id="177" name="Google Shape;177;g39173bd9899_1_9:notes"/>
-          <p:cNvSpPr txBox="1"/>
+          <p:cNvSpPr txBox="1">
+            <a:spLocks noGrp="1"/>
+          </p:cNvSpPr>
           <p:nvPr>
-            <p:ph idx="1" type="body"/>
+            <p:ph type="body" idx="1"/>
           </p:nvPr>
         </p:nvSpPr>
         <p:spPr>
@@ -1480,12 +1538,12 @@
           </a:prstGeom>
         </p:spPr>
         <p:txBody>
-          <a:bodyPr anchorCtr="0" anchor="t" bIns="91425" lIns="91425" spcFirstLastPara="1" rIns="91425" wrap="square" tIns="91425">
+          <a:bodyPr spcFirstLastPara="1" wrap="square" lIns="91425" tIns="91425" rIns="91425" bIns="91425" anchor="t" anchorCtr="0">
             <a:noAutofit/>
           </a:bodyPr>
           <a:lstStyle/>
           <a:p>
-            <a:pPr indent="0" lvl="0" marL="0" rtl="0" algn="l">
+            <a:pPr marL="0" lvl="0" indent="0" algn="l" rtl="0">
               <a:spcBef>
                 <a:spcPts val="0"/>
               </a:spcBef>
@@ -1494,9 +1552,6 @@
               </a:spcAft>
               <a:buNone/>
             </a:pPr>
-            <a:r>
-              <a:t/>
-            </a:r>
             <a:endParaRPr/>
           </a:p>
         </p:txBody>
@@ -1510,11 +1565,11 @@
 </file>
 
 <file path=ppt/notesSlides/notesSlide2.xml><?xml version="1.0" encoding="utf-8"?>
-<p:notes xmlns:a="http://schemas.openxmlformats.org/drawingml/2006/main" xmlns:r="http://schemas.openxmlformats.org/officeDocument/2006/relationships" xmlns:mc="http://schemas.openxmlformats.org/markup-compatibility/2006" xmlns:mv="urn:schemas-microsoft-com:mac:vml" xmlns:p="http://schemas.openxmlformats.org/presentationml/2006/main" xmlns:c="http://schemas.openxmlformats.org/drawingml/2006/chart" xmlns:dgm="http://schemas.openxmlformats.org/drawingml/2006/diagram" xmlns:o="urn:schemas-microsoft-com:office:office" xmlns:v="urn:schemas-microsoft-com:vml" xmlns:pvml="urn:schemas-microsoft-com:office:powerpoint" xmlns:com="http://schemas.openxmlformats.org/drawingml/2006/compatibility" xmlns:p14="http://schemas.microsoft.com/office/powerpoint/2010/main" xmlns:p15="http://schemas.microsoft.com/office/powerpoint/2012/main" xmlns:ahyp="http://schemas.microsoft.com/office/drawing/2018/hyperlinkcolor" showMasterPhAnim="0" showMasterSp="0">
+<p:notes xmlns:a="http://schemas.openxmlformats.org/drawingml/2006/main" xmlns:r="http://schemas.openxmlformats.org/officeDocument/2006/relationships" xmlns:p="http://schemas.openxmlformats.org/presentationml/2006/main" showMasterSp="0" showMasterPhAnim="0">
   <p:cSld>
     <p:spTree>
       <p:nvGrpSpPr>
-        <p:cNvPr id="88" name="Shape 88"/>
+        <p:cNvPr id="1" name="Shape 88"/>
         <p:cNvGrpSpPr/>
         <p:nvPr/>
       </p:nvGrpSpPr>
@@ -1529,9 +1584,11 @@
       <p:sp>
         <p:nvSpPr>
           <p:cNvPr id="89" name="Google Shape;89;g39173bd9899_0_78:notes"/>
-          <p:cNvSpPr/>
+          <p:cNvSpPr>
+            <a:spLocks noGrp="1" noRot="1" noChangeAspect="1"/>
+          </p:cNvSpPr>
           <p:nvPr>
-            <p:ph idx="2" type="sldImg"/>
+            <p:ph type="sldImg" idx="2"/>
           </p:nvPr>
         </p:nvSpPr>
         <p:spPr>
@@ -1540,9 +1597,13 @@
             <a:ext cx="6096000" cy="3429000"/>
           </a:xfrm>
           <a:custGeom>
-            <a:rect b="b" l="l" r="r" t="t"/>
+            <a:avLst/>
+            <a:gdLst/>
+            <a:ahLst/>
+            <a:cxnLst/>
+            <a:rect l="l" t="t" r="r" b="b"/>
             <a:pathLst>
-              <a:path extrusionOk="0" h="120000" w="120000">
+              <a:path w="120000" h="120000" extrusionOk="0">
                 <a:moveTo>
                   <a:pt x="0" y="0"/>
                 </a:moveTo>
@@ -1564,9 +1625,11 @@
       <p:sp>
         <p:nvSpPr>
           <p:cNvPr id="90" name="Google Shape;90;g39173bd9899_0_78:notes"/>
-          <p:cNvSpPr txBox="1"/>
+          <p:cNvSpPr txBox="1">
+            <a:spLocks noGrp="1"/>
+          </p:cNvSpPr>
           <p:nvPr>
-            <p:ph idx="1" type="body"/>
+            <p:ph type="body" idx="1"/>
           </p:nvPr>
         </p:nvSpPr>
         <p:spPr>
@@ -1579,12 +1642,12 @@
           </a:prstGeom>
         </p:spPr>
         <p:txBody>
-          <a:bodyPr anchorCtr="0" anchor="t" bIns="91425" lIns="91425" spcFirstLastPara="1" rIns="91425" wrap="square" tIns="91425">
+          <a:bodyPr spcFirstLastPara="1" wrap="square" lIns="91425" tIns="91425" rIns="91425" bIns="91425" anchor="t" anchorCtr="0">
             <a:noAutofit/>
           </a:bodyPr>
           <a:lstStyle/>
           <a:p>
-            <a:pPr indent="0" lvl="0" marL="0" rtl="0" algn="l">
+            <a:pPr marL="0" lvl="0" indent="0" algn="l" rtl="0">
               <a:spcBef>
                 <a:spcPts val="0"/>
               </a:spcBef>
@@ -1593,9 +1656,6 @@
               </a:spcAft>
               <a:buNone/>
             </a:pPr>
-            <a:r>
-              <a:t/>
-            </a:r>
             <a:endParaRPr/>
           </a:p>
         </p:txBody>
@@ -1609,11 +1669,11 @@
 </file>
 
 <file path=ppt/notesSlides/notesSlide3.xml><?xml version="1.0" encoding="utf-8"?>
-<p:notes xmlns:a="http://schemas.openxmlformats.org/drawingml/2006/main" xmlns:r="http://schemas.openxmlformats.org/officeDocument/2006/relationships" xmlns:mc="http://schemas.openxmlformats.org/markup-compatibility/2006" xmlns:mv="urn:schemas-microsoft-com:mac:vml" xmlns:p="http://schemas.openxmlformats.org/presentationml/2006/main" xmlns:c="http://schemas.openxmlformats.org/drawingml/2006/chart" xmlns:dgm="http://schemas.openxmlformats.org/drawingml/2006/diagram" xmlns:o="urn:schemas-microsoft-com:office:office" xmlns:v="urn:schemas-microsoft-com:vml" xmlns:pvml="urn:schemas-microsoft-com:office:powerpoint" xmlns:com="http://schemas.openxmlformats.org/drawingml/2006/compatibility" xmlns:p14="http://schemas.microsoft.com/office/powerpoint/2010/main" xmlns:p15="http://schemas.microsoft.com/office/powerpoint/2012/main" xmlns:ahyp="http://schemas.microsoft.com/office/drawing/2018/hyperlinkcolor" showMasterPhAnim="0" showMasterSp="0">
+<p:notes xmlns:a="http://schemas.openxmlformats.org/drawingml/2006/main" xmlns:r="http://schemas.openxmlformats.org/officeDocument/2006/relationships" xmlns:p="http://schemas.openxmlformats.org/presentationml/2006/main" showMasterSp="0" showMasterPhAnim="0">
   <p:cSld>
     <p:spTree>
       <p:nvGrpSpPr>
-        <p:cNvPr id="94" name="Shape 94"/>
+        <p:cNvPr id="1" name="Shape 94"/>
         <p:cNvGrpSpPr/>
         <p:nvPr/>
       </p:nvGrpSpPr>
@@ -1628,9 +1688,11 @@
       <p:sp>
         <p:nvSpPr>
           <p:cNvPr id="95" name="Google Shape;95;g39173bd9899_0_85:notes"/>
-          <p:cNvSpPr/>
+          <p:cNvSpPr>
+            <a:spLocks noGrp="1" noRot="1" noChangeAspect="1"/>
+          </p:cNvSpPr>
           <p:nvPr>
-            <p:ph idx="2" type="sldImg"/>
+            <p:ph type="sldImg" idx="2"/>
           </p:nvPr>
         </p:nvSpPr>
         <p:spPr>
@@ -1639,9 +1701,13 @@
             <a:ext cx="6096000" cy="3429000"/>
           </a:xfrm>
           <a:custGeom>
-            <a:rect b="b" l="l" r="r" t="t"/>
+            <a:avLst/>
+            <a:gdLst/>
+            <a:ahLst/>
+            <a:cxnLst/>
+            <a:rect l="l" t="t" r="r" b="b"/>
             <a:pathLst>
-              <a:path extrusionOk="0" h="120000" w="120000">
+              <a:path w="120000" h="120000" extrusionOk="0">
                 <a:moveTo>
                   <a:pt x="0" y="0"/>
                 </a:moveTo>
@@ -1663,9 +1729,11 @@
       <p:sp>
         <p:nvSpPr>
           <p:cNvPr id="96" name="Google Shape;96;g39173bd9899_0_85:notes"/>
-          <p:cNvSpPr txBox="1"/>
+          <p:cNvSpPr txBox="1">
+            <a:spLocks noGrp="1"/>
+          </p:cNvSpPr>
           <p:nvPr>
-            <p:ph idx="1" type="body"/>
+            <p:ph type="body" idx="1"/>
           </p:nvPr>
         </p:nvSpPr>
         <p:spPr>
@@ -1678,12 +1746,12 @@
           </a:prstGeom>
         </p:spPr>
         <p:txBody>
-          <a:bodyPr anchorCtr="0" anchor="t" bIns="91425" lIns="91425" spcFirstLastPara="1" rIns="91425" wrap="square" tIns="91425">
+          <a:bodyPr spcFirstLastPara="1" wrap="square" lIns="91425" tIns="91425" rIns="91425" bIns="91425" anchor="t" anchorCtr="0">
             <a:noAutofit/>
           </a:bodyPr>
           <a:lstStyle/>
           <a:p>
-            <a:pPr indent="0" lvl="0" marL="0" rtl="0" algn="l">
+            <a:pPr marL="0" lvl="0" indent="0" algn="l" rtl="0">
               <a:spcBef>
                 <a:spcPts val="0"/>
               </a:spcBef>
@@ -1692,9 +1760,6 @@
               </a:spcAft>
               <a:buNone/>
             </a:pPr>
-            <a:r>
-              <a:t/>
-            </a:r>
             <a:endParaRPr/>
           </a:p>
         </p:txBody>
@@ -1708,11 +1773,11 @@
 </file>
 
 <file path=ppt/notesSlides/notesSlide4.xml><?xml version="1.0" encoding="utf-8"?>
-<p:notes xmlns:a="http://schemas.openxmlformats.org/drawingml/2006/main" xmlns:r="http://schemas.openxmlformats.org/officeDocument/2006/relationships" xmlns:mc="http://schemas.openxmlformats.org/markup-compatibility/2006" xmlns:mv="urn:schemas-microsoft-com:mac:vml" xmlns:p="http://schemas.openxmlformats.org/presentationml/2006/main" xmlns:c="http://schemas.openxmlformats.org/drawingml/2006/chart" xmlns:dgm="http://schemas.openxmlformats.org/drawingml/2006/diagram" xmlns:o="urn:schemas-microsoft-com:office:office" xmlns:v="urn:schemas-microsoft-com:vml" xmlns:pvml="urn:schemas-microsoft-com:office:powerpoint" xmlns:com="http://schemas.openxmlformats.org/drawingml/2006/compatibility" xmlns:p14="http://schemas.microsoft.com/office/powerpoint/2010/main" xmlns:p15="http://schemas.microsoft.com/office/powerpoint/2012/main" xmlns:ahyp="http://schemas.microsoft.com/office/drawing/2018/hyperlinkcolor" showMasterPhAnim="0" showMasterSp="0">
+<p:notes xmlns:a="http://schemas.openxmlformats.org/drawingml/2006/main" xmlns:r="http://schemas.openxmlformats.org/officeDocument/2006/relationships" xmlns:p="http://schemas.openxmlformats.org/presentationml/2006/main" showMasterSp="0" showMasterPhAnim="0">
   <p:cSld>
     <p:spTree>
       <p:nvGrpSpPr>
-        <p:cNvPr id="100" name="Shape 100"/>
+        <p:cNvPr id="1" name="Shape 100"/>
         <p:cNvGrpSpPr/>
         <p:nvPr/>
       </p:nvGrpSpPr>
@@ -1727,9 +1792,11 @@
       <p:sp>
         <p:nvSpPr>
           <p:cNvPr id="101" name="Google Shape;101;g39173bd9899_0_94:notes"/>
-          <p:cNvSpPr/>
+          <p:cNvSpPr>
+            <a:spLocks noGrp="1" noRot="1" noChangeAspect="1"/>
+          </p:cNvSpPr>
           <p:nvPr>
-            <p:ph idx="2" type="sldImg"/>
+            <p:ph type="sldImg" idx="2"/>
           </p:nvPr>
         </p:nvSpPr>
         <p:spPr>
@@ -1738,9 +1805,13 @@
             <a:ext cx="6096000" cy="3429000"/>
           </a:xfrm>
           <a:custGeom>
-            <a:rect b="b" l="l" r="r" t="t"/>
+            <a:avLst/>
+            <a:gdLst/>
+            <a:ahLst/>
+            <a:cxnLst/>
+            <a:rect l="l" t="t" r="r" b="b"/>
             <a:pathLst>
-              <a:path extrusionOk="0" h="120000" w="120000">
+              <a:path w="120000" h="120000" extrusionOk="0">
                 <a:moveTo>
                   <a:pt x="0" y="0"/>
                 </a:moveTo>
@@ -1762,9 +1833,11 @@
       <p:sp>
         <p:nvSpPr>
           <p:cNvPr id="102" name="Google Shape;102;g39173bd9899_0_94:notes"/>
-          <p:cNvSpPr txBox="1"/>
+          <p:cNvSpPr txBox="1">
+            <a:spLocks noGrp="1"/>
+          </p:cNvSpPr>
           <p:nvPr>
-            <p:ph idx="1" type="body"/>
+            <p:ph type="body" idx="1"/>
           </p:nvPr>
         </p:nvSpPr>
         <p:spPr>
@@ -1777,12 +1850,12 @@
           </a:prstGeom>
         </p:spPr>
         <p:txBody>
-          <a:bodyPr anchorCtr="0" anchor="t" bIns="91425" lIns="91425" spcFirstLastPara="1" rIns="91425" wrap="square" tIns="91425">
+          <a:bodyPr spcFirstLastPara="1" wrap="square" lIns="91425" tIns="91425" rIns="91425" bIns="91425" anchor="t" anchorCtr="0">
             <a:noAutofit/>
           </a:bodyPr>
           <a:lstStyle/>
           <a:p>
-            <a:pPr indent="0" lvl="0" marL="0" rtl="0" algn="l">
+            <a:pPr marL="0" lvl="0" indent="0" algn="l" rtl="0">
               <a:spcBef>
                 <a:spcPts val="0"/>
               </a:spcBef>
@@ -1791,9 +1864,6 @@
               </a:spcAft>
               <a:buNone/>
             </a:pPr>
-            <a:r>
-              <a:t/>
-            </a:r>
             <a:endParaRPr/>
           </a:p>
         </p:txBody>
@@ -1807,11 +1877,11 @@
 </file>
 
 <file path=ppt/notesSlides/notesSlide5.xml><?xml version="1.0" encoding="utf-8"?>
-<p:notes xmlns:a="http://schemas.openxmlformats.org/drawingml/2006/main" xmlns:r="http://schemas.openxmlformats.org/officeDocument/2006/relationships" xmlns:mc="http://schemas.openxmlformats.org/markup-compatibility/2006" xmlns:mv="urn:schemas-microsoft-com:mac:vml" xmlns:p="http://schemas.openxmlformats.org/presentationml/2006/main" xmlns:c="http://schemas.openxmlformats.org/drawingml/2006/chart" xmlns:dgm="http://schemas.openxmlformats.org/drawingml/2006/diagram" xmlns:o="urn:schemas-microsoft-com:office:office" xmlns:v="urn:schemas-microsoft-com:vml" xmlns:pvml="urn:schemas-microsoft-com:office:powerpoint" xmlns:com="http://schemas.openxmlformats.org/drawingml/2006/compatibility" xmlns:p14="http://schemas.microsoft.com/office/powerpoint/2010/main" xmlns:p15="http://schemas.microsoft.com/office/powerpoint/2012/main" xmlns:ahyp="http://schemas.microsoft.com/office/drawing/2018/hyperlinkcolor" showMasterPhAnim="0" showMasterSp="0">
+<p:notes xmlns:a="http://schemas.openxmlformats.org/drawingml/2006/main" xmlns:r="http://schemas.openxmlformats.org/officeDocument/2006/relationships" xmlns:p="http://schemas.openxmlformats.org/presentationml/2006/main" showMasterSp="0" showMasterPhAnim="0">
   <p:cSld>
     <p:spTree>
       <p:nvGrpSpPr>
-        <p:cNvPr id="106" name="Shape 106"/>
+        <p:cNvPr id="1" name="Shape 106"/>
         <p:cNvGrpSpPr/>
         <p:nvPr/>
       </p:nvGrpSpPr>
@@ -1826,9 +1896,11 @@
       <p:sp>
         <p:nvSpPr>
           <p:cNvPr id="107" name="Google Shape;107;g39173bd9899_2_6:notes"/>
-          <p:cNvSpPr/>
+          <p:cNvSpPr>
+            <a:spLocks noGrp="1" noRot="1" noChangeAspect="1"/>
+          </p:cNvSpPr>
           <p:nvPr>
-            <p:ph idx="2" type="sldImg"/>
+            <p:ph type="sldImg" idx="2"/>
           </p:nvPr>
         </p:nvSpPr>
         <p:spPr>
@@ -1837,9 +1909,13 @@
             <a:ext cx="6096000" cy="3429000"/>
           </a:xfrm>
           <a:custGeom>
-            <a:rect b="b" l="l" r="r" t="t"/>
+            <a:avLst/>
+            <a:gdLst/>
+            <a:ahLst/>
+            <a:cxnLst/>
+            <a:rect l="l" t="t" r="r" b="b"/>
             <a:pathLst>
-              <a:path extrusionOk="0" h="120000" w="120000">
+              <a:path w="120000" h="120000" extrusionOk="0">
                 <a:moveTo>
                   <a:pt x="0" y="0"/>
                 </a:moveTo>
@@ -1861,9 +1937,11 @@
       <p:sp>
         <p:nvSpPr>
           <p:cNvPr id="108" name="Google Shape;108;g39173bd9899_2_6:notes"/>
-          <p:cNvSpPr txBox="1"/>
+          <p:cNvSpPr txBox="1">
+            <a:spLocks noGrp="1"/>
+          </p:cNvSpPr>
           <p:nvPr>
-            <p:ph idx="1" type="body"/>
+            <p:ph type="body" idx="1"/>
           </p:nvPr>
         </p:nvSpPr>
         <p:spPr>
@@ -1876,12 +1954,12 @@
           </a:prstGeom>
         </p:spPr>
         <p:txBody>
-          <a:bodyPr anchorCtr="0" anchor="t" bIns="91425" lIns="91425" spcFirstLastPara="1" rIns="91425" wrap="square" tIns="91425">
+          <a:bodyPr spcFirstLastPara="1" wrap="square" lIns="91425" tIns="91425" rIns="91425" bIns="91425" anchor="t" anchorCtr="0">
             <a:noAutofit/>
           </a:bodyPr>
           <a:lstStyle/>
           <a:p>
-            <a:pPr indent="0" lvl="0" marL="0" rtl="0" algn="l">
+            <a:pPr marL="0" lvl="0" indent="0" algn="l" rtl="0">
               <a:spcBef>
                 <a:spcPts val="0"/>
               </a:spcBef>
@@ -1890,9 +1968,6 @@
               </a:spcAft>
               <a:buNone/>
             </a:pPr>
-            <a:r>
-              <a:t/>
-            </a:r>
             <a:endParaRPr/>
           </a:p>
         </p:txBody>
@@ -1906,11 +1981,11 @@
 </file>
 
 <file path=ppt/notesSlides/notesSlide6.xml><?xml version="1.0" encoding="utf-8"?>
-<p:notes xmlns:a="http://schemas.openxmlformats.org/drawingml/2006/main" xmlns:r="http://schemas.openxmlformats.org/officeDocument/2006/relationships" xmlns:mc="http://schemas.openxmlformats.org/markup-compatibility/2006" xmlns:mv="urn:schemas-microsoft-com:mac:vml" xmlns:p="http://schemas.openxmlformats.org/presentationml/2006/main" xmlns:c="http://schemas.openxmlformats.org/drawingml/2006/chart" xmlns:dgm="http://schemas.openxmlformats.org/drawingml/2006/diagram" xmlns:o="urn:schemas-microsoft-com:office:office" xmlns:v="urn:schemas-microsoft-com:vml" xmlns:pvml="urn:schemas-microsoft-com:office:powerpoint" xmlns:com="http://schemas.openxmlformats.org/drawingml/2006/compatibility" xmlns:p14="http://schemas.microsoft.com/office/powerpoint/2010/main" xmlns:p15="http://schemas.microsoft.com/office/powerpoint/2012/main" xmlns:ahyp="http://schemas.microsoft.com/office/drawing/2018/hyperlinkcolor" showMasterPhAnim="0" showMasterSp="0">
+<p:notes xmlns:a="http://schemas.openxmlformats.org/drawingml/2006/main" xmlns:r="http://schemas.openxmlformats.org/officeDocument/2006/relationships" xmlns:p="http://schemas.openxmlformats.org/presentationml/2006/main" showMasterSp="0" showMasterPhAnim="0">
   <p:cSld>
     <p:spTree>
       <p:nvGrpSpPr>
-        <p:cNvPr id="112" name="Shape 112"/>
+        <p:cNvPr id="1" name="Shape 112"/>
         <p:cNvGrpSpPr/>
         <p:nvPr/>
       </p:nvGrpSpPr>
@@ -1925,9 +2000,11 @@
       <p:sp>
         <p:nvSpPr>
           <p:cNvPr id="113" name="Google Shape;113;g39173bd9899_0_101:notes"/>
-          <p:cNvSpPr/>
+          <p:cNvSpPr>
+            <a:spLocks noGrp="1" noRot="1" noChangeAspect="1"/>
+          </p:cNvSpPr>
           <p:nvPr>
-            <p:ph idx="2" type="sldImg"/>
+            <p:ph type="sldImg" idx="2"/>
           </p:nvPr>
         </p:nvSpPr>
         <p:spPr>
@@ -1936,9 +2013,13 @@
             <a:ext cx="6096000" cy="3429000"/>
           </a:xfrm>
           <a:custGeom>
-            <a:rect b="b" l="l" r="r" t="t"/>
+            <a:avLst/>
+            <a:gdLst/>
+            <a:ahLst/>
+            <a:cxnLst/>
+            <a:rect l="l" t="t" r="r" b="b"/>
             <a:pathLst>
-              <a:path extrusionOk="0" h="120000" w="120000">
+              <a:path w="120000" h="120000" extrusionOk="0">
                 <a:moveTo>
                   <a:pt x="0" y="0"/>
                 </a:moveTo>
@@ -1960,9 +2041,11 @@
       <p:sp>
         <p:nvSpPr>
           <p:cNvPr id="114" name="Google Shape;114;g39173bd9899_0_101:notes"/>
-          <p:cNvSpPr txBox="1"/>
+          <p:cNvSpPr txBox="1">
+            <a:spLocks noGrp="1"/>
+          </p:cNvSpPr>
           <p:nvPr>
-            <p:ph idx="1" type="body"/>
+            <p:ph type="body" idx="1"/>
           </p:nvPr>
         </p:nvSpPr>
         <p:spPr>
@@ -1975,12 +2058,12 @@
           </a:prstGeom>
         </p:spPr>
         <p:txBody>
-          <a:bodyPr anchorCtr="0" anchor="t" bIns="91425" lIns="91425" spcFirstLastPara="1" rIns="91425" wrap="square" tIns="91425">
+          <a:bodyPr spcFirstLastPara="1" wrap="square" lIns="91425" tIns="91425" rIns="91425" bIns="91425" anchor="t" anchorCtr="0">
             <a:noAutofit/>
           </a:bodyPr>
           <a:lstStyle/>
           <a:p>
-            <a:pPr indent="0" lvl="0" marL="0" rtl="0" algn="l">
+            <a:pPr marL="0" lvl="0" indent="0" algn="l" rtl="0">
               <a:spcBef>
                 <a:spcPts val="0"/>
               </a:spcBef>
@@ -1989,9 +2072,6 @@
               </a:spcAft>
               <a:buNone/>
             </a:pPr>
-            <a:r>
-              <a:t/>
-            </a:r>
             <a:endParaRPr/>
           </a:p>
         </p:txBody>
@@ -2005,11 +2085,11 @@
 </file>
 
 <file path=ppt/notesSlides/notesSlide7.xml><?xml version="1.0" encoding="utf-8"?>
-<p:notes xmlns:a="http://schemas.openxmlformats.org/drawingml/2006/main" xmlns:r="http://schemas.openxmlformats.org/officeDocument/2006/relationships" xmlns:mc="http://schemas.openxmlformats.org/markup-compatibility/2006" xmlns:mv="urn:schemas-microsoft-com:mac:vml" xmlns:p="http://schemas.openxmlformats.org/presentationml/2006/main" xmlns:c="http://schemas.openxmlformats.org/drawingml/2006/chart" xmlns:dgm="http://schemas.openxmlformats.org/drawingml/2006/diagram" xmlns:o="urn:schemas-microsoft-com:office:office" xmlns:v="urn:schemas-microsoft-com:vml" xmlns:pvml="urn:schemas-microsoft-com:office:powerpoint" xmlns:com="http://schemas.openxmlformats.org/drawingml/2006/compatibility" xmlns:p14="http://schemas.microsoft.com/office/powerpoint/2010/main" xmlns:p15="http://schemas.microsoft.com/office/powerpoint/2012/main" xmlns:ahyp="http://schemas.microsoft.com/office/drawing/2018/hyperlinkcolor" showMasterPhAnim="0" showMasterSp="0">
+<p:notes xmlns:a="http://schemas.openxmlformats.org/drawingml/2006/main" xmlns:r="http://schemas.openxmlformats.org/officeDocument/2006/relationships" xmlns:p="http://schemas.openxmlformats.org/presentationml/2006/main" showMasterSp="0" showMasterPhAnim="0">
   <p:cSld>
     <p:spTree>
       <p:nvGrpSpPr>
-        <p:cNvPr id="118" name="Shape 118"/>
+        <p:cNvPr id="1" name="Shape 118"/>
         <p:cNvGrpSpPr/>
         <p:nvPr/>
       </p:nvGrpSpPr>
@@ -2024,9 +2104,11 @@
       <p:sp>
         <p:nvSpPr>
           <p:cNvPr id="119" name="Google Shape;119;g39173bd9899_0_109:notes"/>
-          <p:cNvSpPr/>
+          <p:cNvSpPr>
+            <a:spLocks noGrp="1" noRot="1" noChangeAspect="1"/>
+          </p:cNvSpPr>
           <p:nvPr>
-            <p:ph idx="2" type="sldImg"/>
+            <p:ph type="sldImg" idx="2"/>
           </p:nvPr>
         </p:nvSpPr>
         <p:spPr>
@@ -2035,9 +2117,13 @@
             <a:ext cx="6096000" cy="3429000"/>
           </a:xfrm>
           <a:custGeom>
-            <a:rect b="b" l="l" r="r" t="t"/>
+            <a:avLst/>
+            <a:gdLst/>
+            <a:ahLst/>
+            <a:cxnLst/>
+            <a:rect l="l" t="t" r="r" b="b"/>
             <a:pathLst>
-              <a:path extrusionOk="0" h="120000" w="120000">
+              <a:path w="120000" h="120000" extrusionOk="0">
                 <a:moveTo>
                   <a:pt x="0" y="0"/>
                 </a:moveTo>
@@ -2059,9 +2145,11 @@
       <p:sp>
         <p:nvSpPr>
           <p:cNvPr id="120" name="Google Shape;120;g39173bd9899_0_109:notes"/>
-          <p:cNvSpPr txBox="1"/>
+          <p:cNvSpPr txBox="1">
+            <a:spLocks noGrp="1"/>
+          </p:cNvSpPr>
           <p:nvPr>
-            <p:ph idx="1" type="body"/>
+            <p:ph type="body" idx="1"/>
           </p:nvPr>
         </p:nvSpPr>
         <p:spPr>
@@ -2074,12 +2162,12 @@
           </a:prstGeom>
         </p:spPr>
         <p:txBody>
-          <a:bodyPr anchorCtr="0" anchor="t" bIns="91425" lIns="91425" spcFirstLastPara="1" rIns="91425" wrap="square" tIns="91425">
+          <a:bodyPr spcFirstLastPara="1" wrap="square" lIns="91425" tIns="91425" rIns="91425" bIns="91425" anchor="t" anchorCtr="0">
             <a:noAutofit/>
           </a:bodyPr>
           <a:lstStyle/>
           <a:p>
-            <a:pPr indent="0" lvl="0" marL="0" rtl="0" algn="l">
+            <a:pPr marL="0" lvl="0" indent="0" algn="l" rtl="0">
               <a:spcBef>
                 <a:spcPts val="0"/>
               </a:spcBef>
@@ -2088,9 +2176,6 @@
               </a:spcAft>
               <a:buNone/>
             </a:pPr>
-            <a:r>
-              <a:t/>
-            </a:r>
             <a:endParaRPr/>
           </a:p>
         </p:txBody>
@@ -2104,11 +2189,11 @@
 </file>
 
 <file path=ppt/notesSlides/notesSlide8.xml><?xml version="1.0" encoding="utf-8"?>
-<p:notes xmlns:a="http://schemas.openxmlformats.org/drawingml/2006/main" xmlns:r="http://schemas.openxmlformats.org/officeDocument/2006/relationships" xmlns:mc="http://schemas.openxmlformats.org/markup-compatibility/2006" xmlns:mv="urn:schemas-microsoft-com:mac:vml" xmlns:p="http://schemas.openxmlformats.org/presentationml/2006/main" xmlns:c="http://schemas.openxmlformats.org/drawingml/2006/chart" xmlns:dgm="http://schemas.openxmlformats.org/drawingml/2006/diagram" xmlns:o="urn:schemas-microsoft-com:office:office" xmlns:v="urn:schemas-microsoft-com:vml" xmlns:pvml="urn:schemas-microsoft-com:office:powerpoint" xmlns:com="http://schemas.openxmlformats.org/drawingml/2006/compatibility" xmlns:p14="http://schemas.microsoft.com/office/powerpoint/2010/main" xmlns:p15="http://schemas.microsoft.com/office/powerpoint/2012/main" xmlns:ahyp="http://schemas.microsoft.com/office/drawing/2018/hyperlinkcolor" showMasterPhAnim="0" showMasterSp="0">
+<p:notes xmlns:a="http://schemas.openxmlformats.org/drawingml/2006/main" xmlns:r="http://schemas.openxmlformats.org/officeDocument/2006/relationships" xmlns:p="http://schemas.openxmlformats.org/presentationml/2006/main" showMasterSp="0" showMasterPhAnim="0">
   <p:cSld>
     <p:spTree>
       <p:nvGrpSpPr>
-        <p:cNvPr id="124" name="Shape 124"/>
+        <p:cNvPr id="1" name="Shape 124"/>
         <p:cNvGrpSpPr/>
         <p:nvPr/>
       </p:nvGrpSpPr>
@@ -2123,9 +2208,11 @@
       <p:sp>
         <p:nvSpPr>
           <p:cNvPr id="125" name="Google Shape;125;g39173bd9899_1_2:notes"/>
-          <p:cNvSpPr/>
+          <p:cNvSpPr>
+            <a:spLocks noGrp="1" noRot="1" noChangeAspect="1"/>
+          </p:cNvSpPr>
           <p:nvPr>
-            <p:ph idx="2" type="sldImg"/>
+            <p:ph type="sldImg" idx="2"/>
           </p:nvPr>
         </p:nvSpPr>
         <p:spPr>
@@ -2134,9 +2221,13 @@
             <a:ext cx="6096000" cy="3429000"/>
           </a:xfrm>
           <a:custGeom>
-            <a:rect b="b" l="l" r="r" t="t"/>
+            <a:avLst/>
+            <a:gdLst/>
+            <a:ahLst/>
+            <a:cxnLst/>
+            <a:rect l="l" t="t" r="r" b="b"/>
             <a:pathLst>
-              <a:path extrusionOk="0" h="120000" w="120000">
+              <a:path w="120000" h="120000" extrusionOk="0">
                 <a:moveTo>
                   <a:pt x="0" y="0"/>
                 </a:moveTo>
@@ -2158,9 +2249,11 @@
       <p:sp>
         <p:nvSpPr>
           <p:cNvPr id="126" name="Google Shape;126;g39173bd9899_1_2:notes"/>
-          <p:cNvSpPr txBox="1"/>
+          <p:cNvSpPr txBox="1">
+            <a:spLocks noGrp="1"/>
+          </p:cNvSpPr>
           <p:nvPr>
-            <p:ph idx="1" type="body"/>
+            <p:ph type="body" idx="1"/>
           </p:nvPr>
         </p:nvSpPr>
         <p:spPr>
@@ -2173,12 +2266,12 @@
           </a:prstGeom>
         </p:spPr>
         <p:txBody>
-          <a:bodyPr anchorCtr="0" anchor="t" bIns="91425" lIns="91425" spcFirstLastPara="1" rIns="91425" wrap="square" tIns="91425">
+          <a:bodyPr spcFirstLastPara="1" wrap="square" lIns="91425" tIns="91425" rIns="91425" bIns="91425" anchor="t" anchorCtr="0">
             <a:noAutofit/>
           </a:bodyPr>
           <a:lstStyle/>
           <a:p>
-            <a:pPr indent="0" lvl="0" marL="0" rtl="0" algn="l">
+            <a:pPr marL="0" lvl="0" indent="0" algn="l" rtl="0">
               <a:spcBef>
                 <a:spcPts val="0"/>
               </a:spcBef>
@@ -2187,9 +2280,6 @@
               </a:spcAft>
               <a:buNone/>
             </a:pPr>
-            <a:r>
-              <a:t/>
-            </a:r>
             <a:endParaRPr/>
           </a:p>
         </p:txBody>
@@ -2203,11 +2293,11 @@
 </file>
 
 <file path=ppt/notesSlides/notesSlide9.xml><?xml version="1.0" encoding="utf-8"?>
-<p:notes xmlns:a="http://schemas.openxmlformats.org/drawingml/2006/main" xmlns:r="http://schemas.openxmlformats.org/officeDocument/2006/relationships" xmlns:mc="http://schemas.openxmlformats.org/markup-compatibility/2006" xmlns:mv="urn:schemas-microsoft-com:mac:vml" xmlns:p="http://schemas.openxmlformats.org/presentationml/2006/main" xmlns:c="http://schemas.openxmlformats.org/drawingml/2006/chart" xmlns:dgm="http://schemas.openxmlformats.org/drawingml/2006/diagram" xmlns:o="urn:schemas-microsoft-com:office:office" xmlns:v="urn:schemas-microsoft-com:vml" xmlns:pvml="urn:schemas-microsoft-com:office:powerpoint" xmlns:com="http://schemas.openxmlformats.org/drawingml/2006/compatibility" xmlns:p14="http://schemas.microsoft.com/office/powerpoint/2010/main" xmlns:p15="http://schemas.microsoft.com/office/powerpoint/2012/main" xmlns:ahyp="http://schemas.microsoft.com/office/drawing/2018/hyperlinkcolor" showMasterPhAnim="0" showMasterSp="0">
+<p:notes xmlns:a="http://schemas.openxmlformats.org/drawingml/2006/main" xmlns:r="http://schemas.openxmlformats.org/officeDocument/2006/relationships" xmlns:p="http://schemas.openxmlformats.org/presentationml/2006/main" showMasterSp="0" showMasterPhAnim="0">
   <p:cSld>
     <p:spTree>
       <p:nvGrpSpPr>
-        <p:cNvPr id="131" name="Shape 131"/>
+        <p:cNvPr id="1" name="Shape 131"/>
         <p:cNvGrpSpPr/>
         <p:nvPr/>
       </p:nvGrpSpPr>
@@ -2222,9 +2312,11 @@
       <p:sp>
         <p:nvSpPr>
           <p:cNvPr id="132" name="Google Shape;132;g39173bd9899_2_32:notes"/>
-          <p:cNvSpPr/>
+          <p:cNvSpPr>
+            <a:spLocks noGrp="1" noRot="1" noChangeAspect="1"/>
+          </p:cNvSpPr>
           <p:nvPr>
-            <p:ph idx="2" type="sldImg"/>
+            <p:ph type="sldImg" idx="2"/>
           </p:nvPr>
         </p:nvSpPr>
         <p:spPr>
@@ -2233,9 +2325,13 @@
             <a:ext cx="6096000" cy="3429000"/>
           </a:xfrm>
           <a:custGeom>
-            <a:rect b="b" l="l" r="r" t="t"/>
+            <a:avLst/>
+            <a:gdLst/>
+            <a:ahLst/>
+            <a:cxnLst/>
+            <a:rect l="l" t="t" r="r" b="b"/>
             <a:pathLst>
-              <a:path extrusionOk="0" h="120000" w="120000">
+              <a:path w="120000" h="120000" extrusionOk="0">
                 <a:moveTo>
                   <a:pt x="0" y="0"/>
                 </a:moveTo>
@@ -2257,9 +2353,11 @@
       <p:sp>
         <p:nvSpPr>
           <p:cNvPr id="133" name="Google Shape;133;g39173bd9899_2_32:notes"/>
-          <p:cNvSpPr txBox="1"/>
+          <p:cNvSpPr txBox="1">
+            <a:spLocks noGrp="1"/>
+          </p:cNvSpPr>
           <p:nvPr>
-            <p:ph idx="1" type="body"/>
+            <p:ph type="body" idx="1"/>
           </p:nvPr>
         </p:nvSpPr>
         <p:spPr>
@@ -2272,12 +2370,12 @@
           </a:prstGeom>
         </p:spPr>
         <p:txBody>
-          <a:bodyPr anchorCtr="0" anchor="t" bIns="91425" lIns="91425" spcFirstLastPara="1" rIns="91425" wrap="square" tIns="91425">
+          <a:bodyPr spcFirstLastPara="1" wrap="square" lIns="91425" tIns="91425" rIns="91425" bIns="91425" anchor="t" anchorCtr="0">
             <a:noAutofit/>
           </a:bodyPr>
           <a:lstStyle/>
           <a:p>
-            <a:pPr indent="0" lvl="0" marL="0" rtl="0" algn="l">
+            <a:pPr marL="0" lvl="0" indent="0" algn="l" rtl="0">
               <a:spcBef>
                 <a:spcPts val="0"/>
               </a:spcBef>
@@ -2286,9 +2384,6 @@
               </a:spcAft>
               <a:buNone/>
             </a:pPr>
-            <a:r>
-              <a:t/>
-            </a:r>
             <a:endParaRPr/>
           </a:p>
         </p:txBody>
@@ -2302,18 +2397,19 @@
 </file>
 
 <file path=ppt/slideLayouts/slideLayout1.xml><?xml version="1.0" encoding="utf-8"?>
-<p:sldLayout xmlns:a="http://schemas.openxmlformats.org/drawingml/2006/main" xmlns:r="http://schemas.openxmlformats.org/officeDocument/2006/relationships" xmlns:mc="http://schemas.openxmlformats.org/markup-compatibility/2006" xmlns:mv="urn:schemas-microsoft-com:mac:vml" xmlns:p="http://schemas.openxmlformats.org/presentationml/2006/main" xmlns:c="http://schemas.openxmlformats.org/drawingml/2006/chart" xmlns:dgm="http://schemas.openxmlformats.org/drawingml/2006/diagram" xmlns:o="urn:schemas-microsoft-com:office:office" xmlns:v="urn:schemas-microsoft-com:vml" xmlns:pvml="urn:schemas-microsoft-com:office:powerpoint" xmlns:com="http://schemas.openxmlformats.org/drawingml/2006/compatibility" xmlns:p14="http://schemas.microsoft.com/office/powerpoint/2010/main" xmlns:p15="http://schemas.microsoft.com/office/powerpoint/2012/main" xmlns:ahyp="http://schemas.microsoft.com/office/drawing/2018/hyperlinkcolor" matchingName="Title slide" type="title">
+<p:sldLayout xmlns:a="http://schemas.openxmlformats.org/drawingml/2006/main" xmlns:r="http://schemas.openxmlformats.org/officeDocument/2006/relationships" xmlns:p="http://schemas.openxmlformats.org/presentationml/2006/main" matchingName="Title slide" type="title">
   <p:cSld name="TITLE">
     <p:bg>
       <p:bgPr>
         <a:solidFill>
           <a:schemeClr val="lt2"/>
         </a:solidFill>
+        <a:effectLst/>
       </p:bgPr>
     </p:bg>
     <p:spTree>
       <p:nvGrpSpPr>
-        <p:cNvPr id="9" name="Shape 9"/>
+        <p:cNvPr id="1" name="Shape 9"/>
         <p:cNvGrpSpPr/>
         <p:nvPr/>
       </p:nvGrpSpPr>
@@ -2347,12 +2443,12 @@
           </a:ln>
         </p:spPr>
         <p:txBody>
-          <a:bodyPr anchorCtr="0" anchor="ctr" bIns="91425" lIns="91425" spcFirstLastPara="1" rIns="91425" wrap="square" tIns="91425">
+          <a:bodyPr spcFirstLastPara="1" wrap="square" lIns="91425" tIns="91425" rIns="91425" bIns="91425" anchor="ctr" anchorCtr="0">
             <a:noAutofit/>
           </a:bodyPr>
           <a:lstStyle/>
           <a:p>
-            <a:pPr indent="0" lvl="0" marL="0" rtl="0" algn="l">
+            <a:pPr marL="0" lvl="0" indent="0" algn="l" rtl="0">
               <a:spcBef>
                 <a:spcPts val="0"/>
               </a:spcBef>
@@ -2361,9 +2457,6 @@
               </a:spcAft>
               <a:buNone/>
             </a:pPr>
-            <a:r>
-              <a:t/>
-            </a:r>
             <a:endParaRPr/>
           </a:p>
         </p:txBody>
@@ -2404,12 +2497,12 @@
             </a:ln>
           </p:spPr>
           <p:txBody>
-            <a:bodyPr anchorCtr="0" anchor="ctr" bIns="91425" lIns="91425" spcFirstLastPara="1" rIns="91425" wrap="square" tIns="91425">
+            <a:bodyPr spcFirstLastPara="1" wrap="square" lIns="91425" tIns="91425" rIns="91425" bIns="91425" anchor="ctr" anchorCtr="0">
               <a:noAutofit/>
             </a:bodyPr>
             <a:lstStyle/>
             <a:p>
-              <a:pPr indent="0" lvl="0" marL="0" rtl="0" algn="l">
+              <a:pPr marL="0" lvl="0" indent="0" algn="l" rtl="0">
                 <a:spcBef>
                   <a:spcPts val="0"/>
                 </a:spcBef>
@@ -2418,9 +2511,6 @@
                 </a:spcAft>
                 <a:buNone/>
               </a:pPr>
-              <a:r>
-                <a:t/>
-              </a:r>
               <a:endParaRPr/>
             </a:p>
           </p:txBody>
@@ -2447,12 +2537,12 @@
             </a:ln>
           </p:spPr>
           <p:txBody>
-            <a:bodyPr anchorCtr="0" anchor="ctr" bIns="91425" lIns="91425" spcFirstLastPara="1" rIns="91425" wrap="square" tIns="91425">
+            <a:bodyPr spcFirstLastPara="1" wrap="square" lIns="91425" tIns="91425" rIns="91425" bIns="91425" anchor="ctr" anchorCtr="0">
               <a:noAutofit/>
             </a:bodyPr>
             <a:lstStyle/>
             <a:p>
-              <a:pPr indent="0" lvl="0" marL="0" rtl="0" algn="l">
+              <a:pPr marL="0" lvl="0" indent="0" algn="l" rtl="0">
                 <a:spcBef>
                   <a:spcPts val="0"/>
                 </a:spcBef>
@@ -2461,9 +2551,6 @@
                 </a:spcAft>
                 <a:buNone/>
               </a:pPr>
-              <a:r>
-                <a:t/>
-              </a:r>
               <a:endParaRPr/>
             </a:p>
           </p:txBody>
@@ -2472,7 +2559,9 @@
       <p:sp>
         <p:nvSpPr>
           <p:cNvPr id="14" name="Google Shape;14;p2"/>
-          <p:cNvSpPr txBox="1"/>
+          <p:cNvSpPr txBox="1">
+            <a:spLocks noGrp="1"/>
+          </p:cNvSpPr>
           <p:nvPr>
             <p:ph type="ctrTitle"/>
           </p:nvPr>
@@ -2487,7 +2576,7 @@
           </a:prstGeom>
         </p:spPr>
         <p:txBody>
-          <a:bodyPr anchorCtr="0" anchor="t" bIns="91425" lIns="91425" spcFirstLastPara="1" rIns="91425" wrap="square" tIns="91425">
+          <a:bodyPr spcFirstLastPara="1" wrap="square" lIns="91425" tIns="91425" rIns="91425" bIns="91425" anchor="t" anchorCtr="0">
             <a:normAutofit/>
           </a:bodyPr>
           <a:lstStyle>
@@ -2591,15 +2680,19 @@
               <a:defRPr sz="4200"/>
             </a:lvl9pPr>
           </a:lstStyle>
-          <a:p/>
+          <a:p>
+            <a:endParaRPr/>
+          </a:p>
         </p:txBody>
       </p:sp>
       <p:sp>
         <p:nvSpPr>
           <p:cNvPr id="15" name="Google Shape;15;p2"/>
-          <p:cNvSpPr txBox="1"/>
+          <p:cNvSpPr txBox="1">
+            <a:spLocks noGrp="1"/>
+          </p:cNvSpPr>
           <p:nvPr>
-            <p:ph idx="1" type="subTitle"/>
+            <p:ph type="subTitle" idx="1"/>
           </p:nvPr>
         </p:nvSpPr>
         <p:spPr>
@@ -2612,7 +2705,7 @@
           </a:prstGeom>
         </p:spPr>
         <p:txBody>
-          <a:bodyPr anchorCtr="0" anchor="t" bIns="91425" lIns="91425" spcFirstLastPara="1" rIns="91425" wrap="square" tIns="91425">
+          <a:bodyPr spcFirstLastPara="1" wrap="square" lIns="91425" tIns="91425" rIns="91425" bIns="91425" anchor="t" anchorCtr="0">
             <a:normAutofit/>
           </a:bodyPr>
           <a:lstStyle>
@@ -2743,15 +2836,19 @@
               <a:defRPr sz="1600"/>
             </a:lvl9pPr>
           </a:lstStyle>
-          <a:p/>
+          <a:p>
+            <a:endParaRPr/>
+          </a:p>
         </p:txBody>
       </p:sp>
       <p:sp>
         <p:nvSpPr>
           <p:cNvPr id="16" name="Google Shape;16;p2"/>
-          <p:cNvSpPr txBox="1"/>
+          <p:cNvSpPr txBox="1">
+            <a:spLocks noGrp="1"/>
+          </p:cNvSpPr>
           <p:nvPr>
-            <p:ph idx="12" type="sldNum"/>
+            <p:ph type="sldNum" idx="12"/>
           </p:nvPr>
         </p:nvSpPr>
         <p:spPr>
@@ -2764,7 +2861,7 @@
           </a:prstGeom>
         </p:spPr>
         <p:txBody>
-          <a:bodyPr anchorCtr="0" anchor="ctr" bIns="91425" lIns="91425" spcFirstLastPara="1" rIns="91425" wrap="square" tIns="91425">
+          <a:bodyPr spcFirstLastPara="1" wrap="square" lIns="91425" tIns="91425" rIns="91425" bIns="91425" anchor="ctr" anchorCtr="0">
             <a:normAutofit/>
           </a:bodyPr>
           <a:lstStyle>
@@ -2806,7 +2903,7 @@
             </a:lvl9pPr>
           </a:lstStyle>
           <a:p>
-            <a:pPr indent="0" lvl="0" marL="0" rtl="0" algn="r">
+            <a:pPr marL="0" lvl="0" indent="0" algn="r" rtl="0">
               <a:spcBef>
                 <a:spcPts val="0"/>
               </a:spcBef>
@@ -2832,18 +2929,19 @@
 </file>
 
 <file path=ppt/slideLayouts/slideLayout10.xml><?xml version="1.0" encoding="utf-8"?>
-<p:sldLayout xmlns:a="http://schemas.openxmlformats.org/drawingml/2006/main" xmlns:r="http://schemas.openxmlformats.org/officeDocument/2006/relationships" xmlns:mc="http://schemas.openxmlformats.org/markup-compatibility/2006" xmlns:mv="urn:schemas-microsoft-com:mac:vml" xmlns:p="http://schemas.openxmlformats.org/presentationml/2006/main" xmlns:c="http://schemas.openxmlformats.org/drawingml/2006/chart" xmlns:dgm="http://schemas.openxmlformats.org/drawingml/2006/diagram" xmlns:o="urn:schemas-microsoft-com:office:office" xmlns:v="urn:schemas-microsoft-com:vml" xmlns:pvml="urn:schemas-microsoft-com:office:powerpoint" xmlns:com="http://schemas.openxmlformats.org/drawingml/2006/compatibility" xmlns:p14="http://schemas.microsoft.com/office/powerpoint/2010/main" xmlns:p15="http://schemas.microsoft.com/office/powerpoint/2012/main" xmlns:ahyp="http://schemas.microsoft.com/office/drawing/2018/hyperlinkcolor" matchingName="Big number">
+<p:sldLayout xmlns:a="http://schemas.openxmlformats.org/drawingml/2006/main" xmlns:r="http://schemas.openxmlformats.org/officeDocument/2006/relationships" xmlns:p="http://schemas.openxmlformats.org/presentationml/2006/main" matchingName="Big number">
   <p:cSld name="BIG_NUMBER">
     <p:bg>
       <p:bgPr>
         <a:solidFill>
           <a:schemeClr val="dk1"/>
         </a:solidFill>
+        <a:effectLst/>
       </p:bgPr>
     </p:bg>
     <p:spTree>
       <p:nvGrpSpPr>
-        <p:cNvPr id="73" name="Shape 73"/>
+        <p:cNvPr id="1" name="Shape 73"/>
         <p:cNvGrpSpPr/>
         <p:nvPr/>
       </p:nvGrpSpPr>
@@ -2891,12 +2989,12 @@
             </a:ln>
           </p:spPr>
           <p:txBody>
-            <a:bodyPr anchorCtr="0" anchor="ctr" bIns="91425" lIns="91425" spcFirstLastPara="1" rIns="91425" wrap="square" tIns="91425">
+            <a:bodyPr spcFirstLastPara="1" wrap="square" lIns="91425" tIns="91425" rIns="91425" bIns="91425" anchor="ctr" anchorCtr="0">
               <a:noAutofit/>
             </a:bodyPr>
             <a:lstStyle/>
             <a:p>
-              <a:pPr indent="0" lvl="0" marL="0" rtl="0" algn="l">
+              <a:pPr marL="0" lvl="0" indent="0" algn="l" rtl="0">
                 <a:spcBef>
                   <a:spcPts val="0"/>
                 </a:spcBef>
@@ -2905,9 +3003,6 @@
                 </a:spcAft>
                 <a:buNone/>
               </a:pPr>
-              <a:r>
-                <a:t/>
-              </a:r>
               <a:endParaRPr/>
             </a:p>
           </p:txBody>
@@ -2934,12 +3029,12 @@
             </a:ln>
           </p:spPr>
           <p:txBody>
-            <a:bodyPr anchorCtr="0" anchor="ctr" bIns="91425" lIns="91425" spcFirstLastPara="1" rIns="91425" wrap="square" tIns="91425">
+            <a:bodyPr spcFirstLastPara="1" wrap="square" lIns="91425" tIns="91425" rIns="91425" bIns="91425" anchor="ctr" anchorCtr="0">
               <a:noAutofit/>
             </a:bodyPr>
             <a:lstStyle/>
             <a:p>
-              <a:pPr indent="0" lvl="0" marL="0" rtl="0" algn="l">
+              <a:pPr marL="0" lvl="0" indent="0" algn="l" rtl="0">
                 <a:spcBef>
                   <a:spcPts val="0"/>
                 </a:spcBef>
@@ -2948,9 +3043,6 @@
                 </a:spcAft>
                 <a:buNone/>
               </a:pPr>
-              <a:r>
-                <a:t/>
-              </a:r>
               <a:endParaRPr/>
             </a:p>
           </p:txBody>
@@ -2959,9 +3051,11 @@
       <p:sp>
         <p:nvSpPr>
           <p:cNvPr id="77" name="Google Shape;77;p11"/>
-          <p:cNvSpPr txBox="1"/>
+          <p:cNvSpPr txBox="1">
+            <a:spLocks noGrp="1"/>
+          </p:cNvSpPr>
           <p:nvPr>
-            <p:ph hasCustomPrompt="1" type="title"/>
+            <p:ph type="title" hasCustomPrompt="1"/>
           </p:nvPr>
         </p:nvSpPr>
         <p:spPr>
@@ -2974,7 +3068,7 @@
           </a:prstGeom>
         </p:spPr>
         <p:txBody>
-          <a:bodyPr anchorCtr="0" anchor="t" bIns="91425" lIns="91425" spcFirstLastPara="1" rIns="91425" wrap="square" tIns="91425">
+          <a:bodyPr spcFirstLastPara="1" wrap="square" lIns="91425" tIns="91425" rIns="91425" bIns="91425" anchor="t" anchorCtr="0">
             <a:normAutofit/>
           </a:bodyPr>
           <a:lstStyle>
@@ -3151,9 +3245,11 @@
       <p:sp>
         <p:nvSpPr>
           <p:cNvPr id="78" name="Google Shape;78;p11"/>
-          <p:cNvSpPr txBox="1"/>
+          <p:cNvSpPr txBox="1">
+            <a:spLocks noGrp="1"/>
+          </p:cNvSpPr>
           <p:nvPr>
-            <p:ph idx="1" type="body"/>
+            <p:ph type="body" idx="1"/>
           </p:nvPr>
         </p:nvSpPr>
         <p:spPr>
@@ -3166,11 +3262,11 @@
           </a:prstGeom>
         </p:spPr>
         <p:txBody>
-          <a:bodyPr anchorCtr="0" anchor="t" bIns="91425" lIns="91425" spcFirstLastPara="1" rIns="91425" wrap="square" tIns="91425">
+          <a:bodyPr spcFirstLastPara="1" wrap="square" lIns="91425" tIns="91425" rIns="91425" bIns="91425" anchor="t" anchorCtr="0">
             <a:normAutofit/>
           </a:bodyPr>
           <a:lstStyle>
-            <a:lvl1pPr indent="-311150" lvl="0" marL="457200">
+            <a:lvl1pPr marL="457200" lvl="0" indent="-311150">
               <a:spcBef>
                 <a:spcPts val="0"/>
               </a:spcBef>
@@ -3188,7 +3284,7 @@
                 </a:solidFill>
               </a:defRPr>
             </a:lvl1pPr>
-            <a:lvl2pPr indent="-298450" lvl="1" marL="914400">
+            <a:lvl2pPr marL="914400" lvl="1" indent="-298450">
               <a:spcBef>
                 <a:spcPts val="0"/>
               </a:spcBef>
@@ -3206,7 +3302,7 @@
                 </a:solidFill>
               </a:defRPr>
             </a:lvl2pPr>
-            <a:lvl3pPr indent="-298450" lvl="2" marL="1371600">
+            <a:lvl3pPr marL="1371600" lvl="2" indent="-298450">
               <a:spcBef>
                 <a:spcPts val="0"/>
               </a:spcBef>
@@ -3224,7 +3320,7 @@
                 </a:solidFill>
               </a:defRPr>
             </a:lvl3pPr>
-            <a:lvl4pPr indent="-298450" lvl="3" marL="1828800">
+            <a:lvl4pPr marL="1828800" lvl="3" indent="-298450">
               <a:spcBef>
                 <a:spcPts val="0"/>
               </a:spcBef>
@@ -3242,7 +3338,7 @@
                 </a:solidFill>
               </a:defRPr>
             </a:lvl4pPr>
-            <a:lvl5pPr indent="-298450" lvl="4" marL="2286000">
+            <a:lvl5pPr marL="2286000" lvl="4" indent="-298450">
               <a:spcBef>
                 <a:spcPts val="0"/>
               </a:spcBef>
@@ -3260,7 +3356,7 @@
                 </a:solidFill>
               </a:defRPr>
             </a:lvl5pPr>
-            <a:lvl6pPr indent="-298450" lvl="5" marL="2743200">
+            <a:lvl6pPr marL="2743200" lvl="5" indent="-298450">
               <a:spcBef>
                 <a:spcPts val="0"/>
               </a:spcBef>
@@ -3278,7 +3374,7 @@
                 </a:solidFill>
               </a:defRPr>
             </a:lvl6pPr>
-            <a:lvl7pPr indent="-298450" lvl="6" marL="3200400">
+            <a:lvl7pPr marL="3200400" lvl="6" indent="-298450">
               <a:spcBef>
                 <a:spcPts val="0"/>
               </a:spcBef>
@@ -3296,7 +3392,7 @@
                 </a:solidFill>
               </a:defRPr>
             </a:lvl7pPr>
-            <a:lvl8pPr indent="-298450" lvl="7" marL="3657600">
+            <a:lvl8pPr marL="3657600" lvl="7" indent="-298450">
               <a:spcBef>
                 <a:spcPts val="0"/>
               </a:spcBef>
@@ -3314,7 +3410,7 @@
                 </a:solidFill>
               </a:defRPr>
             </a:lvl8pPr>
-            <a:lvl9pPr indent="-298450" lvl="8" marL="4114800">
+            <a:lvl9pPr marL="4114800" lvl="8" indent="-298450">
               <a:spcBef>
                 <a:spcPts val="0"/>
               </a:spcBef>
@@ -3333,15 +3429,19 @@
               </a:defRPr>
             </a:lvl9pPr>
           </a:lstStyle>
-          <a:p/>
+          <a:p>
+            <a:endParaRPr/>
+          </a:p>
         </p:txBody>
       </p:sp>
       <p:sp>
         <p:nvSpPr>
           <p:cNvPr id="79" name="Google Shape;79;p11"/>
-          <p:cNvSpPr txBox="1"/>
+          <p:cNvSpPr txBox="1">
+            <a:spLocks noGrp="1"/>
+          </p:cNvSpPr>
           <p:nvPr>
-            <p:ph idx="12" type="sldNum"/>
+            <p:ph type="sldNum" idx="12"/>
           </p:nvPr>
         </p:nvSpPr>
         <p:spPr>
@@ -3354,7 +3454,7 @@
           </a:prstGeom>
         </p:spPr>
         <p:txBody>
-          <a:bodyPr anchorCtr="0" anchor="ctr" bIns="91425" lIns="91425" spcFirstLastPara="1" rIns="91425" wrap="square" tIns="91425">
+          <a:bodyPr spcFirstLastPara="1" wrap="square" lIns="91425" tIns="91425" rIns="91425" bIns="91425" anchor="ctr" anchorCtr="0">
             <a:normAutofit/>
           </a:bodyPr>
           <a:lstStyle>
@@ -3432,7 +3532,7 @@
             </a:lvl9pPr>
           </a:lstStyle>
           <a:p>
-            <a:pPr indent="0" lvl="0" marL="0" rtl="0" algn="r">
+            <a:pPr marL="0" lvl="0" indent="0" algn="r" rtl="0">
               <a:spcBef>
                 <a:spcPts val="0"/>
               </a:spcBef>
@@ -3458,11 +3558,11 @@
 </file>
 
 <file path=ppt/slideLayouts/slideLayout11.xml><?xml version="1.0" encoding="utf-8"?>
-<p:sldLayout xmlns:a="http://schemas.openxmlformats.org/drawingml/2006/main" xmlns:r="http://schemas.openxmlformats.org/officeDocument/2006/relationships" xmlns:mc="http://schemas.openxmlformats.org/markup-compatibility/2006" xmlns:mv="urn:schemas-microsoft-com:mac:vml" xmlns:p="http://schemas.openxmlformats.org/presentationml/2006/main" xmlns:c="http://schemas.openxmlformats.org/drawingml/2006/chart" xmlns:dgm="http://schemas.openxmlformats.org/drawingml/2006/diagram" xmlns:o="urn:schemas-microsoft-com:office:office" xmlns:v="urn:schemas-microsoft-com:vml" xmlns:pvml="urn:schemas-microsoft-com:office:powerpoint" xmlns:com="http://schemas.openxmlformats.org/drawingml/2006/compatibility" xmlns:p14="http://schemas.microsoft.com/office/powerpoint/2010/main" xmlns:p15="http://schemas.microsoft.com/office/powerpoint/2012/main" xmlns:ahyp="http://schemas.microsoft.com/office/drawing/2018/hyperlinkcolor" matchingName="Blank" type="blank">
+<p:sldLayout xmlns:a="http://schemas.openxmlformats.org/drawingml/2006/main" xmlns:r="http://schemas.openxmlformats.org/officeDocument/2006/relationships" xmlns:p="http://schemas.openxmlformats.org/presentationml/2006/main" matchingName="Blank" type="blank">
   <p:cSld name="BLANK">
     <p:spTree>
       <p:nvGrpSpPr>
-        <p:cNvPr id="80" name="Shape 80"/>
+        <p:cNvPr id="1" name="Shape 80"/>
         <p:cNvGrpSpPr/>
         <p:nvPr/>
       </p:nvGrpSpPr>
@@ -3477,9 +3577,11 @@
       <p:sp>
         <p:nvSpPr>
           <p:cNvPr id="81" name="Google Shape;81;p12"/>
-          <p:cNvSpPr txBox="1"/>
+          <p:cNvSpPr txBox="1">
+            <a:spLocks noGrp="1"/>
+          </p:cNvSpPr>
           <p:nvPr>
-            <p:ph idx="12" type="sldNum"/>
+            <p:ph type="sldNum" idx="12"/>
           </p:nvPr>
         </p:nvSpPr>
         <p:spPr>
@@ -3492,7 +3594,7 @@
           </a:prstGeom>
         </p:spPr>
         <p:txBody>
-          <a:bodyPr anchorCtr="0" anchor="ctr" bIns="91425" lIns="91425" spcFirstLastPara="1" rIns="91425" wrap="square" tIns="91425">
+          <a:bodyPr spcFirstLastPara="1" wrap="square" lIns="91425" tIns="91425" rIns="91425" bIns="91425" anchor="ctr" anchorCtr="0">
             <a:normAutofit/>
           </a:bodyPr>
           <a:lstStyle>
@@ -3534,7 +3636,7 @@
             </a:lvl9pPr>
           </a:lstStyle>
           <a:p>
-            <a:pPr indent="0" lvl="0" marL="0" rtl="0" algn="r">
+            <a:pPr marL="0" lvl="0" indent="0" algn="r" rtl="0">
               <a:spcBef>
                 <a:spcPts val="0"/>
               </a:spcBef>
@@ -3560,18 +3662,19 @@
 </file>
 
 <file path=ppt/slideLayouts/slideLayout2.xml><?xml version="1.0" encoding="utf-8"?>
-<p:sldLayout xmlns:a="http://schemas.openxmlformats.org/drawingml/2006/main" xmlns:r="http://schemas.openxmlformats.org/officeDocument/2006/relationships" xmlns:mc="http://schemas.openxmlformats.org/markup-compatibility/2006" xmlns:mv="urn:schemas-microsoft-com:mac:vml" xmlns:p="http://schemas.openxmlformats.org/presentationml/2006/main" xmlns:c="http://schemas.openxmlformats.org/drawingml/2006/chart" xmlns:dgm="http://schemas.openxmlformats.org/drawingml/2006/diagram" xmlns:o="urn:schemas-microsoft-com:office:office" xmlns:v="urn:schemas-microsoft-com:vml" xmlns:pvml="urn:schemas-microsoft-com:office:powerpoint" xmlns:com="http://schemas.openxmlformats.org/drawingml/2006/compatibility" xmlns:p14="http://schemas.microsoft.com/office/powerpoint/2010/main" xmlns:p15="http://schemas.microsoft.com/office/powerpoint/2012/main" xmlns:ahyp="http://schemas.microsoft.com/office/drawing/2018/hyperlinkcolor" matchingName="Section header" type="secHead">
+<p:sldLayout xmlns:a="http://schemas.openxmlformats.org/drawingml/2006/main" xmlns:r="http://schemas.openxmlformats.org/officeDocument/2006/relationships" xmlns:p="http://schemas.openxmlformats.org/presentationml/2006/main" matchingName="Section header" type="secHead">
   <p:cSld name="SECTION_HEADER">
     <p:bg>
       <p:bgPr>
         <a:solidFill>
           <a:schemeClr val="dk1"/>
         </a:solidFill>
+        <a:effectLst/>
       </p:bgPr>
     </p:bg>
     <p:spTree>
       <p:nvGrpSpPr>
-        <p:cNvPr id="17" name="Shape 17"/>
+        <p:cNvPr id="1" name="Shape 17"/>
         <p:cNvGrpSpPr/>
         <p:nvPr/>
       </p:nvGrpSpPr>
@@ -3619,12 +3722,12 @@
             </a:ln>
           </p:spPr>
           <p:txBody>
-            <a:bodyPr anchorCtr="0" anchor="ctr" bIns="91425" lIns="91425" spcFirstLastPara="1" rIns="91425" wrap="square" tIns="91425">
+            <a:bodyPr spcFirstLastPara="1" wrap="square" lIns="91425" tIns="91425" rIns="91425" bIns="91425" anchor="ctr" anchorCtr="0">
               <a:noAutofit/>
             </a:bodyPr>
             <a:lstStyle/>
             <a:p>
-              <a:pPr indent="0" lvl="0" marL="0" rtl="0" algn="l">
+              <a:pPr marL="0" lvl="0" indent="0" algn="l" rtl="0">
                 <a:spcBef>
                   <a:spcPts val="0"/>
                 </a:spcBef>
@@ -3633,9 +3736,6 @@
                 </a:spcAft>
                 <a:buNone/>
               </a:pPr>
-              <a:r>
-                <a:t/>
-              </a:r>
               <a:endParaRPr/>
             </a:p>
           </p:txBody>
@@ -3662,12 +3762,12 @@
             </a:ln>
           </p:spPr>
           <p:txBody>
-            <a:bodyPr anchorCtr="0" anchor="ctr" bIns="91425" lIns="91425" spcFirstLastPara="1" rIns="91425" wrap="square" tIns="91425">
+            <a:bodyPr spcFirstLastPara="1" wrap="square" lIns="91425" tIns="91425" rIns="91425" bIns="91425" anchor="ctr" anchorCtr="0">
               <a:noAutofit/>
             </a:bodyPr>
             <a:lstStyle/>
             <a:p>
-              <a:pPr indent="0" lvl="0" marL="0" rtl="0" algn="l">
+              <a:pPr marL="0" lvl="0" indent="0" algn="l" rtl="0">
                 <a:spcBef>
                   <a:spcPts val="0"/>
                 </a:spcBef>
@@ -3676,9 +3776,6 @@
                 </a:spcAft>
                 <a:buNone/>
               </a:pPr>
-              <a:r>
-                <a:t/>
-              </a:r>
               <a:endParaRPr/>
             </a:p>
           </p:txBody>
@@ -3687,7 +3784,9 @@
       <p:sp>
         <p:nvSpPr>
           <p:cNvPr id="21" name="Google Shape;21;p3"/>
-          <p:cNvSpPr txBox="1"/>
+          <p:cNvSpPr txBox="1">
+            <a:spLocks noGrp="1"/>
+          </p:cNvSpPr>
           <p:nvPr>
             <p:ph type="title"/>
           </p:nvPr>
@@ -3702,7 +3801,7 @@
           </a:prstGeom>
         </p:spPr>
         <p:txBody>
-          <a:bodyPr anchorCtr="0" anchor="t" bIns="91425" lIns="91425" spcFirstLastPara="1" rIns="91425" wrap="square" tIns="91425">
+          <a:bodyPr spcFirstLastPara="1" wrap="square" lIns="91425" tIns="91425" rIns="91425" bIns="91425" anchor="t" anchorCtr="0">
             <a:normAutofit/>
           </a:bodyPr>
           <a:lstStyle>
@@ -3869,15 +3968,19 @@
               </a:defRPr>
             </a:lvl9pPr>
           </a:lstStyle>
-          <a:p/>
+          <a:p>
+            <a:endParaRPr/>
+          </a:p>
         </p:txBody>
       </p:sp>
       <p:sp>
         <p:nvSpPr>
           <p:cNvPr id="22" name="Google Shape;22;p3"/>
-          <p:cNvSpPr txBox="1"/>
+          <p:cNvSpPr txBox="1">
+            <a:spLocks noGrp="1"/>
+          </p:cNvSpPr>
           <p:nvPr>
-            <p:ph idx="12" type="sldNum"/>
+            <p:ph type="sldNum" idx="12"/>
           </p:nvPr>
         </p:nvSpPr>
         <p:spPr>
@@ -3890,7 +3993,7 @@
           </a:prstGeom>
         </p:spPr>
         <p:txBody>
-          <a:bodyPr anchorCtr="0" anchor="ctr" bIns="91425" lIns="91425" spcFirstLastPara="1" rIns="91425" wrap="square" tIns="91425">
+          <a:bodyPr spcFirstLastPara="1" wrap="square" lIns="91425" tIns="91425" rIns="91425" bIns="91425" anchor="ctr" anchorCtr="0">
             <a:normAutofit/>
           </a:bodyPr>
           <a:lstStyle>
@@ -3968,7 +4071,7 @@
             </a:lvl9pPr>
           </a:lstStyle>
           <a:p>
-            <a:pPr indent="0" lvl="0" marL="0" rtl="0" algn="r">
+            <a:pPr marL="0" lvl="0" indent="0" algn="r" rtl="0">
               <a:spcBef>
                 <a:spcPts val="0"/>
               </a:spcBef>
@@ -3994,11 +4097,11 @@
 </file>
 
 <file path=ppt/slideLayouts/slideLayout3.xml><?xml version="1.0" encoding="utf-8"?>
-<p:sldLayout xmlns:a="http://schemas.openxmlformats.org/drawingml/2006/main" xmlns:r="http://schemas.openxmlformats.org/officeDocument/2006/relationships" xmlns:mc="http://schemas.openxmlformats.org/markup-compatibility/2006" xmlns:mv="urn:schemas-microsoft-com:mac:vml" xmlns:p="http://schemas.openxmlformats.org/presentationml/2006/main" xmlns:c="http://schemas.openxmlformats.org/drawingml/2006/chart" xmlns:dgm="http://schemas.openxmlformats.org/drawingml/2006/diagram" xmlns:o="urn:schemas-microsoft-com:office:office" xmlns:v="urn:schemas-microsoft-com:vml" xmlns:pvml="urn:schemas-microsoft-com:office:powerpoint" xmlns:com="http://schemas.openxmlformats.org/drawingml/2006/compatibility" xmlns:p14="http://schemas.microsoft.com/office/powerpoint/2010/main" xmlns:p15="http://schemas.microsoft.com/office/powerpoint/2012/main" xmlns:ahyp="http://schemas.microsoft.com/office/drawing/2018/hyperlinkcolor" matchingName="Title and body" type="tx">
+<p:sldLayout xmlns:a="http://schemas.openxmlformats.org/drawingml/2006/main" xmlns:r="http://schemas.openxmlformats.org/officeDocument/2006/relationships" xmlns:p="http://schemas.openxmlformats.org/presentationml/2006/main" matchingName="Title and body" type="tx">
   <p:cSld name="TITLE_AND_BODY">
     <p:spTree>
       <p:nvGrpSpPr>
-        <p:cNvPr id="23" name="Shape 23"/>
+        <p:cNvPr id="1" name="Shape 23"/>
         <p:cNvGrpSpPr/>
         <p:nvPr/>
       </p:nvGrpSpPr>
@@ -4032,12 +4135,12 @@
           </a:ln>
         </p:spPr>
         <p:txBody>
-          <a:bodyPr anchorCtr="0" anchor="ctr" bIns="91425" lIns="91425" spcFirstLastPara="1" rIns="91425" wrap="square" tIns="91425">
+          <a:bodyPr spcFirstLastPara="1" wrap="square" lIns="91425" tIns="91425" rIns="91425" bIns="91425" anchor="ctr" anchorCtr="0">
             <a:noAutofit/>
           </a:bodyPr>
           <a:lstStyle/>
           <a:p>
-            <a:pPr indent="0" lvl="0" marL="0" rtl="0" algn="l">
+            <a:pPr marL="0" lvl="0" indent="0" algn="l" rtl="0">
               <a:spcBef>
                 <a:spcPts val="0"/>
               </a:spcBef>
@@ -4046,9 +4149,6 @@
               </a:spcAft>
               <a:buNone/>
             </a:pPr>
-            <a:r>
-              <a:t/>
-            </a:r>
             <a:endParaRPr/>
           </a:p>
         </p:txBody>
@@ -4089,12 +4189,12 @@
             </a:ln>
           </p:spPr>
           <p:txBody>
-            <a:bodyPr anchorCtr="0" anchor="ctr" bIns="91425" lIns="91425" spcFirstLastPara="1" rIns="91425" wrap="square" tIns="91425">
+            <a:bodyPr spcFirstLastPara="1" wrap="square" lIns="91425" tIns="91425" rIns="91425" bIns="91425" anchor="ctr" anchorCtr="0">
               <a:noAutofit/>
             </a:bodyPr>
             <a:lstStyle/>
             <a:p>
-              <a:pPr indent="0" lvl="0" marL="0" rtl="0" algn="l">
+              <a:pPr marL="0" lvl="0" indent="0" algn="l" rtl="0">
                 <a:spcBef>
                   <a:spcPts val="0"/>
                 </a:spcBef>
@@ -4103,9 +4203,6 @@
                 </a:spcAft>
                 <a:buNone/>
               </a:pPr>
-              <a:r>
-                <a:t/>
-              </a:r>
               <a:endParaRPr/>
             </a:p>
           </p:txBody>
@@ -4132,12 +4229,12 @@
             </a:ln>
           </p:spPr>
           <p:txBody>
-            <a:bodyPr anchorCtr="0" anchor="ctr" bIns="91425" lIns="91425" spcFirstLastPara="1" rIns="91425" wrap="square" tIns="91425">
+            <a:bodyPr spcFirstLastPara="1" wrap="square" lIns="91425" tIns="91425" rIns="91425" bIns="91425" anchor="ctr" anchorCtr="0">
               <a:noAutofit/>
             </a:bodyPr>
             <a:lstStyle/>
             <a:p>
-              <a:pPr indent="0" lvl="0" marL="0" rtl="0" algn="l">
+              <a:pPr marL="0" lvl="0" indent="0" algn="l" rtl="0">
                 <a:spcBef>
                   <a:spcPts val="0"/>
                 </a:spcBef>
@@ -4146,9 +4243,6 @@
                 </a:spcAft>
                 <a:buNone/>
               </a:pPr>
-              <a:r>
-                <a:t/>
-              </a:r>
               <a:endParaRPr/>
             </a:p>
           </p:txBody>
@@ -4157,7 +4251,9 @@
       <p:sp>
         <p:nvSpPr>
           <p:cNvPr id="28" name="Google Shape;28;p4"/>
-          <p:cNvSpPr txBox="1"/>
+          <p:cNvSpPr txBox="1">
+            <a:spLocks noGrp="1"/>
+          </p:cNvSpPr>
           <p:nvPr>
             <p:ph type="title"/>
           </p:nvPr>
@@ -4172,7 +4268,7 @@
           </a:prstGeom>
         </p:spPr>
         <p:txBody>
-          <a:bodyPr anchorCtr="0" anchor="t" bIns="91425" lIns="91425" spcFirstLastPara="1" rIns="91425" wrap="square" tIns="91425">
+          <a:bodyPr spcFirstLastPara="1" wrap="square" lIns="91425" tIns="91425" rIns="91425" bIns="91425" anchor="t" anchorCtr="0">
             <a:normAutofit/>
           </a:bodyPr>
           <a:lstStyle>
@@ -4276,15 +4372,19 @@
               <a:defRPr sz="2600"/>
             </a:lvl9pPr>
           </a:lstStyle>
-          <a:p/>
+          <a:p>
+            <a:endParaRPr/>
+          </a:p>
         </p:txBody>
       </p:sp>
       <p:sp>
         <p:nvSpPr>
           <p:cNvPr id="29" name="Google Shape;29;p4"/>
-          <p:cNvSpPr txBox="1"/>
+          <p:cNvSpPr txBox="1">
+            <a:spLocks noGrp="1"/>
+          </p:cNvSpPr>
           <p:nvPr>
-            <p:ph idx="1" type="body"/>
+            <p:ph type="body" idx="1"/>
           </p:nvPr>
         </p:nvSpPr>
         <p:spPr>
@@ -4297,11 +4397,11 @@
           </a:prstGeom>
         </p:spPr>
         <p:txBody>
-          <a:bodyPr anchorCtr="0" anchor="t" bIns="91425" lIns="91425" spcFirstLastPara="1" rIns="91425" wrap="square" tIns="91425">
+          <a:bodyPr spcFirstLastPara="1" wrap="square" lIns="91425" tIns="91425" rIns="91425" bIns="91425" anchor="t" anchorCtr="0">
             <a:normAutofit/>
           </a:bodyPr>
           <a:lstStyle>
-            <a:lvl1pPr indent="-311150" lvl="0" marL="457200">
+            <a:lvl1pPr marL="457200" lvl="0" indent="-311150">
               <a:spcBef>
                 <a:spcPts val="0"/>
               </a:spcBef>
@@ -4312,7 +4412,7 @@
               <a:buChar char="●"/>
               <a:defRPr/>
             </a:lvl1pPr>
-            <a:lvl2pPr indent="-298450" lvl="1" marL="914400">
+            <a:lvl2pPr marL="914400" lvl="1" indent="-298450">
               <a:spcBef>
                 <a:spcPts val="0"/>
               </a:spcBef>
@@ -4323,7 +4423,7 @@
               <a:buChar char="○"/>
               <a:defRPr/>
             </a:lvl2pPr>
-            <a:lvl3pPr indent="-298450" lvl="2" marL="1371600">
+            <a:lvl3pPr marL="1371600" lvl="2" indent="-298450">
               <a:spcBef>
                 <a:spcPts val="0"/>
               </a:spcBef>
@@ -4334,7 +4434,7 @@
               <a:buChar char="■"/>
               <a:defRPr/>
             </a:lvl3pPr>
-            <a:lvl4pPr indent="-298450" lvl="3" marL="1828800">
+            <a:lvl4pPr marL="1828800" lvl="3" indent="-298450">
               <a:spcBef>
                 <a:spcPts val="0"/>
               </a:spcBef>
@@ -4345,7 +4445,7 @@
               <a:buChar char="●"/>
               <a:defRPr/>
             </a:lvl4pPr>
-            <a:lvl5pPr indent="-298450" lvl="4" marL="2286000">
+            <a:lvl5pPr marL="2286000" lvl="4" indent="-298450">
               <a:spcBef>
                 <a:spcPts val="0"/>
               </a:spcBef>
@@ -4356,7 +4456,7 @@
               <a:buChar char="○"/>
               <a:defRPr/>
             </a:lvl5pPr>
-            <a:lvl6pPr indent="-298450" lvl="5" marL="2743200">
+            <a:lvl6pPr marL="2743200" lvl="5" indent="-298450">
               <a:spcBef>
                 <a:spcPts val="0"/>
               </a:spcBef>
@@ -4367,7 +4467,7 @@
               <a:buChar char="■"/>
               <a:defRPr/>
             </a:lvl6pPr>
-            <a:lvl7pPr indent="-298450" lvl="6" marL="3200400">
+            <a:lvl7pPr marL="3200400" lvl="6" indent="-298450">
               <a:spcBef>
                 <a:spcPts val="0"/>
               </a:spcBef>
@@ -4378,7 +4478,7 @@
               <a:buChar char="●"/>
               <a:defRPr/>
             </a:lvl7pPr>
-            <a:lvl8pPr indent="-298450" lvl="7" marL="3657600">
+            <a:lvl8pPr marL="3657600" lvl="7" indent="-298450">
               <a:spcBef>
                 <a:spcPts val="0"/>
               </a:spcBef>
@@ -4389,7 +4489,7 @@
               <a:buChar char="○"/>
               <a:defRPr/>
             </a:lvl8pPr>
-            <a:lvl9pPr indent="-298450" lvl="8" marL="4114800">
+            <a:lvl9pPr marL="4114800" lvl="8" indent="-298450">
               <a:spcBef>
                 <a:spcPts val="0"/>
               </a:spcBef>
@@ -4401,15 +4501,19 @@
               <a:defRPr/>
             </a:lvl9pPr>
           </a:lstStyle>
-          <a:p/>
+          <a:p>
+            <a:endParaRPr/>
+          </a:p>
         </p:txBody>
       </p:sp>
       <p:sp>
         <p:nvSpPr>
           <p:cNvPr id="30" name="Google Shape;30;p4"/>
-          <p:cNvSpPr txBox="1"/>
+          <p:cNvSpPr txBox="1">
+            <a:spLocks noGrp="1"/>
+          </p:cNvSpPr>
           <p:nvPr>
-            <p:ph idx="12" type="sldNum"/>
+            <p:ph type="sldNum" idx="12"/>
           </p:nvPr>
         </p:nvSpPr>
         <p:spPr>
@@ -4422,7 +4526,7 @@
           </a:prstGeom>
         </p:spPr>
         <p:txBody>
-          <a:bodyPr anchorCtr="0" anchor="ctr" bIns="91425" lIns="91425" spcFirstLastPara="1" rIns="91425" wrap="square" tIns="91425">
+          <a:bodyPr spcFirstLastPara="1" wrap="square" lIns="91425" tIns="91425" rIns="91425" bIns="91425" anchor="ctr" anchorCtr="0">
             <a:normAutofit/>
           </a:bodyPr>
           <a:lstStyle>
@@ -4464,7 +4568,7 @@
             </a:lvl9pPr>
           </a:lstStyle>
           <a:p>
-            <a:pPr indent="0" lvl="0" marL="0" rtl="0" algn="r">
+            <a:pPr marL="0" lvl="0" indent="0" algn="r" rtl="0">
               <a:spcBef>
                 <a:spcPts val="0"/>
               </a:spcBef>
@@ -4490,11 +4594,11 @@
 </file>
 
 <file path=ppt/slideLayouts/slideLayout4.xml><?xml version="1.0" encoding="utf-8"?>
-<p:sldLayout xmlns:a="http://schemas.openxmlformats.org/drawingml/2006/main" xmlns:r="http://schemas.openxmlformats.org/officeDocument/2006/relationships" xmlns:mc="http://schemas.openxmlformats.org/markup-compatibility/2006" xmlns:mv="urn:schemas-microsoft-com:mac:vml" xmlns:p="http://schemas.openxmlformats.org/presentationml/2006/main" xmlns:c="http://schemas.openxmlformats.org/drawingml/2006/chart" xmlns:dgm="http://schemas.openxmlformats.org/drawingml/2006/diagram" xmlns:o="urn:schemas-microsoft-com:office:office" xmlns:v="urn:schemas-microsoft-com:vml" xmlns:pvml="urn:schemas-microsoft-com:office:powerpoint" xmlns:com="http://schemas.openxmlformats.org/drawingml/2006/compatibility" xmlns:p14="http://schemas.microsoft.com/office/powerpoint/2010/main" xmlns:p15="http://schemas.microsoft.com/office/powerpoint/2012/main" xmlns:ahyp="http://schemas.microsoft.com/office/drawing/2018/hyperlinkcolor" matchingName="Title and two columns" type="twoColTx">
+<p:sldLayout xmlns:a="http://schemas.openxmlformats.org/drawingml/2006/main" xmlns:r="http://schemas.openxmlformats.org/officeDocument/2006/relationships" xmlns:p="http://schemas.openxmlformats.org/presentationml/2006/main" matchingName="Title and two columns" type="twoColTx">
   <p:cSld name="TITLE_AND_TWO_COLUMNS">
     <p:spTree>
       <p:nvGrpSpPr>
-        <p:cNvPr id="31" name="Shape 31"/>
+        <p:cNvPr id="1" name="Shape 31"/>
         <p:cNvGrpSpPr/>
         <p:nvPr/>
       </p:nvGrpSpPr>
@@ -4528,12 +4632,12 @@
           </a:ln>
         </p:spPr>
         <p:txBody>
-          <a:bodyPr anchorCtr="0" anchor="ctr" bIns="91425" lIns="91425" spcFirstLastPara="1" rIns="91425" wrap="square" tIns="91425">
+          <a:bodyPr spcFirstLastPara="1" wrap="square" lIns="91425" tIns="91425" rIns="91425" bIns="91425" anchor="ctr" anchorCtr="0">
             <a:noAutofit/>
           </a:bodyPr>
           <a:lstStyle/>
           <a:p>
-            <a:pPr indent="0" lvl="0" marL="0" rtl="0" algn="l">
+            <a:pPr marL="0" lvl="0" indent="0" algn="l" rtl="0">
               <a:spcBef>
                 <a:spcPts val="0"/>
               </a:spcBef>
@@ -4542,9 +4646,6 @@
               </a:spcAft>
               <a:buNone/>
             </a:pPr>
-            <a:r>
-              <a:t/>
-            </a:r>
             <a:endParaRPr/>
           </a:p>
         </p:txBody>
@@ -4585,12 +4686,12 @@
             </a:ln>
           </p:spPr>
           <p:txBody>
-            <a:bodyPr anchorCtr="0" anchor="ctr" bIns="91425" lIns="91425" spcFirstLastPara="1" rIns="91425" wrap="square" tIns="91425">
+            <a:bodyPr spcFirstLastPara="1" wrap="square" lIns="91425" tIns="91425" rIns="91425" bIns="91425" anchor="ctr" anchorCtr="0">
               <a:noAutofit/>
             </a:bodyPr>
             <a:lstStyle/>
             <a:p>
-              <a:pPr indent="0" lvl="0" marL="0" rtl="0" algn="l">
+              <a:pPr marL="0" lvl="0" indent="0" algn="l" rtl="0">
                 <a:spcBef>
                   <a:spcPts val="0"/>
                 </a:spcBef>
@@ -4599,9 +4700,6 @@
                 </a:spcAft>
                 <a:buNone/>
               </a:pPr>
-              <a:r>
-                <a:t/>
-              </a:r>
               <a:endParaRPr/>
             </a:p>
           </p:txBody>
@@ -4628,12 +4726,12 @@
             </a:ln>
           </p:spPr>
           <p:txBody>
-            <a:bodyPr anchorCtr="0" anchor="ctr" bIns="91425" lIns="91425" spcFirstLastPara="1" rIns="91425" wrap="square" tIns="91425">
+            <a:bodyPr spcFirstLastPara="1" wrap="square" lIns="91425" tIns="91425" rIns="91425" bIns="91425" anchor="ctr" anchorCtr="0">
               <a:noAutofit/>
             </a:bodyPr>
             <a:lstStyle/>
             <a:p>
-              <a:pPr indent="0" lvl="0" marL="0" rtl="0" algn="l">
+              <a:pPr marL="0" lvl="0" indent="0" algn="l" rtl="0">
                 <a:spcBef>
                   <a:spcPts val="0"/>
                 </a:spcBef>
@@ -4642,9 +4740,6 @@
                 </a:spcAft>
                 <a:buNone/>
               </a:pPr>
-              <a:r>
-                <a:t/>
-              </a:r>
               <a:endParaRPr/>
             </a:p>
           </p:txBody>
@@ -4653,7 +4748,9 @@
       <p:sp>
         <p:nvSpPr>
           <p:cNvPr id="36" name="Google Shape;36;p5"/>
-          <p:cNvSpPr txBox="1"/>
+          <p:cNvSpPr txBox="1">
+            <a:spLocks noGrp="1"/>
+          </p:cNvSpPr>
           <p:nvPr>
             <p:ph type="title"/>
           </p:nvPr>
@@ -4668,7 +4765,7 @@
           </a:prstGeom>
         </p:spPr>
         <p:txBody>
-          <a:bodyPr anchorCtr="0" anchor="t" bIns="91425" lIns="91425" spcFirstLastPara="1" rIns="91425" wrap="square" tIns="91425">
+          <a:bodyPr spcFirstLastPara="1" wrap="square" lIns="91425" tIns="91425" rIns="91425" bIns="91425" anchor="t" anchorCtr="0">
             <a:normAutofit/>
           </a:bodyPr>
           <a:lstStyle>
@@ -4772,15 +4869,19 @@
               <a:defRPr sz="2600"/>
             </a:lvl9pPr>
           </a:lstStyle>
-          <a:p/>
+          <a:p>
+            <a:endParaRPr/>
+          </a:p>
         </p:txBody>
       </p:sp>
       <p:sp>
         <p:nvSpPr>
           <p:cNvPr id="37" name="Google Shape;37;p5"/>
-          <p:cNvSpPr txBox="1"/>
+          <p:cNvSpPr txBox="1">
+            <a:spLocks noGrp="1"/>
+          </p:cNvSpPr>
           <p:nvPr>
-            <p:ph idx="1" type="body"/>
+            <p:ph type="body" idx="1"/>
           </p:nvPr>
         </p:nvSpPr>
         <p:spPr>
@@ -4793,11 +4894,11 @@
           </a:prstGeom>
         </p:spPr>
         <p:txBody>
-          <a:bodyPr anchorCtr="0" anchor="t" bIns="91425" lIns="91425" spcFirstLastPara="1" rIns="91425" wrap="square" tIns="91425">
+          <a:bodyPr spcFirstLastPara="1" wrap="square" lIns="91425" tIns="91425" rIns="91425" bIns="91425" anchor="t" anchorCtr="0">
             <a:normAutofit/>
           </a:bodyPr>
           <a:lstStyle>
-            <a:lvl1pPr indent="-311150" lvl="0" marL="457200">
+            <a:lvl1pPr marL="457200" lvl="0" indent="-311150">
               <a:spcBef>
                 <a:spcPts val="0"/>
               </a:spcBef>
@@ -4808,7 +4909,7 @@
               <a:buChar char="●"/>
               <a:defRPr/>
             </a:lvl1pPr>
-            <a:lvl2pPr indent="-298450" lvl="1" marL="914400">
+            <a:lvl2pPr marL="914400" lvl="1" indent="-298450">
               <a:spcBef>
                 <a:spcPts val="0"/>
               </a:spcBef>
@@ -4819,7 +4920,7 @@
               <a:buChar char="○"/>
               <a:defRPr/>
             </a:lvl2pPr>
-            <a:lvl3pPr indent="-298450" lvl="2" marL="1371600">
+            <a:lvl3pPr marL="1371600" lvl="2" indent="-298450">
               <a:spcBef>
                 <a:spcPts val="0"/>
               </a:spcBef>
@@ -4830,7 +4931,7 @@
               <a:buChar char="■"/>
               <a:defRPr/>
             </a:lvl3pPr>
-            <a:lvl4pPr indent="-298450" lvl="3" marL="1828800">
+            <a:lvl4pPr marL="1828800" lvl="3" indent="-298450">
               <a:spcBef>
                 <a:spcPts val="0"/>
               </a:spcBef>
@@ -4841,7 +4942,7 @@
               <a:buChar char="●"/>
               <a:defRPr/>
             </a:lvl4pPr>
-            <a:lvl5pPr indent="-298450" lvl="4" marL="2286000">
+            <a:lvl5pPr marL="2286000" lvl="4" indent="-298450">
               <a:spcBef>
                 <a:spcPts val="0"/>
               </a:spcBef>
@@ -4852,7 +4953,7 @@
               <a:buChar char="○"/>
               <a:defRPr/>
             </a:lvl5pPr>
-            <a:lvl6pPr indent="-298450" lvl="5" marL="2743200">
+            <a:lvl6pPr marL="2743200" lvl="5" indent="-298450">
               <a:spcBef>
                 <a:spcPts val="0"/>
               </a:spcBef>
@@ -4863,7 +4964,7 @@
               <a:buChar char="■"/>
               <a:defRPr/>
             </a:lvl6pPr>
-            <a:lvl7pPr indent="-298450" lvl="6" marL="3200400">
+            <a:lvl7pPr marL="3200400" lvl="6" indent="-298450">
               <a:spcBef>
                 <a:spcPts val="0"/>
               </a:spcBef>
@@ -4874,7 +4975,7 @@
               <a:buChar char="●"/>
               <a:defRPr/>
             </a:lvl7pPr>
-            <a:lvl8pPr indent="-298450" lvl="7" marL="3657600">
+            <a:lvl8pPr marL="3657600" lvl="7" indent="-298450">
               <a:spcBef>
                 <a:spcPts val="0"/>
               </a:spcBef>
@@ -4885,7 +4986,7 @@
               <a:buChar char="○"/>
               <a:defRPr/>
             </a:lvl8pPr>
-            <a:lvl9pPr indent="-298450" lvl="8" marL="4114800">
+            <a:lvl9pPr marL="4114800" lvl="8" indent="-298450">
               <a:spcBef>
                 <a:spcPts val="0"/>
               </a:spcBef>
@@ -4897,15 +4998,19 @@
               <a:defRPr/>
             </a:lvl9pPr>
           </a:lstStyle>
-          <a:p/>
+          <a:p>
+            <a:endParaRPr/>
+          </a:p>
         </p:txBody>
       </p:sp>
       <p:sp>
         <p:nvSpPr>
           <p:cNvPr id="38" name="Google Shape;38;p5"/>
-          <p:cNvSpPr txBox="1"/>
+          <p:cNvSpPr txBox="1">
+            <a:spLocks noGrp="1"/>
+          </p:cNvSpPr>
           <p:nvPr>
-            <p:ph idx="2" type="body"/>
+            <p:ph type="body" idx="2"/>
           </p:nvPr>
         </p:nvSpPr>
         <p:spPr>
@@ -4918,11 +5023,11 @@
           </a:prstGeom>
         </p:spPr>
         <p:txBody>
-          <a:bodyPr anchorCtr="0" anchor="t" bIns="91425" lIns="91425" spcFirstLastPara="1" rIns="91425" wrap="square" tIns="91425">
+          <a:bodyPr spcFirstLastPara="1" wrap="square" lIns="91425" tIns="91425" rIns="91425" bIns="91425" anchor="t" anchorCtr="0">
             <a:normAutofit/>
           </a:bodyPr>
           <a:lstStyle>
-            <a:lvl1pPr indent="-311150" lvl="0" marL="457200">
+            <a:lvl1pPr marL="457200" lvl="0" indent="-311150">
               <a:spcBef>
                 <a:spcPts val="0"/>
               </a:spcBef>
@@ -4933,7 +5038,7 @@
               <a:buChar char="●"/>
               <a:defRPr/>
             </a:lvl1pPr>
-            <a:lvl2pPr indent="-298450" lvl="1" marL="914400">
+            <a:lvl2pPr marL="914400" lvl="1" indent="-298450">
               <a:spcBef>
                 <a:spcPts val="0"/>
               </a:spcBef>
@@ -4944,7 +5049,7 @@
               <a:buChar char="○"/>
               <a:defRPr/>
             </a:lvl2pPr>
-            <a:lvl3pPr indent="-298450" lvl="2" marL="1371600">
+            <a:lvl3pPr marL="1371600" lvl="2" indent="-298450">
               <a:spcBef>
                 <a:spcPts val="0"/>
               </a:spcBef>
@@ -4955,7 +5060,7 @@
               <a:buChar char="■"/>
               <a:defRPr/>
             </a:lvl3pPr>
-            <a:lvl4pPr indent="-298450" lvl="3" marL="1828800">
+            <a:lvl4pPr marL="1828800" lvl="3" indent="-298450">
               <a:spcBef>
                 <a:spcPts val="0"/>
               </a:spcBef>
@@ -4966,7 +5071,7 @@
               <a:buChar char="●"/>
               <a:defRPr/>
             </a:lvl4pPr>
-            <a:lvl5pPr indent="-298450" lvl="4" marL="2286000">
+            <a:lvl5pPr marL="2286000" lvl="4" indent="-298450">
               <a:spcBef>
                 <a:spcPts val="0"/>
               </a:spcBef>
@@ -4977,7 +5082,7 @@
               <a:buChar char="○"/>
               <a:defRPr/>
             </a:lvl5pPr>
-            <a:lvl6pPr indent="-298450" lvl="5" marL="2743200">
+            <a:lvl6pPr marL="2743200" lvl="5" indent="-298450">
               <a:spcBef>
                 <a:spcPts val="0"/>
               </a:spcBef>
@@ -4988,7 +5093,7 @@
               <a:buChar char="■"/>
               <a:defRPr/>
             </a:lvl6pPr>
-            <a:lvl7pPr indent="-298450" lvl="6" marL="3200400">
+            <a:lvl7pPr marL="3200400" lvl="6" indent="-298450">
               <a:spcBef>
                 <a:spcPts val="0"/>
               </a:spcBef>
@@ -4999,7 +5104,7 @@
               <a:buChar char="●"/>
               <a:defRPr/>
             </a:lvl7pPr>
-            <a:lvl8pPr indent="-298450" lvl="7" marL="3657600">
+            <a:lvl8pPr marL="3657600" lvl="7" indent="-298450">
               <a:spcBef>
                 <a:spcPts val="0"/>
               </a:spcBef>
@@ -5010,7 +5115,7 @@
               <a:buChar char="○"/>
               <a:defRPr/>
             </a:lvl8pPr>
-            <a:lvl9pPr indent="-298450" lvl="8" marL="4114800">
+            <a:lvl9pPr marL="4114800" lvl="8" indent="-298450">
               <a:spcBef>
                 <a:spcPts val="0"/>
               </a:spcBef>
@@ -5022,15 +5127,19 @@
               <a:defRPr/>
             </a:lvl9pPr>
           </a:lstStyle>
-          <a:p/>
+          <a:p>
+            <a:endParaRPr/>
+          </a:p>
         </p:txBody>
       </p:sp>
       <p:sp>
         <p:nvSpPr>
           <p:cNvPr id="39" name="Google Shape;39;p5"/>
-          <p:cNvSpPr txBox="1"/>
+          <p:cNvSpPr txBox="1">
+            <a:spLocks noGrp="1"/>
+          </p:cNvSpPr>
           <p:nvPr>
-            <p:ph idx="12" type="sldNum"/>
+            <p:ph type="sldNum" idx="12"/>
           </p:nvPr>
         </p:nvSpPr>
         <p:spPr>
@@ -5043,7 +5152,7 @@
           </a:prstGeom>
         </p:spPr>
         <p:txBody>
-          <a:bodyPr anchorCtr="0" anchor="ctr" bIns="91425" lIns="91425" spcFirstLastPara="1" rIns="91425" wrap="square" tIns="91425">
+          <a:bodyPr spcFirstLastPara="1" wrap="square" lIns="91425" tIns="91425" rIns="91425" bIns="91425" anchor="ctr" anchorCtr="0">
             <a:normAutofit/>
           </a:bodyPr>
           <a:lstStyle>
@@ -5085,7 +5194,7 @@
             </a:lvl9pPr>
           </a:lstStyle>
           <a:p>
-            <a:pPr indent="0" lvl="0" marL="0" rtl="0" algn="r">
+            <a:pPr marL="0" lvl="0" indent="0" algn="r" rtl="0">
               <a:spcBef>
                 <a:spcPts val="0"/>
               </a:spcBef>
@@ -5111,11 +5220,11 @@
 </file>
 
 <file path=ppt/slideLayouts/slideLayout5.xml><?xml version="1.0" encoding="utf-8"?>
-<p:sldLayout xmlns:a="http://schemas.openxmlformats.org/drawingml/2006/main" xmlns:r="http://schemas.openxmlformats.org/officeDocument/2006/relationships" xmlns:mc="http://schemas.openxmlformats.org/markup-compatibility/2006" xmlns:mv="urn:schemas-microsoft-com:mac:vml" xmlns:p="http://schemas.openxmlformats.org/presentationml/2006/main" xmlns:c="http://schemas.openxmlformats.org/drawingml/2006/chart" xmlns:dgm="http://schemas.openxmlformats.org/drawingml/2006/diagram" xmlns:o="urn:schemas-microsoft-com:office:office" xmlns:v="urn:schemas-microsoft-com:vml" xmlns:pvml="urn:schemas-microsoft-com:office:powerpoint" xmlns:com="http://schemas.openxmlformats.org/drawingml/2006/compatibility" xmlns:p14="http://schemas.microsoft.com/office/powerpoint/2010/main" xmlns:p15="http://schemas.microsoft.com/office/powerpoint/2012/main" xmlns:ahyp="http://schemas.microsoft.com/office/drawing/2018/hyperlinkcolor" matchingName="Title only" type="titleOnly">
+<p:sldLayout xmlns:a="http://schemas.openxmlformats.org/drawingml/2006/main" xmlns:r="http://schemas.openxmlformats.org/officeDocument/2006/relationships" xmlns:p="http://schemas.openxmlformats.org/presentationml/2006/main" matchingName="Title only" type="titleOnly">
   <p:cSld name="TITLE_ONLY">
     <p:spTree>
       <p:nvGrpSpPr>
-        <p:cNvPr id="40" name="Shape 40"/>
+        <p:cNvPr id="1" name="Shape 40"/>
         <p:cNvGrpSpPr/>
         <p:nvPr/>
       </p:nvGrpSpPr>
@@ -5149,12 +5258,12 @@
           </a:ln>
         </p:spPr>
         <p:txBody>
-          <a:bodyPr anchorCtr="0" anchor="ctr" bIns="91425" lIns="91425" spcFirstLastPara="1" rIns="91425" wrap="square" tIns="91425">
+          <a:bodyPr spcFirstLastPara="1" wrap="square" lIns="91425" tIns="91425" rIns="91425" bIns="91425" anchor="ctr" anchorCtr="0">
             <a:noAutofit/>
           </a:bodyPr>
           <a:lstStyle/>
           <a:p>
-            <a:pPr indent="0" lvl="0" marL="0" rtl="0" algn="l">
+            <a:pPr marL="0" lvl="0" indent="0" algn="l" rtl="0">
               <a:spcBef>
                 <a:spcPts val="0"/>
               </a:spcBef>
@@ -5163,9 +5272,6 @@
               </a:spcAft>
               <a:buNone/>
             </a:pPr>
-            <a:r>
-              <a:t/>
-            </a:r>
             <a:endParaRPr/>
           </a:p>
         </p:txBody>
@@ -5206,12 +5312,12 @@
             </a:ln>
           </p:spPr>
           <p:txBody>
-            <a:bodyPr anchorCtr="0" anchor="ctr" bIns="91425" lIns="91425" spcFirstLastPara="1" rIns="91425" wrap="square" tIns="91425">
+            <a:bodyPr spcFirstLastPara="1" wrap="square" lIns="91425" tIns="91425" rIns="91425" bIns="91425" anchor="ctr" anchorCtr="0">
               <a:noAutofit/>
             </a:bodyPr>
             <a:lstStyle/>
             <a:p>
-              <a:pPr indent="0" lvl="0" marL="0" rtl="0" algn="l">
+              <a:pPr marL="0" lvl="0" indent="0" algn="l" rtl="0">
                 <a:spcBef>
                   <a:spcPts val="0"/>
                 </a:spcBef>
@@ -5220,9 +5326,6 @@
                 </a:spcAft>
                 <a:buNone/>
               </a:pPr>
-              <a:r>
-                <a:t/>
-              </a:r>
               <a:endParaRPr/>
             </a:p>
           </p:txBody>
@@ -5249,12 +5352,12 @@
             </a:ln>
           </p:spPr>
           <p:txBody>
-            <a:bodyPr anchorCtr="0" anchor="ctr" bIns="91425" lIns="91425" spcFirstLastPara="1" rIns="91425" wrap="square" tIns="91425">
+            <a:bodyPr spcFirstLastPara="1" wrap="square" lIns="91425" tIns="91425" rIns="91425" bIns="91425" anchor="ctr" anchorCtr="0">
               <a:noAutofit/>
             </a:bodyPr>
             <a:lstStyle/>
             <a:p>
-              <a:pPr indent="0" lvl="0" marL="0" rtl="0" algn="l">
+              <a:pPr marL="0" lvl="0" indent="0" algn="l" rtl="0">
                 <a:spcBef>
                   <a:spcPts val="0"/>
                 </a:spcBef>
@@ -5263,9 +5366,6 @@
                 </a:spcAft>
                 <a:buNone/>
               </a:pPr>
-              <a:r>
-                <a:t/>
-              </a:r>
               <a:endParaRPr/>
             </a:p>
           </p:txBody>
@@ -5274,7 +5374,9 @@
       <p:sp>
         <p:nvSpPr>
           <p:cNvPr id="45" name="Google Shape;45;p6"/>
-          <p:cNvSpPr txBox="1"/>
+          <p:cNvSpPr txBox="1">
+            <a:spLocks noGrp="1"/>
+          </p:cNvSpPr>
           <p:nvPr>
             <p:ph type="title"/>
           </p:nvPr>
@@ -5289,7 +5391,7 @@
           </a:prstGeom>
         </p:spPr>
         <p:txBody>
-          <a:bodyPr anchorCtr="0" anchor="t" bIns="91425" lIns="91425" spcFirstLastPara="1" rIns="91425" wrap="square" tIns="91425">
+          <a:bodyPr spcFirstLastPara="1" wrap="square" lIns="91425" tIns="91425" rIns="91425" bIns="91425" anchor="t" anchorCtr="0">
             <a:normAutofit/>
           </a:bodyPr>
           <a:lstStyle>
@@ -5393,15 +5495,19 @@
               <a:defRPr sz="2600"/>
             </a:lvl9pPr>
           </a:lstStyle>
-          <a:p/>
+          <a:p>
+            <a:endParaRPr/>
+          </a:p>
         </p:txBody>
       </p:sp>
       <p:sp>
         <p:nvSpPr>
           <p:cNvPr id="46" name="Google Shape;46;p6"/>
-          <p:cNvSpPr txBox="1"/>
+          <p:cNvSpPr txBox="1">
+            <a:spLocks noGrp="1"/>
+          </p:cNvSpPr>
           <p:nvPr>
-            <p:ph idx="12" type="sldNum"/>
+            <p:ph type="sldNum" idx="12"/>
           </p:nvPr>
         </p:nvSpPr>
         <p:spPr>
@@ -5414,7 +5520,7 @@
           </a:prstGeom>
         </p:spPr>
         <p:txBody>
-          <a:bodyPr anchorCtr="0" anchor="ctr" bIns="91425" lIns="91425" spcFirstLastPara="1" rIns="91425" wrap="square" tIns="91425">
+          <a:bodyPr spcFirstLastPara="1" wrap="square" lIns="91425" tIns="91425" rIns="91425" bIns="91425" anchor="ctr" anchorCtr="0">
             <a:normAutofit/>
           </a:bodyPr>
           <a:lstStyle>
@@ -5456,7 +5562,7 @@
             </a:lvl9pPr>
           </a:lstStyle>
           <a:p>
-            <a:pPr indent="0" lvl="0" marL="0" rtl="0" algn="r">
+            <a:pPr marL="0" lvl="0" indent="0" algn="r" rtl="0">
               <a:spcBef>
                 <a:spcPts val="0"/>
               </a:spcBef>
@@ -5482,11 +5588,11 @@
 </file>
 
 <file path=ppt/slideLayouts/slideLayout6.xml><?xml version="1.0" encoding="utf-8"?>
-<p:sldLayout xmlns:a="http://schemas.openxmlformats.org/drawingml/2006/main" xmlns:r="http://schemas.openxmlformats.org/officeDocument/2006/relationships" xmlns:mc="http://schemas.openxmlformats.org/markup-compatibility/2006" xmlns:mv="urn:schemas-microsoft-com:mac:vml" xmlns:p="http://schemas.openxmlformats.org/presentationml/2006/main" xmlns:c="http://schemas.openxmlformats.org/drawingml/2006/chart" xmlns:dgm="http://schemas.openxmlformats.org/drawingml/2006/diagram" xmlns:o="urn:schemas-microsoft-com:office:office" xmlns:v="urn:schemas-microsoft-com:vml" xmlns:pvml="urn:schemas-microsoft-com:office:powerpoint" xmlns:com="http://schemas.openxmlformats.org/drawingml/2006/compatibility" xmlns:p14="http://schemas.microsoft.com/office/powerpoint/2010/main" xmlns:p15="http://schemas.microsoft.com/office/powerpoint/2012/main" xmlns:ahyp="http://schemas.microsoft.com/office/drawing/2018/hyperlinkcolor" matchingName="One column text">
+<p:sldLayout xmlns:a="http://schemas.openxmlformats.org/drawingml/2006/main" xmlns:r="http://schemas.openxmlformats.org/officeDocument/2006/relationships" xmlns:p="http://schemas.openxmlformats.org/presentationml/2006/main" matchingName="One column text">
   <p:cSld name="ONE_COLUMN_TEXT">
     <p:spTree>
       <p:nvGrpSpPr>
-        <p:cNvPr id="47" name="Shape 47"/>
+        <p:cNvPr id="1" name="Shape 47"/>
         <p:cNvGrpSpPr/>
         <p:nvPr/>
       </p:nvGrpSpPr>
@@ -5520,12 +5626,12 @@
           </a:ln>
         </p:spPr>
         <p:txBody>
-          <a:bodyPr anchorCtr="0" anchor="ctr" bIns="91425" lIns="91425" spcFirstLastPara="1" rIns="91425" wrap="square" tIns="91425">
+          <a:bodyPr spcFirstLastPara="1" wrap="square" lIns="91425" tIns="91425" rIns="91425" bIns="91425" anchor="ctr" anchorCtr="0">
             <a:noAutofit/>
           </a:bodyPr>
           <a:lstStyle/>
           <a:p>
-            <a:pPr indent="0" lvl="0" marL="0" rtl="0" algn="l">
+            <a:pPr marL="0" lvl="0" indent="0" algn="l" rtl="0">
               <a:spcBef>
                 <a:spcPts val="0"/>
               </a:spcBef>
@@ -5534,9 +5640,6 @@
               </a:spcAft>
               <a:buNone/>
             </a:pPr>
-            <a:r>
-              <a:t/>
-            </a:r>
             <a:endParaRPr/>
           </a:p>
         </p:txBody>
@@ -5577,12 +5680,12 @@
             </a:ln>
           </p:spPr>
           <p:txBody>
-            <a:bodyPr anchorCtr="0" anchor="ctr" bIns="91425" lIns="91425" spcFirstLastPara="1" rIns="91425" wrap="square" tIns="91425">
+            <a:bodyPr spcFirstLastPara="1" wrap="square" lIns="91425" tIns="91425" rIns="91425" bIns="91425" anchor="ctr" anchorCtr="0">
               <a:noAutofit/>
             </a:bodyPr>
             <a:lstStyle/>
             <a:p>
-              <a:pPr indent="0" lvl="0" marL="0" rtl="0" algn="l">
+              <a:pPr marL="0" lvl="0" indent="0" algn="l" rtl="0">
                 <a:spcBef>
                   <a:spcPts val="0"/>
                 </a:spcBef>
@@ -5591,9 +5694,6 @@
                 </a:spcAft>
                 <a:buNone/>
               </a:pPr>
-              <a:r>
-                <a:t/>
-              </a:r>
               <a:endParaRPr/>
             </a:p>
           </p:txBody>
@@ -5620,12 +5720,12 @@
             </a:ln>
           </p:spPr>
           <p:txBody>
-            <a:bodyPr anchorCtr="0" anchor="ctr" bIns="91425" lIns="91425" spcFirstLastPara="1" rIns="91425" wrap="square" tIns="91425">
+            <a:bodyPr spcFirstLastPara="1" wrap="square" lIns="91425" tIns="91425" rIns="91425" bIns="91425" anchor="ctr" anchorCtr="0">
               <a:noAutofit/>
             </a:bodyPr>
             <a:lstStyle/>
             <a:p>
-              <a:pPr indent="0" lvl="0" marL="0" rtl="0" algn="l">
+              <a:pPr marL="0" lvl="0" indent="0" algn="l" rtl="0">
                 <a:spcBef>
                   <a:spcPts val="0"/>
                 </a:spcBef>
@@ -5634,9 +5734,6 @@
                 </a:spcAft>
                 <a:buNone/>
               </a:pPr>
-              <a:r>
-                <a:t/>
-              </a:r>
               <a:endParaRPr/>
             </a:p>
           </p:txBody>
@@ -5645,7 +5742,9 @@
       <p:sp>
         <p:nvSpPr>
           <p:cNvPr id="52" name="Google Shape;52;p7"/>
-          <p:cNvSpPr txBox="1"/>
+          <p:cNvSpPr txBox="1">
+            <a:spLocks noGrp="1"/>
+          </p:cNvSpPr>
           <p:nvPr>
             <p:ph type="title"/>
           </p:nvPr>
@@ -5660,7 +5759,7 @@
           </a:prstGeom>
         </p:spPr>
         <p:txBody>
-          <a:bodyPr anchorCtr="0" anchor="t" bIns="91425" lIns="91425" spcFirstLastPara="1" rIns="91425" wrap="square" tIns="91425">
+          <a:bodyPr spcFirstLastPara="1" wrap="square" lIns="91425" tIns="91425" rIns="91425" bIns="91425" anchor="t" anchorCtr="0">
             <a:normAutofit/>
           </a:bodyPr>
           <a:lstStyle>
@@ -5764,15 +5863,19 @@
               <a:defRPr sz="2600"/>
             </a:lvl9pPr>
           </a:lstStyle>
-          <a:p/>
+          <a:p>
+            <a:endParaRPr/>
+          </a:p>
         </p:txBody>
       </p:sp>
       <p:sp>
         <p:nvSpPr>
           <p:cNvPr id="53" name="Google Shape;53;p7"/>
-          <p:cNvSpPr txBox="1"/>
+          <p:cNvSpPr txBox="1">
+            <a:spLocks noGrp="1"/>
+          </p:cNvSpPr>
           <p:nvPr>
-            <p:ph idx="1" type="body"/>
+            <p:ph type="body" idx="1"/>
           </p:nvPr>
         </p:nvSpPr>
         <p:spPr>
@@ -5785,11 +5888,11 @@
           </a:prstGeom>
         </p:spPr>
         <p:txBody>
-          <a:bodyPr anchorCtr="0" anchor="t" bIns="91425" lIns="91425" spcFirstLastPara="1" rIns="91425" wrap="square" tIns="91425">
+          <a:bodyPr spcFirstLastPara="1" wrap="square" lIns="91425" tIns="91425" rIns="91425" bIns="91425" anchor="t" anchorCtr="0">
             <a:normAutofit/>
           </a:bodyPr>
           <a:lstStyle>
-            <a:lvl1pPr indent="-311150" lvl="0" marL="457200">
+            <a:lvl1pPr marL="457200" lvl="0" indent="-311150">
               <a:spcBef>
                 <a:spcPts val="0"/>
               </a:spcBef>
@@ -5800,7 +5903,7 @@
               <a:buChar char="●"/>
               <a:defRPr/>
             </a:lvl1pPr>
-            <a:lvl2pPr indent="-298450" lvl="1" marL="914400">
+            <a:lvl2pPr marL="914400" lvl="1" indent="-298450">
               <a:spcBef>
                 <a:spcPts val="0"/>
               </a:spcBef>
@@ -5811,7 +5914,7 @@
               <a:buChar char="○"/>
               <a:defRPr/>
             </a:lvl2pPr>
-            <a:lvl3pPr indent="-298450" lvl="2" marL="1371600">
+            <a:lvl3pPr marL="1371600" lvl="2" indent="-298450">
               <a:spcBef>
                 <a:spcPts val="0"/>
               </a:spcBef>
@@ -5822,7 +5925,7 @@
               <a:buChar char="■"/>
               <a:defRPr/>
             </a:lvl3pPr>
-            <a:lvl4pPr indent="-298450" lvl="3" marL="1828800">
+            <a:lvl4pPr marL="1828800" lvl="3" indent="-298450">
               <a:spcBef>
                 <a:spcPts val="0"/>
               </a:spcBef>
@@ -5833,7 +5936,7 @@
               <a:buChar char="●"/>
               <a:defRPr/>
             </a:lvl4pPr>
-            <a:lvl5pPr indent="-298450" lvl="4" marL="2286000">
+            <a:lvl5pPr marL="2286000" lvl="4" indent="-298450">
               <a:spcBef>
                 <a:spcPts val="0"/>
               </a:spcBef>
@@ -5844,7 +5947,7 @@
               <a:buChar char="○"/>
               <a:defRPr/>
             </a:lvl5pPr>
-            <a:lvl6pPr indent="-298450" lvl="5" marL="2743200">
+            <a:lvl6pPr marL="2743200" lvl="5" indent="-298450">
               <a:spcBef>
                 <a:spcPts val="0"/>
               </a:spcBef>
@@ -5855,7 +5958,7 @@
               <a:buChar char="■"/>
               <a:defRPr/>
             </a:lvl6pPr>
-            <a:lvl7pPr indent="-298450" lvl="6" marL="3200400">
+            <a:lvl7pPr marL="3200400" lvl="6" indent="-298450">
               <a:spcBef>
                 <a:spcPts val="0"/>
               </a:spcBef>
@@ -5866,7 +5969,7 @@
               <a:buChar char="●"/>
               <a:defRPr/>
             </a:lvl7pPr>
-            <a:lvl8pPr indent="-298450" lvl="7" marL="3657600">
+            <a:lvl8pPr marL="3657600" lvl="7" indent="-298450">
               <a:spcBef>
                 <a:spcPts val="0"/>
               </a:spcBef>
@@ -5877,7 +5980,7 @@
               <a:buChar char="○"/>
               <a:defRPr/>
             </a:lvl8pPr>
-            <a:lvl9pPr indent="-298450" lvl="8" marL="4114800">
+            <a:lvl9pPr marL="4114800" lvl="8" indent="-298450">
               <a:spcBef>
                 <a:spcPts val="0"/>
               </a:spcBef>
@@ -5889,15 +5992,19 @@
               <a:defRPr/>
             </a:lvl9pPr>
           </a:lstStyle>
-          <a:p/>
+          <a:p>
+            <a:endParaRPr/>
+          </a:p>
         </p:txBody>
       </p:sp>
       <p:sp>
         <p:nvSpPr>
           <p:cNvPr id="54" name="Google Shape;54;p7"/>
-          <p:cNvSpPr txBox="1"/>
+          <p:cNvSpPr txBox="1">
+            <a:spLocks noGrp="1"/>
+          </p:cNvSpPr>
           <p:nvPr>
-            <p:ph idx="12" type="sldNum"/>
+            <p:ph type="sldNum" idx="12"/>
           </p:nvPr>
         </p:nvSpPr>
         <p:spPr>
@@ -5910,7 +6017,7 @@
           </a:prstGeom>
         </p:spPr>
         <p:txBody>
-          <a:bodyPr anchorCtr="0" anchor="ctr" bIns="91425" lIns="91425" spcFirstLastPara="1" rIns="91425" wrap="square" tIns="91425">
+          <a:bodyPr spcFirstLastPara="1" wrap="square" lIns="91425" tIns="91425" rIns="91425" bIns="91425" anchor="ctr" anchorCtr="0">
             <a:normAutofit/>
           </a:bodyPr>
           <a:lstStyle>
@@ -5952,7 +6059,7 @@
             </a:lvl9pPr>
           </a:lstStyle>
           <a:p>
-            <a:pPr indent="0" lvl="0" marL="0" rtl="0" algn="r">
+            <a:pPr marL="0" lvl="0" indent="0" algn="r" rtl="0">
               <a:spcBef>
                 <a:spcPts val="0"/>
               </a:spcBef>
@@ -5978,18 +6085,19 @@
 </file>
 
 <file path=ppt/slideLayouts/slideLayout7.xml><?xml version="1.0" encoding="utf-8"?>
-<p:sldLayout xmlns:a="http://schemas.openxmlformats.org/drawingml/2006/main" xmlns:r="http://schemas.openxmlformats.org/officeDocument/2006/relationships" xmlns:mc="http://schemas.openxmlformats.org/markup-compatibility/2006" xmlns:mv="urn:schemas-microsoft-com:mac:vml" xmlns:p="http://schemas.openxmlformats.org/presentationml/2006/main" xmlns:c="http://schemas.openxmlformats.org/drawingml/2006/chart" xmlns:dgm="http://schemas.openxmlformats.org/drawingml/2006/diagram" xmlns:o="urn:schemas-microsoft-com:office:office" xmlns:v="urn:schemas-microsoft-com:vml" xmlns:pvml="urn:schemas-microsoft-com:office:powerpoint" xmlns:com="http://schemas.openxmlformats.org/drawingml/2006/compatibility" xmlns:p14="http://schemas.microsoft.com/office/powerpoint/2010/main" xmlns:p15="http://schemas.microsoft.com/office/powerpoint/2012/main" xmlns:ahyp="http://schemas.microsoft.com/office/drawing/2018/hyperlinkcolor" matchingName="Main point">
+<p:sldLayout xmlns:a="http://schemas.openxmlformats.org/drawingml/2006/main" xmlns:r="http://schemas.openxmlformats.org/officeDocument/2006/relationships" xmlns:p="http://schemas.openxmlformats.org/presentationml/2006/main" matchingName="Main point">
   <p:cSld name="MAIN_POINT">
     <p:bg>
       <p:bgPr>
         <a:solidFill>
           <a:schemeClr val="accent3"/>
         </a:solidFill>
+        <a:effectLst/>
       </p:bgPr>
     </p:bg>
     <p:spTree>
       <p:nvGrpSpPr>
-        <p:cNvPr id="55" name="Shape 55"/>
+        <p:cNvPr id="1" name="Shape 55"/>
         <p:cNvGrpSpPr/>
         <p:nvPr/>
       </p:nvGrpSpPr>
@@ -6037,12 +6145,12 @@
             </a:ln>
           </p:spPr>
           <p:txBody>
-            <a:bodyPr anchorCtr="0" anchor="ctr" bIns="91425" lIns="91425" spcFirstLastPara="1" rIns="91425" wrap="square" tIns="91425">
+            <a:bodyPr spcFirstLastPara="1" wrap="square" lIns="91425" tIns="91425" rIns="91425" bIns="91425" anchor="ctr" anchorCtr="0">
               <a:noAutofit/>
             </a:bodyPr>
             <a:lstStyle/>
             <a:p>
-              <a:pPr indent="0" lvl="0" marL="0" rtl="0" algn="l">
+              <a:pPr marL="0" lvl="0" indent="0" algn="l" rtl="0">
                 <a:spcBef>
                   <a:spcPts val="0"/>
                 </a:spcBef>
@@ -6051,9 +6159,6 @@
                 </a:spcAft>
                 <a:buNone/>
               </a:pPr>
-              <a:r>
-                <a:t/>
-              </a:r>
               <a:endParaRPr/>
             </a:p>
           </p:txBody>
@@ -6080,12 +6185,12 @@
             </a:ln>
           </p:spPr>
           <p:txBody>
-            <a:bodyPr anchorCtr="0" anchor="ctr" bIns="91425" lIns="91425" spcFirstLastPara="1" rIns="91425" wrap="square" tIns="91425">
+            <a:bodyPr spcFirstLastPara="1" wrap="square" lIns="91425" tIns="91425" rIns="91425" bIns="91425" anchor="ctr" anchorCtr="0">
               <a:noAutofit/>
             </a:bodyPr>
             <a:lstStyle/>
             <a:p>
-              <a:pPr indent="0" lvl="0" marL="0" rtl="0" algn="l">
+              <a:pPr marL="0" lvl="0" indent="0" algn="l" rtl="0">
                 <a:spcBef>
                   <a:spcPts val="0"/>
                 </a:spcBef>
@@ -6094,9 +6199,6 @@
                 </a:spcAft>
                 <a:buNone/>
               </a:pPr>
-              <a:r>
-                <a:t/>
-              </a:r>
               <a:endParaRPr/>
             </a:p>
           </p:txBody>
@@ -6105,7 +6207,9 @@
       <p:sp>
         <p:nvSpPr>
           <p:cNvPr id="59" name="Google Shape;59;p8"/>
-          <p:cNvSpPr txBox="1"/>
+          <p:cNvSpPr txBox="1">
+            <a:spLocks noGrp="1"/>
+          </p:cNvSpPr>
           <p:nvPr>
             <p:ph type="title"/>
           </p:nvPr>
@@ -6120,7 +6224,7 @@
           </a:prstGeom>
         </p:spPr>
         <p:txBody>
-          <a:bodyPr anchorCtr="0" anchor="ctr" bIns="91425" lIns="91425" spcFirstLastPara="1" rIns="91425" wrap="square" tIns="91425">
+          <a:bodyPr spcFirstLastPara="1" wrap="square" lIns="91425" tIns="91425" rIns="91425" bIns="91425" anchor="ctr" anchorCtr="0">
             <a:normAutofit/>
           </a:bodyPr>
           <a:lstStyle>
@@ -6287,15 +6391,19 @@
               </a:defRPr>
             </a:lvl9pPr>
           </a:lstStyle>
-          <a:p/>
+          <a:p>
+            <a:endParaRPr/>
+          </a:p>
         </p:txBody>
       </p:sp>
       <p:sp>
         <p:nvSpPr>
           <p:cNvPr id="60" name="Google Shape;60;p8"/>
-          <p:cNvSpPr txBox="1"/>
+          <p:cNvSpPr txBox="1">
+            <a:spLocks noGrp="1"/>
+          </p:cNvSpPr>
           <p:nvPr>
-            <p:ph idx="12" type="sldNum"/>
+            <p:ph type="sldNum" idx="12"/>
           </p:nvPr>
         </p:nvSpPr>
         <p:spPr>
@@ -6308,7 +6416,7 @@
           </a:prstGeom>
         </p:spPr>
         <p:txBody>
-          <a:bodyPr anchorCtr="0" anchor="ctr" bIns="91425" lIns="91425" spcFirstLastPara="1" rIns="91425" wrap="square" tIns="91425">
+          <a:bodyPr spcFirstLastPara="1" wrap="square" lIns="91425" tIns="91425" rIns="91425" bIns="91425" anchor="ctr" anchorCtr="0">
             <a:normAutofit/>
           </a:bodyPr>
           <a:lstStyle>
@@ -6386,7 +6494,7 @@
             </a:lvl9pPr>
           </a:lstStyle>
           <a:p>
-            <a:pPr indent="0" lvl="0" marL="0" rtl="0" algn="r">
+            <a:pPr marL="0" lvl="0" indent="0" algn="r" rtl="0">
               <a:spcBef>
                 <a:spcPts val="0"/>
               </a:spcBef>
@@ -6412,11 +6520,11 @@
 </file>
 
 <file path=ppt/slideLayouts/slideLayout8.xml><?xml version="1.0" encoding="utf-8"?>
-<p:sldLayout xmlns:a="http://schemas.openxmlformats.org/drawingml/2006/main" xmlns:r="http://schemas.openxmlformats.org/officeDocument/2006/relationships" xmlns:mc="http://schemas.openxmlformats.org/markup-compatibility/2006" xmlns:mv="urn:schemas-microsoft-com:mac:vml" xmlns:p="http://schemas.openxmlformats.org/presentationml/2006/main" xmlns:c="http://schemas.openxmlformats.org/drawingml/2006/chart" xmlns:dgm="http://schemas.openxmlformats.org/drawingml/2006/diagram" xmlns:o="urn:schemas-microsoft-com:office:office" xmlns:v="urn:schemas-microsoft-com:vml" xmlns:pvml="urn:schemas-microsoft-com:office:powerpoint" xmlns:com="http://schemas.openxmlformats.org/drawingml/2006/compatibility" xmlns:p14="http://schemas.microsoft.com/office/powerpoint/2010/main" xmlns:p15="http://schemas.microsoft.com/office/powerpoint/2012/main" xmlns:ahyp="http://schemas.microsoft.com/office/drawing/2018/hyperlinkcolor" matchingName="Section title and description">
+<p:sldLayout xmlns:a="http://schemas.openxmlformats.org/drawingml/2006/main" xmlns:r="http://schemas.openxmlformats.org/officeDocument/2006/relationships" xmlns:p="http://schemas.openxmlformats.org/presentationml/2006/main" matchingName="Section title and description">
   <p:cSld name="SECTION_TITLE_AND_DESCRIPTION">
     <p:spTree>
       <p:nvGrpSpPr>
-        <p:cNvPr id="61" name="Shape 61"/>
+        <p:cNvPr id="1" name="Shape 61"/>
         <p:cNvGrpSpPr/>
         <p:nvPr/>
       </p:nvGrpSpPr>
@@ -6450,12 +6558,12 @@
           </a:ln>
         </p:spPr>
         <p:txBody>
-          <a:bodyPr anchorCtr="0" anchor="ctr" bIns="91425" lIns="91425" spcFirstLastPara="1" rIns="91425" wrap="square" tIns="91425">
+          <a:bodyPr spcFirstLastPara="1" wrap="square" lIns="91425" tIns="91425" rIns="91425" bIns="91425" anchor="ctr" anchorCtr="0">
             <a:noAutofit/>
           </a:bodyPr>
           <a:lstStyle/>
           <a:p>
-            <a:pPr indent="0" lvl="0" marL="0" rtl="0" algn="l">
+            <a:pPr marL="0" lvl="0" indent="0" algn="l" rtl="0">
               <a:spcBef>
                 <a:spcPts val="0"/>
               </a:spcBef>
@@ -6464,9 +6572,6 @@
               </a:spcAft>
               <a:buNone/>
             </a:pPr>
-            <a:r>
-              <a:t/>
-            </a:r>
             <a:endParaRPr/>
           </a:p>
         </p:txBody>
@@ -6507,12 +6612,12 @@
             </a:ln>
           </p:spPr>
           <p:txBody>
-            <a:bodyPr anchorCtr="0" anchor="ctr" bIns="91425" lIns="91425" spcFirstLastPara="1" rIns="91425" wrap="square" tIns="91425">
+            <a:bodyPr spcFirstLastPara="1" wrap="square" lIns="91425" tIns="91425" rIns="91425" bIns="91425" anchor="ctr" anchorCtr="0">
               <a:noAutofit/>
             </a:bodyPr>
             <a:lstStyle/>
             <a:p>
-              <a:pPr indent="0" lvl="0" marL="0" rtl="0" algn="l">
+              <a:pPr marL="0" lvl="0" indent="0" algn="l" rtl="0">
                 <a:spcBef>
                   <a:spcPts val="0"/>
                 </a:spcBef>
@@ -6521,9 +6626,6 @@
                 </a:spcAft>
                 <a:buNone/>
               </a:pPr>
-              <a:r>
-                <a:t/>
-              </a:r>
               <a:endParaRPr/>
             </a:p>
           </p:txBody>
@@ -6550,12 +6652,12 @@
             </a:ln>
           </p:spPr>
           <p:txBody>
-            <a:bodyPr anchorCtr="0" anchor="ctr" bIns="91425" lIns="91425" spcFirstLastPara="1" rIns="91425" wrap="square" tIns="91425">
+            <a:bodyPr spcFirstLastPara="1" wrap="square" lIns="91425" tIns="91425" rIns="91425" bIns="91425" anchor="ctr" anchorCtr="0">
               <a:noAutofit/>
             </a:bodyPr>
             <a:lstStyle/>
             <a:p>
-              <a:pPr indent="0" lvl="0" marL="0" rtl="0" algn="l">
+              <a:pPr marL="0" lvl="0" indent="0" algn="l" rtl="0">
                 <a:spcBef>
                   <a:spcPts val="0"/>
                 </a:spcBef>
@@ -6564,9 +6666,6 @@
                 </a:spcAft>
                 <a:buNone/>
               </a:pPr>
-              <a:r>
-                <a:t/>
-              </a:r>
               <a:endParaRPr/>
             </a:p>
           </p:txBody>
@@ -6575,7 +6674,9 @@
       <p:sp>
         <p:nvSpPr>
           <p:cNvPr id="66" name="Google Shape;66;p9"/>
-          <p:cNvSpPr txBox="1"/>
+          <p:cNvSpPr txBox="1">
+            <a:spLocks noGrp="1"/>
+          </p:cNvSpPr>
           <p:nvPr>
             <p:ph type="title"/>
           </p:nvPr>
@@ -6590,7 +6691,7 @@
           </a:prstGeom>
         </p:spPr>
         <p:txBody>
-          <a:bodyPr anchorCtr="0" anchor="t" bIns="91425" lIns="91425" spcFirstLastPara="1" rIns="91425" wrap="square" tIns="91425">
+          <a:bodyPr spcFirstLastPara="1" wrap="square" lIns="91425" tIns="91425" rIns="91425" bIns="91425" anchor="t" anchorCtr="0">
             <a:normAutofit/>
           </a:bodyPr>
           <a:lstStyle>
@@ -6694,15 +6795,19 @@
               <a:defRPr sz="2600"/>
             </a:lvl9pPr>
           </a:lstStyle>
-          <a:p/>
+          <a:p>
+            <a:endParaRPr/>
+          </a:p>
         </p:txBody>
       </p:sp>
       <p:sp>
         <p:nvSpPr>
           <p:cNvPr id="67" name="Google Shape;67;p9"/>
-          <p:cNvSpPr txBox="1"/>
+          <p:cNvSpPr txBox="1">
+            <a:spLocks noGrp="1"/>
+          </p:cNvSpPr>
           <p:nvPr>
-            <p:ph idx="1" type="subTitle"/>
+            <p:ph type="subTitle" idx="1"/>
           </p:nvPr>
         </p:nvSpPr>
         <p:spPr>
@@ -6715,7 +6820,7 @@
           </a:prstGeom>
         </p:spPr>
         <p:txBody>
-          <a:bodyPr anchorCtr="0" anchor="t" bIns="91425" lIns="91425" spcFirstLastPara="1" rIns="91425" wrap="square" tIns="91425">
+          <a:bodyPr spcFirstLastPara="1" wrap="square" lIns="91425" tIns="91425" rIns="91425" bIns="91425" anchor="t" anchorCtr="0">
             <a:normAutofit/>
           </a:bodyPr>
           <a:lstStyle>
@@ -6846,15 +6951,19 @@
               <a:defRPr sz="1600"/>
             </a:lvl9pPr>
           </a:lstStyle>
-          <a:p/>
+          <a:p>
+            <a:endParaRPr/>
+          </a:p>
         </p:txBody>
       </p:sp>
       <p:sp>
         <p:nvSpPr>
           <p:cNvPr id="68" name="Google Shape;68;p9"/>
-          <p:cNvSpPr txBox="1"/>
+          <p:cNvSpPr txBox="1">
+            <a:spLocks noGrp="1"/>
+          </p:cNvSpPr>
           <p:nvPr>
-            <p:ph idx="2" type="body"/>
+            <p:ph type="body" idx="2"/>
           </p:nvPr>
         </p:nvSpPr>
         <p:spPr>
@@ -6867,11 +6976,11 @@
           </a:prstGeom>
         </p:spPr>
         <p:txBody>
-          <a:bodyPr anchorCtr="0" anchor="t" bIns="91425" lIns="91425" spcFirstLastPara="1" rIns="91425" wrap="square" tIns="91425">
+          <a:bodyPr spcFirstLastPara="1" wrap="square" lIns="91425" tIns="91425" rIns="91425" bIns="91425" anchor="t" anchorCtr="0">
             <a:normAutofit/>
           </a:bodyPr>
           <a:lstStyle>
-            <a:lvl1pPr indent="-311150" lvl="0" marL="457200">
+            <a:lvl1pPr marL="457200" lvl="0" indent="-311150">
               <a:spcBef>
                 <a:spcPts val="0"/>
               </a:spcBef>
@@ -6882,7 +6991,7 @@
               <a:buChar char="●"/>
               <a:defRPr/>
             </a:lvl1pPr>
-            <a:lvl2pPr indent="-298450" lvl="1" marL="914400">
+            <a:lvl2pPr marL="914400" lvl="1" indent="-298450">
               <a:spcBef>
                 <a:spcPts val="0"/>
               </a:spcBef>
@@ -6893,7 +7002,7 @@
               <a:buChar char="○"/>
               <a:defRPr/>
             </a:lvl2pPr>
-            <a:lvl3pPr indent="-298450" lvl="2" marL="1371600">
+            <a:lvl3pPr marL="1371600" lvl="2" indent="-298450">
               <a:spcBef>
                 <a:spcPts val="0"/>
               </a:spcBef>
@@ -6904,7 +7013,7 @@
               <a:buChar char="■"/>
               <a:defRPr/>
             </a:lvl3pPr>
-            <a:lvl4pPr indent="-298450" lvl="3" marL="1828800">
+            <a:lvl4pPr marL="1828800" lvl="3" indent="-298450">
               <a:spcBef>
                 <a:spcPts val="0"/>
               </a:spcBef>
@@ -6915,7 +7024,7 @@
               <a:buChar char="●"/>
               <a:defRPr/>
             </a:lvl4pPr>
-            <a:lvl5pPr indent="-298450" lvl="4" marL="2286000">
+            <a:lvl5pPr marL="2286000" lvl="4" indent="-298450">
               <a:spcBef>
                 <a:spcPts val="0"/>
               </a:spcBef>
@@ -6926,7 +7035,7 @@
               <a:buChar char="○"/>
               <a:defRPr/>
             </a:lvl5pPr>
-            <a:lvl6pPr indent="-298450" lvl="5" marL="2743200">
+            <a:lvl6pPr marL="2743200" lvl="5" indent="-298450">
               <a:spcBef>
                 <a:spcPts val="0"/>
               </a:spcBef>
@@ -6937,7 +7046,7 @@
               <a:buChar char="■"/>
               <a:defRPr/>
             </a:lvl6pPr>
-            <a:lvl7pPr indent="-298450" lvl="6" marL="3200400">
+            <a:lvl7pPr marL="3200400" lvl="6" indent="-298450">
               <a:spcBef>
                 <a:spcPts val="0"/>
               </a:spcBef>
@@ -6948,7 +7057,7 @@
               <a:buChar char="●"/>
               <a:defRPr/>
             </a:lvl7pPr>
-            <a:lvl8pPr indent="-298450" lvl="7" marL="3657600">
+            <a:lvl8pPr marL="3657600" lvl="7" indent="-298450">
               <a:spcBef>
                 <a:spcPts val="0"/>
               </a:spcBef>
@@ -6959,7 +7068,7 @@
               <a:buChar char="○"/>
               <a:defRPr/>
             </a:lvl8pPr>
-            <a:lvl9pPr indent="-298450" lvl="8" marL="4114800">
+            <a:lvl9pPr marL="4114800" lvl="8" indent="-298450">
               <a:spcBef>
                 <a:spcPts val="0"/>
               </a:spcBef>
@@ -6971,15 +7080,19 @@
               <a:defRPr/>
             </a:lvl9pPr>
           </a:lstStyle>
-          <a:p/>
+          <a:p>
+            <a:endParaRPr/>
+          </a:p>
         </p:txBody>
       </p:sp>
       <p:sp>
         <p:nvSpPr>
           <p:cNvPr id="69" name="Google Shape;69;p9"/>
-          <p:cNvSpPr txBox="1"/>
+          <p:cNvSpPr txBox="1">
+            <a:spLocks noGrp="1"/>
+          </p:cNvSpPr>
           <p:nvPr>
-            <p:ph idx="12" type="sldNum"/>
+            <p:ph type="sldNum" idx="12"/>
           </p:nvPr>
         </p:nvSpPr>
         <p:spPr>
@@ -6992,7 +7105,7 @@
           </a:prstGeom>
         </p:spPr>
         <p:txBody>
-          <a:bodyPr anchorCtr="0" anchor="ctr" bIns="91425" lIns="91425" spcFirstLastPara="1" rIns="91425" wrap="square" tIns="91425">
+          <a:bodyPr spcFirstLastPara="1" wrap="square" lIns="91425" tIns="91425" rIns="91425" bIns="91425" anchor="ctr" anchorCtr="0">
             <a:normAutofit/>
           </a:bodyPr>
           <a:lstStyle>
@@ -7034,7 +7147,7 @@
             </a:lvl9pPr>
           </a:lstStyle>
           <a:p>
-            <a:pPr indent="0" lvl="0" marL="0" rtl="0" algn="r">
+            <a:pPr marL="0" lvl="0" indent="0" algn="r" rtl="0">
               <a:spcBef>
                 <a:spcPts val="0"/>
               </a:spcBef>
@@ -7060,11 +7173,11 @@
 </file>
 
 <file path=ppt/slideLayouts/slideLayout9.xml><?xml version="1.0" encoding="utf-8"?>
-<p:sldLayout xmlns:a="http://schemas.openxmlformats.org/drawingml/2006/main" xmlns:r="http://schemas.openxmlformats.org/officeDocument/2006/relationships" xmlns:mc="http://schemas.openxmlformats.org/markup-compatibility/2006" xmlns:mv="urn:schemas-microsoft-com:mac:vml" xmlns:p="http://schemas.openxmlformats.org/presentationml/2006/main" xmlns:c="http://schemas.openxmlformats.org/drawingml/2006/chart" xmlns:dgm="http://schemas.openxmlformats.org/drawingml/2006/diagram" xmlns:o="urn:schemas-microsoft-com:office:office" xmlns:v="urn:schemas-microsoft-com:vml" xmlns:pvml="urn:schemas-microsoft-com:office:powerpoint" xmlns:com="http://schemas.openxmlformats.org/drawingml/2006/compatibility" xmlns:p14="http://schemas.microsoft.com/office/powerpoint/2010/main" xmlns:p15="http://schemas.microsoft.com/office/powerpoint/2012/main" xmlns:ahyp="http://schemas.microsoft.com/office/drawing/2018/hyperlinkcolor" matchingName="Caption">
+<p:sldLayout xmlns:a="http://schemas.openxmlformats.org/drawingml/2006/main" xmlns:r="http://schemas.openxmlformats.org/officeDocument/2006/relationships" xmlns:p="http://schemas.openxmlformats.org/presentationml/2006/main" matchingName="Caption">
   <p:cSld name="CAPTION_ONLY">
     <p:spTree>
       <p:nvGrpSpPr>
-        <p:cNvPr id="70" name="Shape 70"/>
+        <p:cNvPr id="1" name="Shape 70"/>
         <p:cNvGrpSpPr/>
         <p:nvPr/>
       </p:nvGrpSpPr>
@@ -7079,9 +7192,11 @@
       <p:sp>
         <p:nvSpPr>
           <p:cNvPr id="71" name="Google Shape;71;p10"/>
-          <p:cNvSpPr txBox="1"/>
+          <p:cNvSpPr txBox="1">
+            <a:spLocks noGrp="1"/>
+          </p:cNvSpPr>
           <p:nvPr>
-            <p:ph idx="1" type="body"/>
+            <p:ph type="body" idx="1"/>
           </p:nvPr>
         </p:nvSpPr>
         <p:spPr>
@@ -7094,11 +7209,11 @@
           </a:prstGeom>
         </p:spPr>
         <p:txBody>
-          <a:bodyPr anchorCtr="0" anchor="ctr" bIns="91425" lIns="91425" spcFirstLastPara="1" rIns="91425" wrap="square" tIns="91425">
+          <a:bodyPr spcFirstLastPara="1" wrap="square" lIns="91425" tIns="91425" rIns="91425" bIns="91425" anchor="ctr" anchorCtr="0">
             <a:normAutofit/>
           </a:bodyPr>
           <a:lstStyle>
-            <a:lvl1pPr indent="-228600" lvl="0" marL="457200">
+            <a:lvl1pPr marL="457200" lvl="0" indent="-228600">
               <a:lnSpc>
                 <a:spcPct val="100000"/>
               </a:lnSpc>
@@ -7113,15 +7228,19 @@
               <a:defRPr/>
             </a:lvl1pPr>
           </a:lstStyle>
-          <a:p/>
+          <a:p>
+            <a:endParaRPr/>
+          </a:p>
         </p:txBody>
       </p:sp>
       <p:sp>
         <p:nvSpPr>
           <p:cNvPr id="72" name="Google Shape;72;p10"/>
-          <p:cNvSpPr txBox="1"/>
+          <p:cNvSpPr txBox="1">
+            <a:spLocks noGrp="1"/>
+          </p:cNvSpPr>
           <p:nvPr>
-            <p:ph idx="12" type="sldNum"/>
+            <p:ph type="sldNum" idx="12"/>
           </p:nvPr>
         </p:nvSpPr>
         <p:spPr>
@@ -7134,7 +7253,7 @@
           </a:prstGeom>
         </p:spPr>
         <p:txBody>
-          <a:bodyPr anchorCtr="0" anchor="ctr" bIns="91425" lIns="91425" spcFirstLastPara="1" rIns="91425" wrap="square" tIns="91425">
+          <a:bodyPr spcFirstLastPara="1" wrap="square" lIns="91425" tIns="91425" rIns="91425" bIns="91425" anchor="ctr" anchorCtr="0">
             <a:normAutofit/>
           </a:bodyPr>
           <a:lstStyle>
@@ -7176,7 +7295,7 @@
             </a:lvl9pPr>
           </a:lstStyle>
           <a:p>
-            <a:pPr indent="0" lvl="0" marL="0" rtl="0" algn="r">
+            <a:pPr marL="0" lvl="0" indent="0" algn="r" rtl="0">
               <a:spcBef>
                 <a:spcPts val="0"/>
               </a:spcBef>
@@ -7202,18 +7321,19 @@
 </file>
 
 <file path=ppt/slideMasters/slideMaster1.xml><?xml version="1.0" encoding="utf-8"?>
-<p:sldMaster xmlns:a="http://schemas.openxmlformats.org/drawingml/2006/main" xmlns:r="http://schemas.openxmlformats.org/officeDocument/2006/relationships" xmlns:mc="http://schemas.openxmlformats.org/markup-compatibility/2006" xmlns:mv="urn:schemas-microsoft-com:mac:vml" xmlns:p="http://schemas.openxmlformats.org/presentationml/2006/main" xmlns:c="http://schemas.openxmlformats.org/drawingml/2006/chart" xmlns:dgm="http://schemas.openxmlformats.org/drawingml/2006/diagram" xmlns:o="urn:schemas-microsoft-com:office:office" xmlns:v="urn:schemas-microsoft-com:vml" xmlns:pvml="urn:schemas-microsoft-com:office:powerpoint" xmlns:com="http://schemas.openxmlformats.org/drawingml/2006/compatibility" xmlns:p14="http://schemas.microsoft.com/office/powerpoint/2010/main" xmlns:p15="http://schemas.microsoft.com/office/powerpoint/2012/main" xmlns:ahyp="http://schemas.microsoft.com/office/drawing/2018/hyperlinkcolor">
+<p:sldMaster xmlns:a="http://schemas.openxmlformats.org/drawingml/2006/main" xmlns:r="http://schemas.openxmlformats.org/officeDocument/2006/relationships" xmlns:p="http://schemas.openxmlformats.org/presentationml/2006/main">
   <p:cSld name="streamline">
     <p:bg>
       <p:bgPr>
         <a:solidFill>
           <a:schemeClr val="lt1"/>
         </a:solidFill>
+        <a:effectLst/>
       </p:bgPr>
     </p:bg>
     <p:spTree>
       <p:nvGrpSpPr>
-        <p:cNvPr id="5" name="Shape 5"/>
+        <p:cNvPr id="1" name="Shape 5"/>
         <p:cNvGrpSpPr/>
         <p:nvPr/>
       </p:nvGrpSpPr>
@@ -7228,7 +7348,9 @@
       <p:sp>
         <p:nvSpPr>
           <p:cNvPr id="6" name="Google Shape;6;p1"/>
-          <p:cNvSpPr txBox="1"/>
+          <p:cNvSpPr txBox="1">
+            <a:spLocks noGrp="1"/>
+          </p:cNvSpPr>
           <p:nvPr>
             <p:ph type="title"/>
           </p:nvPr>
@@ -7247,7 +7369,7 @@
           </a:ln>
         </p:spPr>
         <p:txBody>
-          <a:bodyPr anchorCtr="0" anchor="t" bIns="91425" lIns="91425" spcFirstLastPara="1" rIns="91425" wrap="square" tIns="91425">
+          <a:bodyPr spcFirstLastPara="1" wrap="square" lIns="91425" tIns="91425" rIns="91425" bIns="91425" anchor="t" anchorCtr="0">
             <a:normAutofit/>
           </a:bodyPr>
           <a:lstStyle>
@@ -7264,7 +7386,7 @@
               <a:buSzPts val="2800"/>
               <a:buFont typeface="Raleway"/>
               <a:buNone/>
-              <a:defRPr b="1" sz="2800">
+              <a:defRPr sz="2800" b="1">
                 <a:solidFill>
                   <a:schemeClr val="dk2"/>
                 </a:solidFill>
@@ -7287,7 +7409,7 @@
               <a:buSzPts val="2800"/>
               <a:buFont typeface="Raleway"/>
               <a:buNone/>
-              <a:defRPr b="1" sz="2800">
+              <a:defRPr sz="2800" b="1">
                 <a:solidFill>
                   <a:schemeClr val="dk2"/>
                 </a:solidFill>
@@ -7310,7 +7432,7 @@
               <a:buSzPts val="2800"/>
               <a:buFont typeface="Raleway"/>
               <a:buNone/>
-              <a:defRPr b="1" sz="2800">
+              <a:defRPr sz="2800" b="1">
                 <a:solidFill>
                   <a:schemeClr val="dk2"/>
                 </a:solidFill>
@@ -7333,7 +7455,7 @@
               <a:buSzPts val="2800"/>
               <a:buFont typeface="Raleway"/>
               <a:buNone/>
-              <a:defRPr b="1" sz="2800">
+              <a:defRPr sz="2800" b="1">
                 <a:solidFill>
                   <a:schemeClr val="dk2"/>
                 </a:solidFill>
@@ -7356,7 +7478,7 @@
               <a:buSzPts val="2800"/>
               <a:buFont typeface="Raleway"/>
               <a:buNone/>
-              <a:defRPr b="1" sz="2800">
+              <a:defRPr sz="2800" b="1">
                 <a:solidFill>
                   <a:schemeClr val="dk2"/>
                 </a:solidFill>
@@ -7379,7 +7501,7 @@
               <a:buSzPts val="2800"/>
               <a:buFont typeface="Raleway"/>
               <a:buNone/>
-              <a:defRPr b="1" sz="2800">
+              <a:defRPr sz="2800" b="1">
                 <a:solidFill>
                   <a:schemeClr val="dk2"/>
                 </a:solidFill>
@@ -7402,7 +7524,7 @@
               <a:buSzPts val="2800"/>
               <a:buFont typeface="Raleway"/>
               <a:buNone/>
-              <a:defRPr b="1" sz="2800">
+              <a:defRPr sz="2800" b="1">
                 <a:solidFill>
                   <a:schemeClr val="dk2"/>
                 </a:solidFill>
@@ -7425,7 +7547,7 @@
               <a:buSzPts val="2800"/>
               <a:buFont typeface="Raleway"/>
               <a:buNone/>
-              <a:defRPr b="1" sz="2800">
+              <a:defRPr sz="2800" b="1">
                 <a:solidFill>
                   <a:schemeClr val="dk2"/>
                 </a:solidFill>
@@ -7448,7 +7570,7 @@
               <a:buSzPts val="2800"/>
               <a:buFont typeface="Raleway"/>
               <a:buNone/>
-              <a:defRPr b="1" sz="2800">
+              <a:defRPr sz="2800" b="1">
                 <a:solidFill>
                   <a:schemeClr val="dk2"/>
                 </a:solidFill>
@@ -7459,15 +7581,19 @@
               </a:defRPr>
             </a:lvl9pPr>
           </a:lstStyle>
-          <a:p/>
+          <a:p>
+            <a:endParaRPr/>
+          </a:p>
         </p:txBody>
       </p:sp>
       <p:sp>
         <p:nvSpPr>
           <p:cNvPr id="7" name="Google Shape;7;p1"/>
-          <p:cNvSpPr txBox="1"/>
+          <p:cNvSpPr txBox="1">
+            <a:spLocks noGrp="1"/>
+          </p:cNvSpPr>
           <p:nvPr>
-            <p:ph idx="1" type="body"/>
+            <p:ph type="body" idx="1"/>
           </p:nvPr>
         </p:nvSpPr>
         <p:spPr>
@@ -7484,11 +7610,11 @@
           </a:ln>
         </p:spPr>
         <p:txBody>
-          <a:bodyPr anchorCtr="0" anchor="t" bIns="91425" lIns="91425" spcFirstLastPara="1" rIns="91425" wrap="square" tIns="91425">
+          <a:bodyPr spcFirstLastPara="1" wrap="square" lIns="91425" tIns="91425" rIns="91425" bIns="91425" anchor="t" anchorCtr="0">
             <a:normAutofit/>
           </a:bodyPr>
           <a:lstStyle>
-            <a:lvl1pPr indent="-311150" lvl="0" marL="457200">
+            <a:lvl1pPr marL="457200" lvl="0" indent="-311150">
               <a:lnSpc>
                 <a:spcPct val="115000"/>
               </a:lnSpc>
@@ -7514,7 +7640,7 @@
                 <a:sym typeface="Lato"/>
               </a:defRPr>
             </a:lvl1pPr>
-            <a:lvl2pPr indent="-298450" lvl="1" marL="914400">
+            <a:lvl2pPr marL="914400" lvl="1" indent="-298450">
               <a:lnSpc>
                 <a:spcPct val="115000"/>
               </a:lnSpc>
@@ -7540,7 +7666,7 @@
                 <a:sym typeface="Lato"/>
               </a:defRPr>
             </a:lvl2pPr>
-            <a:lvl3pPr indent="-298450" lvl="2" marL="1371600">
+            <a:lvl3pPr marL="1371600" lvl="2" indent="-298450">
               <a:lnSpc>
                 <a:spcPct val="115000"/>
               </a:lnSpc>
@@ -7566,7 +7692,7 @@
                 <a:sym typeface="Lato"/>
               </a:defRPr>
             </a:lvl3pPr>
-            <a:lvl4pPr indent="-298450" lvl="3" marL="1828800">
+            <a:lvl4pPr marL="1828800" lvl="3" indent="-298450">
               <a:lnSpc>
                 <a:spcPct val="115000"/>
               </a:lnSpc>
@@ -7592,7 +7718,7 @@
                 <a:sym typeface="Lato"/>
               </a:defRPr>
             </a:lvl4pPr>
-            <a:lvl5pPr indent="-298450" lvl="4" marL="2286000">
+            <a:lvl5pPr marL="2286000" lvl="4" indent="-298450">
               <a:lnSpc>
                 <a:spcPct val="115000"/>
               </a:lnSpc>
@@ -7618,7 +7744,7 @@
                 <a:sym typeface="Lato"/>
               </a:defRPr>
             </a:lvl5pPr>
-            <a:lvl6pPr indent="-298450" lvl="5" marL="2743200">
+            <a:lvl6pPr marL="2743200" lvl="5" indent="-298450">
               <a:lnSpc>
                 <a:spcPct val="115000"/>
               </a:lnSpc>
@@ -7644,7 +7770,7 @@
                 <a:sym typeface="Lato"/>
               </a:defRPr>
             </a:lvl6pPr>
-            <a:lvl7pPr indent="-298450" lvl="6" marL="3200400">
+            <a:lvl7pPr marL="3200400" lvl="6" indent="-298450">
               <a:lnSpc>
                 <a:spcPct val="115000"/>
               </a:lnSpc>
@@ -7670,7 +7796,7 @@
                 <a:sym typeface="Lato"/>
               </a:defRPr>
             </a:lvl7pPr>
-            <a:lvl8pPr indent="-298450" lvl="7" marL="3657600">
+            <a:lvl8pPr marL="3657600" lvl="7" indent="-298450">
               <a:lnSpc>
                 <a:spcPct val="115000"/>
               </a:lnSpc>
@@ -7696,7 +7822,7 @@
                 <a:sym typeface="Lato"/>
               </a:defRPr>
             </a:lvl8pPr>
-            <a:lvl9pPr indent="-298450" lvl="8" marL="4114800">
+            <a:lvl9pPr marL="4114800" lvl="8" indent="-298450">
               <a:lnSpc>
                 <a:spcPct val="115000"/>
               </a:lnSpc>
@@ -7723,15 +7849,19 @@
               </a:defRPr>
             </a:lvl9pPr>
           </a:lstStyle>
-          <a:p/>
+          <a:p>
+            <a:endParaRPr/>
+          </a:p>
         </p:txBody>
       </p:sp>
       <p:sp>
         <p:nvSpPr>
           <p:cNvPr id="8" name="Google Shape;8;p1"/>
-          <p:cNvSpPr txBox="1"/>
+          <p:cNvSpPr txBox="1">
+            <a:spLocks noGrp="1"/>
+          </p:cNvSpPr>
           <p:nvPr>
-            <p:ph idx="12" type="sldNum"/>
+            <p:ph type="sldNum" idx="12"/>
           </p:nvPr>
         </p:nvSpPr>
         <p:spPr>
@@ -7748,7 +7878,7 @@
           </a:ln>
         </p:spPr>
         <p:txBody>
-          <a:bodyPr anchorCtr="0" anchor="ctr" bIns="91425" lIns="91425" spcFirstLastPara="1" rIns="91425" wrap="square" tIns="91425">
+          <a:bodyPr spcFirstLastPara="1" wrap="square" lIns="91425" tIns="91425" rIns="91425" bIns="91425" anchor="ctr" anchorCtr="0">
             <a:normAutofit/>
           </a:bodyPr>
           <a:lstStyle>
@@ -7862,7 +7992,7 @@
             </a:lvl9pPr>
           </a:lstStyle>
           <a:p>
-            <a:pPr indent="0" lvl="0" marL="0" rtl="0" algn="r">
+            <a:pPr marL="0" lvl="0" indent="0" algn="r" rtl="0">
               <a:spcBef>
                 <a:spcPts val="0"/>
               </a:spcBef>
@@ -7881,7 +8011,7 @@
       </p:sp>
     </p:spTree>
   </p:cSld>
-  <p:clrMap accent1="accent1" accent2="accent2" accent3="accent3" accent4="accent4" accent5="accent5" accent6="accent6" bg1="lt1" bg2="dk2" tx1="dk1" tx2="lt2" folHlink="folHlink" hlink="hlink"/>
+  <p:clrMap bg1="lt1" tx1="dk1" bg2="dk2" tx2="lt2" accent1="accent1" accent2="accent2" accent3="accent3" accent4="accent4" accent5="accent5" accent6="accent6" hlink="hlink" folHlink="folHlink"/>
   <p:sldLayoutIdLst>
     <p:sldLayoutId id="2147483648" r:id="rId1"/>
     <p:sldLayoutId id="2147483649" r:id="rId2"/>
@@ -7895,10 +8025,10 @@
     <p:sldLayoutId id="2147483657" r:id="rId10"/>
     <p:sldLayoutId id="2147483658" r:id="rId11"/>
   </p:sldLayoutIdLst>
-  <p:hf dt="0" ftr="0" hdr="0" sldNum="0"/>
+  <p:hf sldNum="0" hdr="0" ftr="0" dt="0"/>
   <p:txStyles>
     <p:titleStyle>
-      <a:defPPr lvl="0" marR="0" rtl="0" algn="l">
+      <a:defPPr marR="0" lvl="0" algn="l" rtl="0">
         <a:lnSpc>
           <a:spcPct val="100000"/>
         </a:lnSpc>
@@ -7909,7 +8039,7 @@
           <a:spcPts val="0"/>
         </a:spcAft>
       </a:defPPr>
-      <a:lvl1pPr lvl="0" marR="0" rtl="0" algn="l">
+      <a:lvl1pPr marR="0" lvl="0" algn="l" rtl="0">
         <a:lnSpc>
           <a:spcPct val="100000"/>
         </a:lnSpc>
@@ -7923,7 +8053,7 @@
           <a:srgbClr val="000000"/>
         </a:buClr>
         <a:buFont typeface="Arial"/>
-        <a:defRPr b="0" i="0" sz="1400" u="none" cap="none" strike="noStrike">
+        <a:defRPr sz="1400" b="0" i="0" u="none" strike="noStrike" cap="none">
           <a:solidFill>
             <a:srgbClr val="000000"/>
           </a:solidFill>
@@ -7933,7 +8063,7 @@
           <a:sym typeface="Arial"/>
         </a:defRPr>
       </a:lvl1pPr>
-      <a:lvl2pPr lvl="1" marR="0" rtl="0" algn="l">
+      <a:lvl2pPr marR="0" lvl="1" algn="l" rtl="0">
         <a:lnSpc>
           <a:spcPct val="100000"/>
         </a:lnSpc>
@@ -7947,7 +8077,7 @@
           <a:srgbClr val="000000"/>
         </a:buClr>
         <a:buFont typeface="Arial"/>
-        <a:defRPr b="0" i="0" sz="1400" u="none" cap="none" strike="noStrike">
+        <a:defRPr sz="1400" b="0" i="0" u="none" strike="noStrike" cap="none">
           <a:solidFill>
             <a:srgbClr val="000000"/>
           </a:solidFill>
@@ -7957,7 +8087,7 @@
           <a:sym typeface="Arial"/>
         </a:defRPr>
       </a:lvl2pPr>
-      <a:lvl3pPr lvl="2" marR="0" rtl="0" algn="l">
+      <a:lvl3pPr marR="0" lvl="2" algn="l" rtl="0">
         <a:lnSpc>
           <a:spcPct val="100000"/>
         </a:lnSpc>
@@ -7971,7 +8101,7 @@
           <a:srgbClr val="000000"/>
         </a:buClr>
         <a:buFont typeface="Arial"/>
-        <a:defRPr b="0" i="0" sz="1400" u="none" cap="none" strike="noStrike">
+        <a:defRPr sz="1400" b="0" i="0" u="none" strike="noStrike" cap="none">
           <a:solidFill>
             <a:srgbClr val="000000"/>
           </a:solidFill>
@@ -7981,7 +8111,7 @@
           <a:sym typeface="Arial"/>
         </a:defRPr>
       </a:lvl3pPr>
-      <a:lvl4pPr lvl="3" marR="0" rtl="0" algn="l">
+      <a:lvl4pPr marR="0" lvl="3" algn="l" rtl="0">
         <a:lnSpc>
           <a:spcPct val="100000"/>
         </a:lnSpc>
@@ -7995,7 +8125,7 @@
           <a:srgbClr val="000000"/>
         </a:buClr>
         <a:buFont typeface="Arial"/>
-        <a:defRPr b="0" i="0" sz="1400" u="none" cap="none" strike="noStrike">
+        <a:defRPr sz="1400" b="0" i="0" u="none" strike="noStrike" cap="none">
           <a:solidFill>
             <a:srgbClr val="000000"/>
           </a:solidFill>
@@ -8005,7 +8135,7 @@
           <a:sym typeface="Arial"/>
         </a:defRPr>
       </a:lvl4pPr>
-      <a:lvl5pPr lvl="4" marR="0" rtl="0" algn="l">
+      <a:lvl5pPr marR="0" lvl="4" algn="l" rtl="0">
         <a:lnSpc>
           <a:spcPct val="100000"/>
         </a:lnSpc>
@@ -8019,7 +8149,7 @@
           <a:srgbClr val="000000"/>
         </a:buClr>
         <a:buFont typeface="Arial"/>
-        <a:defRPr b="0" i="0" sz="1400" u="none" cap="none" strike="noStrike">
+        <a:defRPr sz="1400" b="0" i="0" u="none" strike="noStrike" cap="none">
           <a:solidFill>
             <a:srgbClr val="000000"/>
           </a:solidFill>
@@ -8029,7 +8159,7 @@
           <a:sym typeface="Arial"/>
         </a:defRPr>
       </a:lvl5pPr>
-      <a:lvl6pPr lvl="5" marR="0" rtl="0" algn="l">
+      <a:lvl6pPr marR="0" lvl="5" algn="l" rtl="0">
         <a:lnSpc>
           <a:spcPct val="100000"/>
         </a:lnSpc>
@@ -8043,7 +8173,7 @@
           <a:srgbClr val="000000"/>
         </a:buClr>
         <a:buFont typeface="Arial"/>
-        <a:defRPr b="0" i="0" sz="1400" u="none" cap="none" strike="noStrike">
+        <a:defRPr sz="1400" b="0" i="0" u="none" strike="noStrike" cap="none">
           <a:solidFill>
             <a:srgbClr val="000000"/>
           </a:solidFill>
@@ -8053,7 +8183,7 @@
           <a:sym typeface="Arial"/>
         </a:defRPr>
       </a:lvl6pPr>
-      <a:lvl7pPr lvl="6" marR="0" rtl="0" algn="l">
+      <a:lvl7pPr marR="0" lvl="6" algn="l" rtl="0">
         <a:lnSpc>
           <a:spcPct val="100000"/>
         </a:lnSpc>
@@ -8067,7 +8197,7 @@
           <a:srgbClr val="000000"/>
         </a:buClr>
         <a:buFont typeface="Arial"/>
-        <a:defRPr b="0" i="0" sz="1400" u="none" cap="none" strike="noStrike">
+        <a:defRPr sz="1400" b="0" i="0" u="none" strike="noStrike" cap="none">
           <a:solidFill>
             <a:srgbClr val="000000"/>
           </a:solidFill>
@@ -8077,7 +8207,7 @@
           <a:sym typeface="Arial"/>
         </a:defRPr>
       </a:lvl7pPr>
-      <a:lvl8pPr lvl="7" marR="0" rtl="0" algn="l">
+      <a:lvl8pPr marR="0" lvl="7" algn="l" rtl="0">
         <a:lnSpc>
           <a:spcPct val="100000"/>
         </a:lnSpc>
@@ -8091,7 +8221,7 @@
           <a:srgbClr val="000000"/>
         </a:buClr>
         <a:buFont typeface="Arial"/>
-        <a:defRPr b="0" i="0" sz="1400" u="none" cap="none" strike="noStrike">
+        <a:defRPr sz="1400" b="0" i="0" u="none" strike="noStrike" cap="none">
           <a:solidFill>
             <a:srgbClr val="000000"/>
           </a:solidFill>
@@ -8101,7 +8231,7 @@
           <a:sym typeface="Arial"/>
         </a:defRPr>
       </a:lvl8pPr>
-      <a:lvl9pPr lvl="8" marR="0" rtl="0" algn="l">
+      <a:lvl9pPr marR="0" lvl="8" algn="l" rtl="0">
         <a:lnSpc>
           <a:spcPct val="100000"/>
         </a:lnSpc>
@@ -8115,7 +8245,7 @@
           <a:srgbClr val="000000"/>
         </a:buClr>
         <a:buFont typeface="Arial"/>
-        <a:defRPr b="0" i="0" sz="1400" u="none" cap="none" strike="noStrike">
+        <a:defRPr sz="1400" b="0" i="0" u="none" strike="noStrike" cap="none">
           <a:solidFill>
             <a:srgbClr val="000000"/>
           </a:solidFill>
@@ -8127,7 +8257,7 @@
       </a:lvl9pPr>
     </p:titleStyle>
     <p:bodyStyle>
-      <a:defPPr lvl="0" marR="0" rtl="0" algn="l">
+      <a:defPPr marR="0" lvl="0" algn="l" rtl="0">
         <a:lnSpc>
           <a:spcPct val="100000"/>
         </a:lnSpc>
@@ -8138,7 +8268,7 @@
           <a:spcPts val="0"/>
         </a:spcAft>
       </a:defPPr>
-      <a:lvl1pPr lvl="0" marR="0" rtl="0" algn="l">
+      <a:lvl1pPr marR="0" lvl="0" algn="l" rtl="0">
         <a:lnSpc>
           <a:spcPct val="100000"/>
         </a:lnSpc>
@@ -8152,7 +8282,7 @@
           <a:srgbClr val="000000"/>
         </a:buClr>
         <a:buFont typeface="Arial"/>
-        <a:defRPr b="0" i="0" sz="1400" u="none" cap="none" strike="noStrike">
+        <a:defRPr sz="1400" b="0" i="0" u="none" strike="noStrike" cap="none">
           <a:solidFill>
             <a:srgbClr val="000000"/>
           </a:solidFill>
@@ -8162,7 +8292,7 @@
           <a:sym typeface="Arial"/>
         </a:defRPr>
       </a:lvl1pPr>
-      <a:lvl2pPr lvl="1" marR="0" rtl="0" algn="l">
+      <a:lvl2pPr marR="0" lvl="1" algn="l" rtl="0">
         <a:lnSpc>
           <a:spcPct val="100000"/>
         </a:lnSpc>
@@ -8176,7 +8306,7 @@
           <a:srgbClr val="000000"/>
         </a:buClr>
         <a:buFont typeface="Arial"/>
-        <a:defRPr b="0" i="0" sz="1400" u="none" cap="none" strike="noStrike">
+        <a:defRPr sz="1400" b="0" i="0" u="none" strike="noStrike" cap="none">
           <a:solidFill>
             <a:srgbClr val="000000"/>
           </a:solidFill>
@@ -8186,7 +8316,7 @@
           <a:sym typeface="Arial"/>
         </a:defRPr>
       </a:lvl2pPr>
-      <a:lvl3pPr lvl="2" marR="0" rtl="0" algn="l">
+      <a:lvl3pPr marR="0" lvl="2" algn="l" rtl="0">
         <a:lnSpc>
           <a:spcPct val="100000"/>
         </a:lnSpc>
@@ -8200,7 +8330,7 @@
           <a:srgbClr val="000000"/>
         </a:buClr>
         <a:buFont typeface="Arial"/>
-        <a:defRPr b="0" i="0" sz="1400" u="none" cap="none" strike="noStrike">
+        <a:defRPr sz="1400" b="0" i="0" u="none" strike="noStrike" cap="none">
           <a:solidFill>
             <a:srgbClr val="000000"/>
           </a:solidFill>
@@ -8210,7 +8340,7 @@
           <a:sym typeface="Arial"/>
         </a:defRPr>
       </a:lvl3pPr>
-      <a:lvl4pPr lvl="3" marR="0" rtl="0" algn="l">
+      <a:lvl4pPr marR="0" lvl="3" algn="l" rtl="0">
         <a:lnSpc>
           <a:spcPct val="100000"/>
         </a:lnSpc>
@@ -8224,7 +8354,7 @@
           <a:srgbClr val="000000"/>
         </a:buClr>
         <a:buFont typeface="Arial"/>
-        <a:defRPr b="0" i="0" sz="1400" u="none" cap="none" strike="noStrike">
+        <a:defRPr sz="1400" b="0" i="0" u="none" strike="noStrike" cap="none">
           <a:solidFill>
             <a:srgbClr val="000000"/>
           </a:solidFill>
@@ -8234,7 +8364,7 @@
           <a:sym typeface="Arial"/>
         </a:defRPr>
       </a:lvl4pPr>
-      <a:lvl5pPr lvl="4" marR="0" rtl="0" algn="l">
+      <a:lvl5pPr marR="0" lvl="4" algn="l" rtl="0">
         <a:lnSpc>
           <a:spcPct val="100000"/>
         </a:lnSpc>
@@ -8248,7 +8378,7 @@
           <a:srgbClr val="000000"/>
         </a:buClr>
         <a:buFont typeface="Arial"/>
-        <a:defRPr b="0" i="0" sz="1400" u="none" cap="none" strike="noStrike">
+        <a:defRPr sz="1400" b="0" i="0" u="none" strike="noStrike" cap="none">
           <a:solidFill>
             <a:srgbClr val="000000"/>
           </a:solidFill>
@@ -8258,7 +8388,7 @@
           <a:sym typeface="Arial"/>
         </a:defRPr>
       </a:lvl5pPr>
-      <a:lvl6pPr lvl="5" marR="0" rtl="0" algn="l">
+      <a:lvl6pPr marR="0" lvl="5" algn="l" rtl="0">
         <a:lnSpc>
           <a:spcPct val="100000"/>
         </a:lnSpc>
@@ -8272,7 +8402,7 @@
           <a:srgbClr val="000000"/>
         </a:buClr>
         <a:buFont typeface="Arial"/>
-        <a:defRPr b="0" i="0" sz="1400" u="none" cap="none" strike="noStrike">
+        <a:defRPr sz="1400" b="0" i="0" u="none" strike="noStrike" cap="none">
           <a:solidFill>
             <a:srgbClr val="000000"/>
           </a:solidFill>
@@ -8282,7 +8412,7 @@
           <a:sym typeface="Arial"/>
         </a:defRPr>
       </a:lvl6pPr>
-      <a:lvl7pPr lvl="6" marR="0" rtl="0" algn="l">
+      <a:lvl7pPr marR="0" lvl="6" algn="l" rtl="0">
         <a:lnSpc>
           <a:spcPct val="100000"/>
         </a:lnSpc>
@@ -8296,7 +8426,7 @@
           <a:srgbClr val="000000"/>
         </a:buClr>
         <a:buFont typeface="Arial"/>
-        <a:defRPr b="0" i="0" sz="1400" u="none" cap="none" strike="noStrike">
+        <a:defRPr sz="1400" b="0" i="0" u="none" strike="noStrike" cap="none">
           <a:solidFill>
             <a:srgbClr val="000000"/>
           </a:solidFill>
@@ -8306,7 +8436,7 @@
           <a:sym typeface="Arial"/>
         </a:defRPr>
       </a:lvl7pPr>
-      <a:lvl8pPr lvl="7" marR="0" rtl="0" algn="l">
+      <a:lvl8pPr marR="0" lvl="7" algn="l" rtl="0">
         <a:lnSpc>
           <a:spcPct val="100000"/>
         </a:lnSpc>
@@ -8320,7 +8450,7 @@
           <a:srgbClr val="000000"/>
         </a:buClr>
         <a:buFont typeface="Arial"/>
-        <a:defRPr b="0" i="0" sz="1400" u="none" cap="none" strike="noStrike">
+        <a:defRPr sz="1400" b="0" i="0" u="none" strike="noStrike" cap="none">
           <a:solidFill>
             <a:srgbClr val="000000"/>
           </a:solidFill>
@@ -8330,7 +8460,7 @@
           <a:sym typeface="Arial"/>
         </a:defRPr>
       </a:lvl8pPr>
-      <a:lvl9pPr lvl="8" marR="0" rtl="0" algn="l">
+      <a:lvl9pPr marR="0" lvl="8" algn="l" rtl="0">
         <a:lnSpc>
           <a:spcPct val="100000"/>
         </a:lnSpc>
@@ -8344,7 +8474,7 @@
           <a:srgbClr val="000000"/>
         </a:buClr>
         <a:buFont typeface="Arial"/>
-        <a:defRPr b="0" i="0" sz="1400" u="none" cap="none" strike="noStrike">
+        <a:defRPr sz="1400" b="0" i="0" u="none" strike="noStrike" cap="none">
           <a:solidFill>
             <a:srgbClr val="000000"/>
           </a:solidFill>
@@ -8356,7 +8486,7 @@
       </a:lvl9pPr>
     </p:bodyStyle>
     <p:otherStyle>
-      <a:defPPr lvl="0" marR="0" rtl="0" algn="l">
+      <a:defPPr marR="0" lvl="0" algn="l" rtl="0">
         <a:lnSpc>
           <a:spcPct val="100000"/>
         </a:lnSpc>
@@ -8367,7 +8497,7 @@
           <a:spcPts val="0"/>
         </a:spcAft>
       </a:defPPr>
-      <a:lvl1pPr lvl="0" marR="0" rtl="0" algn="l">
+      <a:lvl1pPr marR="0" lvl="0" algn="l" rtl="0">
         <a:lnSpc>
           <a:spcPct val="100000"/>
         </a:lnSpc>
@@ -8381,7 +8511,7 @@
           <a:srgbClr val="000000"/>
         </a:buClr>
         <a:buFont typeface="Arial"/>
-        <a:defRPr b="0" i="0" sz="1400" u="none" cap="none" strike="noStrike">
+        <a:defRPr sz="1400" b="0" i="0" u="none" strike="noStrike" cap="none">
           <a:solidFill>
             <a:srgbClr val="000000"/>
           </a:solidFill>
@@ -8391,7 +8521,7 @@
           <a:sym typeface="Arial"/>
         </a:defRPr>
       </a:lvl1pPr>
-      <a:lvl2pPr lvl="1" marR="0" rtl="0" algn="l">
+      <a:lvl2pPr marR="0" lvl="1" algn="l" rtl="0">
         <a:lnSpc>
           <a:spcPct val="100000"/>
         </a:lnSpc>
@@ -8405,7 +8535,7 @@
           <a:srgbClr val="000000"/>
         </a:buClr>
         <a:buFont typeface="Arial"/>
-        <a:defRPr b="0" i="0" sz="1400" u="none" cap="none" strike="noStrike">
+        <a:defRPr sz="1400" b="0" i="0" u="none" strike="noStrike" cap="none">
           <a:solidFill>
             <a:srgbClr val="000000"/>
           </a:solidFill>
@@ -8415,7 +8545,7 @@
           <a:sym typeface="Arial"/>
         </a:defRPr>
       </a:lvl2pPr>
-      <a:lvl3pPr lvl="2" marR="0" rtl="0" algn="l">
+      <a:lvl3pPr marR="0" lvl="2" algn="l" rtl="0">
         <a:lnSpc>
           <a:spcPct val="100000"/>
         </a:lnSpc>
@@ -8429,7 +8559,7 @@
           <a:srgbClr val="000000"/>
         </a:buClr>
         <a:buFont typeface="Arial"/>
-        <a:defRPr b="0" i="0" sz="1400" u="none" cap="none" strike="noStrike">
+        <a:defRPr sz="1400" b="0" i="0" u="none" strike="noStrike" cap="none">
           <a:solidFill>
             <a:srgbClr val="000000"/>
           </a:solidFill>
@@ -8439,7 +8569,7 @@
           <a:sym typeface="Arial"/>
         </a:defRPr>
       </a:lvl3pPr>
-      <a:lvl4pPr lvl="3" marR="0" rtl="0" algn="l">
+      <a:lvl4pPr marR="0" lvl="3" algn="l" rtl="0">
         <a:lnSpc>
           <a:spcPct val="100000"/>
         </a:lnSpc>
@@ -8453,7 +8583,7 @@
           <a:srgbClr val="000000"/>
         </a:buClr>
         <a:buFont typeface="Arial"/>
-        <a:defRPr b="0" i="0" sz="1400" u="none" cap="none" strike="noStrike">
+        <a:defRPr sz="1400" b="0" i="0" u="none" strike="noStrike" cap="none">
           <a:solidFill>
             <a:srgbClr val="000000"/>
           </a:solidFill>
@@ -8463,7 +8593,7 @@
           <a:sym typeface="Arial"/>
         </a:defRPr>
       </a:lvl4pPr>
-      <a:lvl5pPr lvl="4" marR="0" rtl="0" algn="l">
+      <a:lvl5pPr marR="0" lvl="4" algn="l" rtl="0">
         <a:lnSpc>
           <a:spcPct val="100000"/>
         </a:lnSpc>
@@ -8477,7 +8607,7 @@
           <a:srgbClr val="000000"/>
         </a:buClr>
         <a:buFont typeface="Arial"/>
-        <a:defRPr b="0" i="0" sz="1400" u="none" cap="none" strike="noStrike">
+        <a:defRPr sz="1400" b="0" i="0" u="none" strike="noStrike" cap="none">
           <a:solidFill>
             <a:srgbClr val="000000"/>
           </a:solidFill>
@@ -8487,7 +8617,7 @@
           <a:sym typeface="Arial"/>
         </a:defRPr>
       </a:lvl5pPr>
-      <a:lvl6pPr lvl="5" marR="0" rtl="0" algn="l">
+      <a:lvl6pPr marR="0" lvl="5" algn="l" rtl="0">
         <a:lnSpc>
           <a:spcPct val="100000"/>
         </a:lnSpc>
@@ -8501,7 +8631,7 @@
           <a:srgbClr val="000000"/>
         </a:buClr>
         <a:buFont typeface="Arial"/>
-        <a:defRPr b="0" i="0" sz="1400" u="none" cap="none" strike="noStrike">
+        <a:defRPr sz="1400" b="0" i="0" u="none" strike="noStrike" cap="none">
           <a:solidFill>
             <a:srgbClr val="000000"/>
           </a:solidFill>
@@ -8511,7 +8641,7 @@
           <a:sym typeface="Arial"/>
         </a:defRPr>
       </a:lvl6pPr>
-      <a:lvl7pPr lvl="6" marR="0" rtl="0" algn="l">
+      <a:lvl7pPr marR="0" lvl="6" algn="l" rtl="0">
         <a:lnSpc>
           <a:spcPct val="100000"/>
         </a:lnSpc>
@@ -8525,7 +8655,7 @@
           <a:srgbClr val="000000"/>
         </a:buClr>
         <a:buFont typeface="Arial"/>
-        <a:defRPr b="0" i="0" sz="1400" u="none" cap="none" strike="noStrike">
+        <a:defRPr sz="1400" b="0" i="0" u="none" strike="noStrike" cap="none">
           <a:solidFill>
             <a:srgbClr val="000000"/>
           </a:solidFill>
@@ -8535,7 +8665,7 @@
           <a:sym typeface="Arial"/>
         </a:defRPr>
       </a:lvl7pPr>
-      <a:lvl8pPr lvl="7" marR="0" rtl="0" algn="l">
+      <a:lvl8pPr marR="0" lvl="7" algn="l" rtl="0">
         <a:lnSpc>
           <a:spcPct val="100000"/>
         </a:lnSpc>
@@ -8549,7 +8679,7 @@
           <a:srgbClr val="000000"/>
         </a:buClr>
         <a:buFont typeface="Arial"/>
-        <a:defRPr b="0" i="0" sz="1400" u="none" cap="none" strike="noStrike">
+        <a:defRPr sz="1400" b="0" i="0" u="none" strike="noStrike" cap="none">
           <a:solidFill>
             <a:srgbClr val="000000"/>
           </a:solidFill>
@@ -8559,7 +8689,7 @@
           <a:sym typeface="Arial"/>
         </a:defRPr>
       </a:lvl8pPr>
-      <a:lvl9pPr lvl="8" marR="0" rtl="0" algn="l">
+      <a:lvl9pPr marR="0" lvl="8" algn="l" rtl="0">
         <a:lnSpc>
           <a:spcPct val="100000"/>
         </a:lnSpc>
@@ -8573,7 +8703,7 @@
           <a:srgbClr val="000000"/>
         </a:buClr>
         <a:buFont typeface="Arial"/>
-        <a:defRPr b="0" i="0" sz="1400" u="none" cap="none" strike="noStrike">
+        <a:defRPr sz="1400" b="0" i="0" u="none" strike="noStrike" cap="none">
           <a:solidFill>
             <a:srgbClr val="000000"/>
           </a:solidFill>
@@ -8589,11 +8719,11 @@
 </file>
 
 <file path=ppt/slides/slide1.xml><?xml version="1.0" encoding="utf-8"?>
-<p:sld xmlns:a="http://schemas.openxmlformats.org/drawingml/2006/main" xmlns:r="http://schemas.openxmlformats.org/officeDocument/2006/relationships" xmlns:mc="http://schemas.openxmlformats.org/markup-compatibility/2006" xmlns:mv="urn:schemas-microsoft-com:mac:vml" xmlns:p="http://schemas.openxmlformats.org/presentationml/2006/main" xmlns:c="http://schemas.openxmlformats.org/drawingml/2006/chart" xmlns:dgm="http://schemas.openxmlformats.org/drawingml/2006/diagram" xmlns:o="urn:schemas-microsoft-com:office:office" xmlns:v="urn:schemas-microsoft-com:vml" xmlns:pvml="urn:schemas-microsoft-com:office:powerpoint" xmlns:com="http://schemas.openxmlformats.org/drawingml/2006/compatibility" xmlns:p14="http://schemas.microsoft.com/office/powerpoint/2010/main" xmlns:p15="http://schemas.microsoft.com/office/powerpoint/2012/main" xmlns:ahyp="http://schemas.microsoft.com/office/drawing/2018/hyperlinkcolor">
+<p:sld xmlns:a="http://schemas.openxmlformats.org/drawingml/2006/main" xmlns:r="http://schemas.openxmlformats.org/officeDocument/2006/relationships" xmlns:p="http://schemas.openxmlformats.org/presentationml/2006/main">
   <p:cSld>
     <p:spTree>
       <p:nvGrpSpPr>
-        <p:cNvPr id="85" name="Shape 85"/>
+        <p:cNvPr id="1" name="Shape 85"/>
         <p:cNvGrpSpPr/>
         <p:nvPr/>
       </p:nvGrpSpPr>
@@ -8608,7 +8738,9 @@
       <p:sp>
         <p:nvSpPr>
           <p:cNvPr id="86" name="Google Shape;86;p13"/>
-          <p:cNvSpPr txBox="1"/>
+          <p:cNvSpPr txBox="1">
+            <a:spLocks noGrp="1"/>
+          </p:cNvSpPr>
           <p:nvPr>
             <p:ph type="ctrTitle"/>
           </p:nvPr>
@@ -8623,12 +8755,12 @@
           </a:prstGeom>
         </p:spPr>
         <p:txBody>
-          <a:bodyPr anchorCtr="0" anchor="t" bIns="91425" lIns="91425" spcFirstLastPara="1" rIns="91425" wrap="square" tIns="91425">
+          <a:bodyPr spcFirstLastPara="1" wrap="square" lIns="91425" tIns="91425" rIns="91425" bIns="91425" anchor="t" anchorCtr="0">
             <a:normAutofit/>
           </a:bodyPr>
           <a:lstStyle/>
           <a:p>
-            <a:pPr indent="0" lvl="0" marL="0" rtl="0" algn="l">
+            <a:pPr marL="0" lvl="0" indent="0" algn="l" rtl="0">
               <a:spcBef>
                 <a:spcPts val="0"/>
               </a:spcBef>
@@ -8648,9 +8780,11 @@
       <p:sp>
         <p:nvSpPr>
           <p:cNvPr id="87" name="Google Shape;87;p13"/>
-          <p:cNvSpPr txBox="1"/>
+          <p:cNvSpPr txBox="1">
+            <a:spLocks noGrp="1"/>
+          </p:cNvSpPr>
           <p:nvPr>
-            <p:ph idx="1" type="subTitle"/>
+            <p:ph type="subTitle" idx="1"/>
           </p:nvPr>
         </p:nvSpPr>
         <p:spPr>
@@ -8663,12 +8797,12 @@
           </a:prstGeom>
         </p:spPr>
         <p:txBody>
-          <a:bodyPr anchorCtr="0" anchor="t" bIns="91425" lIns="91425" spcFirstLastPara="1" rIns="91425" wrap="square" tIns="91425">
-            <a:normAutofit fontScale="85000" lnSpcReduction="20000"/>
+          <a:bodyPr spcFirstLastPara="1" wrap="square" lIns="91425" tIns="91425" rIns="91425" bIns="91425" anchor="t" anchorCtr="0">
+            <a:normAutofit fontScale="77500" lnSpcReduction="20000"/>
           </a:bodyPr>
           <a:lstStyle/>
           <a:p>
-            <a:pPr indent="0" lvl="0" marL="0" rtl="0" algn="l">
+            <a:pPr marL="0" lvl="0" indent="0" algn="l" rtl="0">
               <a:spcBef>
                 <a:spcPts val="0"/>
               </a:spcBef>
@@ -8683,15 +8817,15 @@
               <a:buNone/>
             </a:pPr>
             <a:r>
-              <a:rPr lang="en" sz="1600">
+              <a:rPr lang="en" sz="1600" dirty="0">
                 <a:latin typeface="Lato"/>
                 <a:ea typeface="Lato"/>
                 <a:cs typeface="Lato"/>
                 <a:sym typeface="Lato"/>
               </a:rPr>
-              <a:t>Raghav Khandelwal (011895398)</a:t>
+              <a:t>Raghav Khandelwal (11895398)</a:t>
             </a:r>
-            <a:endParaRPr sz="1600">
+            <a:endParaRPr sz="1600" dirty="0">
               <a:latin typeface="Lato"/>
               <a:ea typeface="Lato"/>
               <a:cs typeface="Lato"/>
@@ -8699,7 +8833,7 @@
             </a:endParaRPr>
           </a:p>
           <a:p>
-            <a:pPr indent="0" lvl="0" marL="0" rtl="0" algn="l">
+            <a:pPr marL="0" lvl="0" indent="0" algn="l" rtl="0">
               <a:spcBef>
                 <a:spcPts val="0"/>
               </a:spcBef>
@@ -8709,15 +8843,15 @@
               <a:buNone/>
             </a:pPr>
             <a:r>
-              <a:rPr lang="en" sz="1600">
+              <a:rPr lang="en" sz="1600" dirty="0">
                 <a:latin typeface="Lato"/>
                 <a:ea typeface="Lato"/>
                 <a:cs typeface="Lato"/>
                 <a:sym typeface="Lato"/>
               </a:rPr>
-              <a:t>Sanjeev Sreekumar Krishnan (011915113)</a:t>
+              <a:t>Sanjeev Sreekumar Krishnan (11915113)</a:t>
             </a:r>
-            <a:endParaRPr sz="1600">
+            <a:endParaRPr sz="1600" dirty="0">
               <a:latin typeface="Lato"/>
               <a:ea typeface="Lato"/>
               <a:cs typeface="Lato"/>
@@ -8725,7 +8859,7 @@
             </a:endParaRPr>
           </a:p>
           <a:p>
-            <a:pPr indent="0" lvl="0" marL="0" rtl="0" algn="l">
+            <a:pPr marL="0" lvl="0" indent="0" algn="l" rtl="0">
               <a:spcBef>
                 <a:spcPts val="0"/>
               </a:spcBef>
@@ -8735,7 +8869,7 @@
               <a:buNone/>
             </a:pPr>
             <a:r>
-              <a:rPr lang="en" sz="1600">
+              <a:rPr lang="en" sz="1600" dirty="0">
                 <a:latin typeface="Lato"/>
                 <a:ea typeface="Lato"/>
                 <a:cs typeface="Lato"/>
@@ -8744,10 +8878,10 @@
               <a:t>Shruti Mallesh </a:t>
             </a:r>
             <a:r>
-              <a:rPr lang="en"/>
+              <a:rPr lang="en" dirty="0"/>
               <a:t>(11914432)</a:t>
             </a:r>
-            <a:endParaRPr sz="1600">
+            <a:endParaRPr sz="1600" dirty="0">
               <a:latin typeface="Lato"/>
               <a:ea typeface="Lato"/>
               <a:cs typeface="Lato"/>
@@ -8755,7 +8889,7 @@
             </a:endParaRPr>
           </a:p>
           <a:p>
-            <a:pPr indent="0" lvl="0" marL="0" rtl="0" algn="l">
+            <a:pPr marL="0" lvl="0" indent="0" algn="l" rtl="0">
               <a:spcBef>
                 <a:spcPts val="0"/>
               </a:spcBef>
@@ -8770,17 +8904,13 @@
               <a:buNone/>
             </a:pPr>
             <a:r>
-              <a:rPr lang="en" sz="1600">
+              <a:rPr lang="en" sz="1600" dirty="0">
                 <a:latin typeface="Lato"/>
                 <a:ea typeface="Lato"/>
                 <a:cs typeface="Lato"/>
                 <a:sym typeface="Lato"/>
               </a:rPr>
-              <a:t>Gautham Krishna Chakkalaparambil Sajeev (0119141</a:t>
-            </a:r>
-            <a:r>
-              <a:rPr lang="en"/>
-              <a:t>8)</a:t>
+              <a:t>Gautham Krishna Chakkalaparambil </a:t>
             </a:r>
             <a:r>
               <a:rPr lang="en" sz="1600">
@@ -8789,9 +8919,26 @@
                 <a:cs typeface="Lato"/>
                 <a:sym typeface="Lato"/>
               </a:rPr>
+              <a:t>Sajeev (119141</a:t>
+            </a:r>
+            <a:r>
+              <a:rPr lang="en"/>
+              <a:t>80</a:t>
+            </a:r>
+            <a:r>
+              <a:rPr lang="en" dirty="0"/>
+              <a:t>)</a:t>
+            </a:r>
+            <a:r>
+              <a:rPr lang="en" sz="1600" dirty="0">
+                <a:latin typeface="Lato"/>
+                <a:ea typeface="Lato"/>
+                <a:cs typeface="Lato"/>
+                <a:sym typeface="Lato"/>
+              </a:rPr>
               <a:t> </a:t>
             </a:r>
-            <a:endParaRPr sz="1600">
+            <a:endParaRPr sz="1600" dirty="0">
               <a:latin typeface="Lato"/>
               <a:ea typeface="Lato"/>
               <a:cs typeface="Lato"/>
@@ -8809,11 +8956,11 @@
 </file>
 
 <file path=ppt/slides/slide10.xml><?xml version="1.0" encoding="utf-8"?>
-<p:sld xmlns:a="http://schemas.openxmlformats.org/drawingml/2006/main" xmlns:r="http://schemas.openxmlformats.org/officeDocument/2006/relationships" xmlns:mc="http://schemas.openxmlformats.org/markup-compatibility/2006" xmlns:mv="urn:schemas-microsoft-com:mac:vml" xmlns:p="http://schemas.openxmlformats.org/presentationml/2006/main" xmlns:c="http://schemas.openxmlformats.org/drawingml/2006/chart" xmlns:dgm="http://schemas.openxmlformats.org/drawingml/2006/diagram" xmlns:o="urn:schemas-microsoft-com:office:office" xmlns:v="urn:schemas-microsoft-com:vml" xmlns:pvml="urn:schemas-microsoft-com:office:powerpoint" xmlns:com="http://schemas.openxmlformats.org/drawingml/2006/compatibility" xmlns:p14="http://schemas.microsoft.com/office/powerpoint/2010/main" xmlns:p15="http://schemas.microsoft.com/office/powerpoint/2012/main" xmlns:ahyp="http://schemas.microsoft.com/office/drawing/2018/hyperlinkcolor">
+<p:sld xmlns:a="http://schemas.openxmlformats.org/drawingml/2006/main" xmlns:r="http://schemas.openxmlformats.org/officeDocument/2006/relationships" xmlns:p="http://schemas.openxmlformats.org/presentationml/2006/main">
   <p:cSld>
     <p:spTree>
       <p:nvGrpSpPr>
-        <p:cNvPr id="141" name="Shape 141"/>
+        <p:cNvPr id="1" name="Shape 141"/>
         <p:cNvGrpSpPr/>
         <p:nvPr/>
       </p:nvGrpSpPr>
@@ -8828,7 +8975,9 @@
       <p:sp>
         <p:nvSpPr>
           <p:cNvPr id="142" name="Google Shape;142;p22"/>
-          <p:cNvSpPr txBox="1"/>
+          <p:cNvSpPr txBox="1">
+            <a:spLocks noGrp="1"/>
+          </p:cNvSpPr>
           <p:nvPr>
             <p:ph type="title"/>
           </p:nvPr>
@@ -8843,12 +8992,12 @@
           </a:prstGeom>
         </p:spPr>
         <p:txBody>
-          <a:bodyPr anchorCtr="0" anchor="t" bIns="91425" lIns="91425" spcFirstLastPara="1" rIns="91425" wrap="square" tIns="91425">
+          <a:bodyPr spcFirstLastPara="1" wrap="square" lIns="91425" tIns="91425" rIns="91425" bIns="91425" anchor="t" anchorCtr="0">
             <a:normAutofit fontScale="90000"/>
           </a:bodyPr>
           <a:lstStyle/>
           <a:p>
-            <a:pPr indent="0" lvl="0" marL="0" rtl="0" algn="l">
+            <a:pPr marL="0" lvl="0" indent="0" algn="l" rtl="0">
               <a:spcBef>
                 <a:spcPts val="0"/>
               </a:spcBef>
@@ -8868,9 +9017,11 @@
       <p:sp>
         <p:nvSpPr>
           <p:cNvPr id="143" name="Google Shape;143;p22"/>
-          <p:cNvSpPr txBox="1"/>
+          <p:cNvSpPr txBox="1">
+            <a:spLocks noGrp="1"/>
+          </p:cNvSpPr>
           <p:nvPr>
-            <p:ph idx="1" type="body"/>
+            <p:ph type="body" idx="1"/>
           </p:nvPr>
         </p:nvSpPr>
         <p:spPr>
@@ -8883,12 +9034,12 @@
           </a:prstGeom>
         </p:spPr>
         <p:txBody>
-          <a:bodyPr anchorCtr="0" anchor="t" bIns="91425" lIns="91425" spcFirstLastPara="1" rIns="91425" wrap="square" tIns="91425">
+          <a:bodyPr spcFirstLastPara="1" wrap="square" lIns="91425" tIns="91425" rIns="91425" bIns="91425" anchor="t" anchorCtr="0">
             <a:normAutofit/>
           </a:bodyPr>
           <a:lstStyle/>
           <a:p>
-            <a:pPr indent="-298450" lvl="0" marL="457200" rtl="0" algn="l">
+            <a:pPr marL="457200" lvl="0" indent="-298450" algn="l" rtl="0">
               <a:spcBef>
                 <a:spcPts val="0"/>
               </a:spcBef>
@@ -8925,7 +9076,7 @@
             </a:endParaRPr>
           </a:p>
           <a:p>
-            <a:pPr indent="-298450" lvl="0" marL="457200" rtl="0" algn="l">
+            <a:pPr marL="457200" lvl="0" indent="-298450" algn="l" rtl="0">
               <a:spcBef>
                 <a:spcPts val="0"/>
               </a:spcBef>
@@ -8962,7 +9113,7 @@
             </a:endParaRPr>
           </a:p>
           <a:p>
-            <a:pPr indent="-298450" lvl="0" marL="457200" rtl="0" algn="l">
+            <a:pPr marL="457200" lvl="0" indent="-298450" algn="l" rtl="0">
               <a:spcBef>
                 <a:spcPts val="0"/>
               </a:spcBef>
@@ -8999,7 +9150,7 @@
             </a:endParaRPr>
           </a:p>
           <a:p>
-            <a:pPr indent="-298450" lvl="0" marL="457200" rtl="0" algn="l">
+            <a:pPr marL="457200" lvl="0" indent="-298450" algn="l" rtl="0">
               <a:spcBef>
                 <a:spcPts val="0"/>
               </a:spcBef>
@@ -9036,7 +9187,7 @@
             </a:endParaRPr>
           </a:p>
           <a:p>
-            <a:pPr indent="-298450" lvl="0" marL="457200" rtl="0" algn="l">
+            <a:pPr marL="457200" lvl="0" indent="-298450" algn="l" rtl="0">
               <a:spcBef>
                 <a:spcPts val="0"/>
               </a:spcBef>
@@ -9073,7 +9224,7 @@
             </a:endParaRPr>
           </a:p>
           <a:p>
-            <a:pPr indent="-298450" lvl="0" marL="457200" rtl="0" algn="l">
+            <a:pPr marL="457200" lvl="0" indent="-298450" algn="l" rtl="0">
               <a:spcBef>
                 <a:spcPts val="0"/>
               </a:spcBef>
@@ -9120,11 +9271,11 @@
 </file>
 
 <file path=ppt/slides/slide11.xml><?xml version="1.0" encoding="utf-8"?>
-<p:sld xmlns:a="http://schemas.openxmlformats.org/drawingml/2006/main" xmlns:r="http://schemas.openxmlformats.org/officeDocument/2006/relationships" xmlns:mc="http://schemas.openxmlformats.org/markup-compatibility/2006" xmlns:mv="urn:schemas-microsoft-com:mac:vml" xmlns:p="http://schemas.openxmlformats.org/presentationml/2006/main" xmlns:c="http://schemas.openxmlformats.org/drawingml/2006/chart" xmlns:dgm="http://schemas.openxmlformats.org/drawingml/2006/diagram" xmlns:o="urn:schemas-microsoft-com:office:office" xmlns:v="urn:schemas-microsoft-com:vml" xmlns:pvml="urn:schemas-microsoft-com:office:powerpoint" xmlns:com="http://schemas.openxmlformats.org/drawingml/2006/compatibility" xmlns:p14="http://schemas.microsoft.com/office/powerpoint/2010/main" xmlns:p15="http://schemas.microsoft.com/office/powerpoint/2012/main" xmlns:ahyp="http://schemas.microsoft.com/office/drawing/2018/hyperlinkcolor">
+<p:sld xmlns:a="http://schemas.openxmlformats.org/drawingml/2006/main" xmlns:r="http://schemas.openxmlformats.org/officeDocument/2006/relationships" xmlns:p="http://schemas.openxmlformats.org/presentationml/2006/main">
   <p:cSld>
     <p:spTree>
       <p:nvGrpSpPr>
-        <p:cNvPr id="147" name="Shape 147"/>
+        <p:cNvPr id="1" name="Shape 147"/>
         <p:cNvGrpSpPr/>
         <p:nvPr/>
       </p:nvGrpSpPr>
@@ -9139,7 +9290,9 @@
       <p:sp>
         <p:nvSpPr>
           <p:cNvPr id="148" name="Google Shape;148;p23"/>
-          <p:cNvSpPr txBox="1"/>
+          <p:cNvSpPr txBox="1">
+            <a:spLocks noGrp="1"/>
+          </p:cNvSpPr>
           <p:nvPr>
             <p:ph type="title"/>
           </p:nvPr>
@@ -9154,12 +9307,12 @@
           </a:prstGeom>
         </p:spPr>
         <p:txBody>
-          <a:bodyPr anchorCtr="0" anchor="t" bIns="91425" lIns="91425" spcFirstLastPara="1" rIns="91425" wrap="square" tIns="91425">
+          <a:bodyPr spcFirstLastPara="1" wrap="square" lIns="91425" tIns="91425" rIns="91425" bIns="91425" anchor="t" anchorCtr="0">
             <a:normAutofit fontScale="90000"/>
           </a:bodyPr>
           <a:lstStyle/>
           <a:p>
-            <a:pPr indent="0" lvl="0" marL="0" rtl="0" algn="l">
+            <a:pPr marL="0" lvl="0" indent="0" algn="l" rtl="0">
               <a:spcBef>
                 <a:spcPts val="0"/>
               </a:spcBef>
@@ -9179,9 +9332,11 @@
       <p:sp>
         <p:nvSpPr>
           <p:cNvPr id="149" name="Google Shape;149;p23"/>
-          <p:cNvSpPr txBox="1"/>
+          <p:cNvSpPr txBox="1">
+            <a:spLocks noGrp="1"/>
+          </p:cNvSpPr>
           <p:nvPr>
-            <p:ph idx="1" type="body"/>
+            <p:ph type="body" idx="1"/>
           </p:nvPr>
         </p:nvSpPr>
         <p:spPr>
@@ -9194,12 +9349,12 @@
           </a:prstGeom>
         </p:spPr>
         <p:txBody>
-          <a:bodyPr anchorCtr="0" anchor="t" bIns="91425" lIns="91425" spcFirstLastPara="1" rIns="91425" wrap="square" tIns="91425">
+          <a:bodyPr spcFirstLastPara="1" wrap="square" lIns="91425" tIns="91425" rIns="91425" bIns="91425" anchor="t" anchorCtr="0">
             <a:normAutofit/>
           </a:bodyPr>
           <a:lstStyle/>
           <a:p>
-            <a:pPr indent="0" lvl="0" marL="0" rtl="0" algn="l">
+            <a:pPr marL="0" lvl="0" indent="0" algn="l" rtl="0">
               <a:spcBef>
                 <a:spcPts val="0"/>
               </a:spcBef>
@@ -9208,9 +9363,6 @@
               </a:spcAft>
               <a:buNone/>
             </a:pPr>
-            <a:r>
-              <a:t/>
-            </a:r>
             <a:endParaRPr/>
           </a:p>
         </p:txBody>
@@ -9233,11 +9385,41 @@
                 <a:tableStyleId>{0A958389-7652-4C41-9F98-C8E6308C3417}</a:tableStyleId>
               </a:tblPr>
               <a:tblGrid>
-                <a:gridCol w="1453125"/>
-                <a:gridCol w="1453125"/>
-                <a:gridCol w="1453125"/>
-                <a:gridCol w="1453125"/>
-                <a:gridCol w="1453125"/>
+                <a:gridCol w="1453125">
+                  <a:extLst>
+                    <a:ext uri="{9D8B030D-6E8A-4147-A177-3AD203B41FA5}">
+                      <a16:colId xmlns:a16="http://schemas.microsoft.com/office/drawing/2014/main" val="20000"/>
+                    </a:ext>
+                  </a:extLst>
+                </a:gridCol>
+                <a:gridCol w="1453125">
+                  <a:extLst>
+                    <a:ext uri="{9D8B030D-6E8A-4147-A177-3AD203B41FA5}">
+                      <a16:colId xmlns:a16="http://schemas.microsoft.com/office/drawing/2014/main" val="20001"/>
+                    </a:ext>
+                  </a:extLst>
+                </a:gridCol>
+                <a:gridCol w="1453125">
+                  <a:extLst>
+                    <a:ext uri="{9D8B030D-6E8A-4147-A177-3AD203B41FA5}">
+                      <a16:colId xmlns:a16="http://schemas.microsoft.com/office/drawing/2014/main" val="20002"/>
+                    </a:ext>
+                  </a:extLst>
+                </a:gridCol>
+                <a:gridCol w="1453125">
+                  <a:extLst>
+                    <a:ext uri="{9D8B030D-6E8A-4147-A177-3AD203B41FA5}">
+                      <a16:colId xmlns:a16="http://schemas.microsoft.com/office/drawing/2014/main" val="20003"/>
+                    </a:ext>
+                  </a:extLst>
+                </a:gridCol>
+                <a:gridCol w="1453125">
+                  <a:extLst>
+                    <a:ext uri="{9D8B030D-6E8A-4147-A177-3AD203B41FA5}">
+                      <a16:colId xmlns:a16="http://schemas.microsoft.com/office/drawing/2014/main" val="20004"/>
+                    </a:ext>
+                  </a:extLst>
+                </a:gridCol>
               </a:tblGrid>
               <a:tr h="398425">
                 <a:tc>
@@ -9245,7 +9427,7 @@
                     <a:bodyPr/>
                     <a:lstStyle/>
                     <a:p>
-                      <a:pPr indent="0" lvl="0" marL="0" rtl="0" algn="l">
+                      <a:pPr marL="0" lvl="0" indent="0" algn="l" rtl="0">
                         <a:spcBef>
                           <a:spcPts val="0"/>
                         </a:spcBef>
@@ -9255,20 +9437,20 @@
                         <a:buNone/>
                       </a:pPr>
                       <a:r>
-                        <a:rPr b="1" i="1" lang="en"/>
+                        <a:rPr lang="en" b="1" i="1"/>
                         <a:t>Model</a:t>
                       </a:r>
                       <a:endParaRPr b="1" i="1"/>
                     </a:p>
                   </a:txBody>
-                  <a:tcPr marT="91425" marB="91425" marR="91425" marL="91425"/>
+                  <a:tcPr marL="91425" marR="91425" marT="91425" marB="91425"/>
                 </a:tc>
                 <a:tc>
                   <a:txBody>
                     <a:bodyPr/>
                     <a:lstStyle/>
                     <a:p>
-                      <a:pPr indent="0" lvl="0" marL="0" rtl="0" algn="l">
+                      <a:pPr marL="0" lvl="0" indent="0" algn="l" rtl="0">
                         <a:spcBef>
                           <a:spcPts val="0"/>
                         </a:spcBef>
@@ -9278,20 +9460,20 @@
                         <a:buNone/>
                       </a:pPr>
                       <a:r>
-                        <a:rPr b="1" i="1" lang="en"/>
+                        <a:rPr lang="en" b="1" i="1"/>
                         <a:t>RMSE</a:t>
                       </a:r>
                       <a:endParaRPr b="1" i="1"/>
                     </a:p>
                   </a:txBody>
-                  <a:tcPr marT="91425" marB="91425" marR="91425" marL="91425"/>
+                  <a:tcPr marL="91425" marR="91425" marT="91425" marB="91425"/>
                 </a:tc>
                 <a:tc>
                   <a:txBody>
                     <a:bodyPr/>
                     <a:lstStyle/>
                     <a:p>
-                      <a:pPr indent="0" lvl="0" marL="0" rtl="0" algn="l">
+                      <a:pPr marL="0" lvl="0" indent="0" algn="l" rtl="0">
                         <a:spcBef>
                           <a:spcPts val="0"/>
                         </a:spcBef>
@@ -9301,20 +9483,20 @@
                         <a:buNone/>
                       </a:pPr>
                       <a:r>
-                        <a:rPr b="1" i="1" lang="en"/>
+                        <a:rPr lang="en" b="1" i="1"/>
                         <a:t>MAE</a:t>
                       </a:r>
                       <a:endParaRPr b="1" i="1"/>
                     </a:p>
                   </a:txBody>
-                  <a:tcPr marT="91425" marB="91425" marR="91425" marL="91425"/>
+                  <a:tcPr marL="91425" marR="91425" marT="91425" marB="91425"/>
                 </a:tc>
                 <a:tc>
                   <a:txBody>
                     <a:bodyPr/>
                     <a:lstStyle/>
                     <a:p>
-                      <a:pPr indent="0" lvl="0" marL="0" rtl="0" algn="l">
+                      <a:pPr marL="0" lvl="0" indent="0" algn="l" rtl="0">
                         <a:spcBef>
                           <a:spcPts val="0"/>
                         </a:spcBef>
@@ -9324,20 +9506,20 @@
                         <a:buNone/>
                       </a:pPr>
                       <a:r>
-                        <a:rPr b="1" i="1" lang="en"/>
+                        <a:rPr lang="en" b="1" i="1"/>
                         <a:t>Precision@10</a:t>
                       </a:r>
                       <a:endParaRPr b="1" i="1"/>
                     </a:p>
                   </a:txBody>
-                  <a:tcPr marT="91425" marB="91425" marR="91425" marL="91425"/>
+                  <a:tcPr marL="91425" marR="91425" marT="91425" marB="91425"/>
                 </a:tc>
                 <a:tc>
                   <a:txBody>
                     <a:bodyPr/>
                     <a:lstStyle/>
                     <a:p>
-                      <a:pPr indent="0" lvl="0" marL="0" rtl="0" algn="l">
+                      <a:pPr marL="0" lvl="0" indent="0" algn="l" rtl="0">
                         <a:spcBef>
                           <a:spcPts val="0"/>
                         </a:spcBef>
@@ -9347,14 +9529,19 @@
                         <a:buNone/>
                       </a:pPr>
                       <a:r>
-                        <a:rPr b="1" i="1" lang="en"/>
+                        <a:rPr lang="en" b="1" i="1"/>
                         <a:t>Recall@10</a:t>
                       </a:r>
                       <a:endParaRPr b="1" i="1"/>
                     </a:p>
                   </a:txBody>
-                  <a:tcPr marT="91425" marB="91425" marR="91425" marL="91425"/>
+                  <a:tcPr marL="91425" marR="91425" marT="91425" marB="91425"/>
                 </a:tc>
+                <a:extLst>
+                  <a:ext uri="{0D108BD9-81ED-4DB2-BD59-A6C34878D82A}">
+                    <a16:rowId xmlns:a16="http://schemas.microsoft.com/office/drawing/2014/main" val="10000"/>
+                  </a:ext>
+                </a:extLst>
               </a:tr>
               <a:tr h="398425">
                 <a:tc>
@@ -9362,7 +9549,7 @@
                     <a:bodyPr/>
                     <a:lstStyle/>
                     <a:p>
-                      <a:pPr indent="0" lvl="0" marL="0" rtl="0" algn="l">
+                      <a:pPr marL="0" lvl="0" indent="0" algn="l" rtl="0">
                         <a:spcBef>
                           <a:spcPts val="0"/>
                         </a:spcBef>
@@ -9378,14 +9565,14 @@
                       <a:endParaRPr/>
                     </a:p>
                   </a:txBody>
-                  <a:tcPr marT="91425" marB="91425" marR="91425" marL="91425"/>
+                  <a:tcPr marL="91425" marR="91425" marT="91425" marB="91425"/>
                 </a:tc>
                 <a:tc>
                   <a:txBody>
                     <a:bodyPr/>
                     <a:lstStyle/>
                     <a:p>
-                      <a:pPr indent="0" lvl="0" marL="0" rtl="0" algn="l">
+                      <a:pPr marL="0" lvl="0" indent="0" algn="l" rtl="0">
                         <a:spcBef>
                           <a:spcPts val="0"/>
                         </a:spcBef>
@@ -9401,14 +9588,14 @@
                       <a:endParaRPr/>
                     </a:p>
                   </a:txBody>
-                  <a:tcPr marT="91425" marB="91425" marR="91425" marL="91425"/>
+                  <a:tcPr marL="91425" marR="91425" marT="91425" marB="91425"/>
                 </a:tc>
                 <a:tc>
                   <a:txBody>
                     <a:bodyPr/>
                     <a:lstStyle/>
                     <a:p>
-                      <a:pPr indent="0" lvl="0" marL="0" rtl="0" algn="l">
+                      <a:pPr marL="0" lvl="0" indent="0" algn="l" rtl="0">
                         <a:spcBef>
                           <a:spcPts val="0"/>
                         </a:spcBef>
@@ -9424,14 +9611,14 @@
                       <a:endParaRPr/>
                     </a:p>
                   </a:txBody>
-                  <a:tcPr marT="91425" marB="91425" marR="91425" marL="91425"/>
+                  <a:tcPr marL="91425" marR="91425" marT="91425" marB="91425"/>
                 </a:tc>
                 <a:tc>
                   <a:txBody>
                     <a:bodyPr/>
                     <a:lstStyle/>
                     <a:p>
-                      <a:pPr indent="0" lvl="0" marL="0" rtl="0" algn="l">
+                      <a:pPr marL="0" lvl="0" indent="0" algn="l" rtl="0">
                         <a:spcBef>
                           <a:spcPts val="0"/>
                         </a:spcBef>
@@ -9447,14 +9634,14 @@
                       <a:endParaRPr/>
                     </a:p>
                   </a:txBody>
-                  <a:tcPr marT="91425" marB="91425" marR="91425" marL="91425"/>
+                  <a:tcPr marL="91425" marR="91425" marT="91425" marB="91425"/>
                 </a:tc>
                 <a:tc>
                   <a:txBody>
                     <a:bodyPr/>
                     <a:lstStyle/>
                     <a:p>
-                      <a:pPr indent="0" lvl="0" marL="0" rtl="0" algn="l">
+                      <a:pPr marL="0" lvl="0" indent="0" algn="l" rtl="0">
                         <a:spcBef>
                           <a:spcPts val="0"/>
                         </a:spcBef>
@@ -9470,8 +9657,13 @@
                       <a:endParaRPr/>
                     </a:p>
                   </a:txBody>
-                  <a:tcPr marT="91425" marB="91425" marR="91425" marL="91425"/>
+                  <a:tcPr marL="91425" marR="91425" marT="91425" marB="91425"/>
                 </a:tc>
+                <a:extLst>
+                  <a:ext uri="{0D108BD9-81ED-4DB2-BD59-A6C34878D82A}">
+                    <a16:rowId xmlns:a16="http://schemas.microsoft.com/office/drawing/2014/main" val="10001"/>
+                  </a:ext>
+                </a:extLst>
               </a:tr>
               <a:tr h="398425">
                 <a:tc>
@@ -9479,7 +9671,7 @@
                     <a:bodyPr/>
                     <a:lstStyle/>
                     <a:p>
-                      <a:pPr indent="0" lvl="0" marL="0" rtl="0" algn="l">
+                      <a:pPr marL="0" lvl="0" indent="0" algn="l" rtl="0">
                         <a:spcBef>
                           <a:spcPts val="0"/>
                         </a:spcBef>
@@ -9495,14 +9687,14 @@
                       <a:endParaRPr/>
                     </a:p>
                   </a:txBody>
-                  <a:tcPr marT="91425" marB="91425" marR="91425" marL="91425"/>
+                  <a:tcPr marL="91425" marR="91425" marT="91425" marB="91425"/>
                 </a:tc>
                 <a:tc>
                   <a:txBody>
                     <a:bodyPr/>
                     <a:lstStyle/>
                     <a:p>
-                      <a:pPr indent="0" lvl="0" marL="0" rtl="0" algn="l">
+                      <a:pPr marL="0" lvl="0" indent="0" algn="l" rtl="0">
                         <a:spcBef>
                           <a:spcPts val="0"/>
                         </a:spcBef>
@@ -9518,14 +9710,14 @@
                       <a:endParaRPr/>
                     </a:p>
                   </a:txBody>
-                  <a:tcPr marT="91425" marB="91425" marR="91425" marL="91425"/>
+                  <a:tcPr marL="91425" marR="91425" marT="91425" marB="91425"/>
                 </a:tc>
                 <a:tc>
                   <a:txBody>
                     <a:bodyPr/>
                     <a:lstStyle/>
                     <a:p>
-                      <a:pPr indent="0" lvl="0" marL="0" rtl="0" algn="l">
+                      <a:pPr marL="0" lvl="0" indent="0" algn="l" rtl="0">
                         <a:spcBef>
                           <a:spcPts val="0"/>
                         </a:spcBef>
@@ -9541,14 +9733,14 @@
                       <a:endParaRPr/>
                     </a:p>
                   </a:txBody>
-                  <a:tcPr marT="91425" marB="91425" marR="91425" marL="91425"/>
+                  <a:tcPr marL="91425" marR="91425" marT="91425" marB="91425"/>
                 </a:tc>
                 <a:tc>
                   <a:txBody>
                     <a:bodyPr/>
                     <a:lstStyle/>
                     <a:p>
-                      <a:pPr indent="0" lvl="0" marL="0" rtl="0" algn="l">
+                      <a:pPr marL="0" lvl="0" indent="0" algn="l" rtl="0">
                         <a:spcBef>
                           <a:spcPts val="0"/>
                         </a:spcBef>
@@ -9564,14 +9756,14 @@
                       <a:endParaRPr/>
                     </a:p>
                   </a:txBody>
-                  <a:tcPr marT="91425" marB="91425" marR="91425" marL="91425"/>
+                  <a:tcPr marL="91425" marR="91425" marT="91425" marB="91425"/>
                 </a:tc>
                 <a:tc>
                   <a:txBody>
                     <a:bodyPr/>
                     <a:lstStyle/>
                     <a:p>
-                      <a:pPr indent="0" lvl="0" marL="0" rtl="0" algn="l">
+                      <a:pPr marL="0" lvl="0" indent="0" algn="l" rtl="0">
                         <a:spcBef>
                           <a:spcPts val="0"/>
                         </a:spcBef>
@@ -9587,8 +9779,13 @@
                       <a:endParaRPr/>
                     </a:p>
                   </a:txBody>
-                  <a:tcPr marT="91425" marB="91425" marR="91425" marL="91425"/>
+                  <a:tcPr marL="91425" marR="91425" marT="91425" marB="91425"/>
                 </a:tc>
+                <a:extLst>
+                  <a:ext uri="{0D108BD9-81ED-4DB2-BD59-A6C34878D82A}">
+                    <a16:rowId xmlns:a16="http://schemas.microsoft.com/office/drawing/2014/main" val="10002"/>
+                  </a:ext>
+                </a:extLst>
               </a:tr>
               <a:tr h="398425">
                 <a:tc>
@@ -9596,7 +9793,7 @@
                     <a:bodyPr/>
                     <a:lstStyle/>
                     <a:p>
-                      <a:pPr indent="0" lvl="0" marL="0" rtl="0" algn="l">
+                      <a:pPr marL="0" lvl="0" indent="0" algn="l" rtl="0">
                         <a:spcBef>
                           <a:spcPts val="0"/>
                         </a:spcBef>
@@ -9612,14 +9809,14 @@
                       <a:endParaRPr/>
                     </a:p>
                   </a:txBody>
-                  <a:tcPr marT="91425" marB="91425" marR="91425" marL="91425"/>
+                  <a:tcPr marL="91425" marR="91425" marT="91425" marB="91425"/>
                 </a:tc>
                 <a:tc>
                   <a:txBody>
                     <a:bodyPr/>
                     <a:lstStyle/>
                     <a:p>
-                      <a:pPr indent="0" lvl="0" marL="0" rtl="0" algn="l">
+                      <a:pPr marL="0" lvl="0" indent="0" algn="l" rtl="0">
                         <a:spcBef>
                           <a:spcPts val="0"/>
                         </a:spcBef>
@@ -9635,14 +9832,14 @@
                       <a:endParaRPr/>
                     </a:p>
                   </a:txBody>
-                  <a:tcPr marT="91425" marB="91425" marR="91425" marL="91425"/>
+                  <a:tcPr marL="91425" marR="91425" marT="91425" marB="91425"/>
                 </a:tc>
                 <a:tc>
                   <a:txBody>
                     <a:bodyPr/>
                     <a:lstStyle/>
                     <a:p>
-                      <a:pPr indent="0" lvl="0" marL="0" rtl="0" algn="l">
+                      <a:pPr marL="0" lvl="0" indent="0" algn="l" rtl="0">
                         <a:spcBef>
                           <a:spcPts val="0"/>
                         </a:spcBef>
@@ -9658,14 +9855,14 @@
                       <a:endParaRPr/>
                     </a:p>
                   </a:txBody>
-                  <a:tcPr marT="91425" marB="91425" marR="91425" marL="91425"/>
+                  <a:tcPr marL="91425" marR="91425" marT="91425" marB="91425"/>
                 </a:tc>
                 <a:tc>
                   <a:txBody>
                     <a:bodyPr/>
                     <a:lstStyle/>
                     <a:p>
-                      <a:pPr indent="0" lvl="0" marL="0" rtl="0" algn="l">
+                      <a:pPr marL="0" lvl="0" indent="0" algn="l" rtl="0">
                         <a:spcBef>
                           <a:spcPts val="0"/>
                         </a:spcBef>
@@ -9681,14 +9878,14 @@
                       <a:endParaRPr/>
                     </a:p>
                   </a:txBody>
-                  <a:tcPr marT="91425" marB="91425" marR="91425" marL="91425"/>
+                  <a:tcPr marL="91425" marR="91425" marT="91425" marB="91425"/>
                 </a:tc>
                 <a:tc>
                   <a:txBody>
                     <a:bodyPr/>
                     <a:lstStyle/>
                     <a:p>
-                      <a:pPr indent="0" lvl="0" marL="0" rtl="0" algn="l">
+                      <a:pPr marL="0" lvl="0" indent="0" algn="l" rtl="0">
                         <a:spcBef>
                           <a:spcPts val="0"/>
                         </a:spcBef>
@@ -9704,8 +9901,13 @@
                       <a:endParaRPr/>
                     </a:p>
                   </a:txBody>
-                  <a:tcPr marT="91425" marB="91425" marR="91425" marL="91425"/>
+                  <a:tcPr marL="91425" marR="91425" marT="91425" marB="91425"/>
                 </a:tc>
+                <a:extLst>
+                  <a:ext uri="{0D108BD9-81ED-4DB2-BD59-A6C34878D82A}">
+                    <a16:rowId xmlns:a16="http://schemas.microsoft.com/office/drawing/2014/main" val="10003"/>
+                  </a:ext>
+                </a:extLst>
               </a:tr>
             </a:tbl>
           </a:graphicData>
@@ -9720,11 +9922,11 @@
 </file>
 
 <file path=ppt/slides/slide12.xml><?xml version="1.0" encoding="utf-8"?>
-<p:sld xmlns:a="http://schemas.openxmlformats.org/drawingml/2006/main" xmlns:r="http://schemas.openxmlformats.org/officeDocument/2006/relationships" xmlns:mc="http://schemas.openxmlformats.org/markup-compatibility/2006" xmlns:mv="urn:schemas-microsoft-com:mac:vml" xmlns:p="http://schemas.openxmlformats.org/presentationml/2006/main" xmlns:c="http://schemas.openxmlformats.org/drawingml/2006/chart" xmlns:dgm="http://schemas.openxmlformats.org/drawingml/2006/diagram" xmlns:o="urn:schemas-microsoft-com:office:office" xmlns:v="urn:schemas-microsoft-com:vml" xmlns:pvml="urn:schemas-microsoft-com:office:powerpoint" xmlns:com="http://schemas.openxmlformats.org/drawingml/2006/compatibility" xmlns:p14="http://schemas.microsoft.com/office/powerpoint/2010/main" xmlns:p15="http://schemas.microsoft.com/office/powerpoint/2012/main" xmlns:ahyp="http://schemas.microsoft.com/office/drawing/2018/hyperlinkcolor">
+<p:sld xmlns:a="http://schemas.openxmlformats.org/drawingml/2006/main" xmlns:r="http://schemas.openxmlformats.org/officeDocument/2006/relationships" xmlns:p="http://schemas.openxmlformats.org/presentationml/2006/main">
   <p:cSld>
     <p:spTree>
       <p:nvGrpSpPr>
-        <p:cNvPr id="154" name="Shape 154"/>
+        <p:cNvPr id="1" name="Shape 154"/>
         <p:cNvGrpSpPr/>
         <p:nvPr/>
       </p:nvGrpSpPr>
@@ -9739,7 +9941,9 @@
       <p:sp>
         <p:nvSpPr>
           <p:cNvPr id="155" name="Google Shape;155;p24"/>
-          <p:cNvSpPr txBox="1"/>
+          <p:cNvSpPr txBox="1">
+            <a:spLocks noGrp="1"/>
+          </p:cNvSpPr>
           <p:nvPr>
             <p:ph type="title"/>
           </p:nvPr>
@@ -9754,12 +9958,12 @@
           </a:prstGeom>
         </p:spPr>
         <p:txBody>
-          <a:bodyPr anchorCtr="0" anchor="t" bIns="91425" lIns="91425" spcFirstLastPara="1" rIns="91425" wrap="square" tIns="91425">
+          <a:bodyPr spcFirstLastPara="1" wrap="square" lIns="91425" tIns="91425" rIns="91425" bIns="91425" anchor="t" anchorCtr="0">
             <a:normAutofit fontScale="90000"/>
           </a:bodyPr>
           <a:lstStyle/>
           <a:p>
-            <a:pPr indent="0" lvl="0" marL="0" rtl="0" algn="l">
+            <a:pPr marL="0" lvl="0" indent="0" algn="l" rtl="0">
               <a:spcBef>
                 <a:spcPts val="0"/>
               </a:spcBef>
@@ -9779,9 +9983,11 @@
       <p:sp>
         <p:nvSpPr>
           <p:cNvPr id="156" name="Google Shape;156;p24"/>
-          <p:cNvSpPr txBox="1"/>
+          <p:cNvSpPr txBox="1">
+            <a:spLocks noGrp="1"/>
+          </p:cNvSpPr>
           <p:nvPr>
-            <p:ph idx="1" type="body"/>
+            <p:ph type="body" idx="1"/>
           </p:nvPr>
         </p:nvSpPr>
         <p:spPr>
@@ -9794,12 +10000,12 @@
           </a:prstGeom>
         </p:spPr>
         <p:txBody>
-          <a:bodyPr anchorCtr="0" anchor="t" bIns="91425" lIns="91425" spcFirstLastPara="1" rIns="91425" wrap="square" tIns="91425">
+          <a:bodyPr spcFirstLastPara="1" wrap="square" lIns="91425" tIns="91425" rIns="91425" bIns="91425" anchor="t" anchorCtr="0">
             <a:normAutofit/>
           </a:bodyPr>
           <a:lstStyle/>
           <a:p>
-            <a:pPr indent="0" lvl="0" marL="0" rtl="0" algn="l">
+            <a:pPr marL="0" lvl="0" indent="0" algn="l" rtl="0">
               <a:spcBef>
                 <a:spcPts val="0"/>
               </a:spcBef>
@@ -9809,7 +10015,7 @@
               <a:buNone/>
             </a:pPr>
             <a:r>
-              <a:rPr b="1" i="1" lang="en" sz="1100">
+              <a:rPr lang="en" sz="1100" b="1" i="1">
                 <a:solidFill>
                   <a:schemeClr val="dk2"/>
                 </a:solidFill>
@@ -9820,7 +10026,7 @@
               </a:rPr>
               <a:t>PMF only:</a:t>
             </a:r>
-            <a:endParaRPr b="1" i="1" sz="1100">
+            <a:endParaRPr sz="1100" b="1" i="1">
               <a:solidFill>
                 <a:schemeClr val="dk2"/>
               </a:solidFill>
@@ -9831,7 +10037,7 @@
             </a:endParaRPr>
           </a:p>
           <a:p>
-            <a:pPr indent="-298450" lvl="0" marL="457200" rtl="0" algn="l">
+            <a:pPr marL="457200" lvl="0" indent="-298450" algn="l" rtl="0">
               <a:spcBef>
                 <a:spcPts val="1200"/>
               </a:spcBef>
@@ -9868,7 +10074,7 @@
             </a:endParaRPr>
           </a:p>
           <a:p>
-            <a:pPr indent="-298450" lvl="0" marL="457200" rtl="0" algn="l">
+            <a:pPr marL="457200" lvl="0" indent="-298450" algn="l" rtl="0">
               <a:spcBef>
                 <a:spcPts val="0"/>
               </a:spcBef>
@@ -9905,7 +10111,7 @@
             </a:endParaRPr>
           </a:p>
           <a:p>
-            <a:pPr indent="0" lvl="0" marL="0" rtl="0" algn="l">
+            <a:pPr marL="0" lvl="0" indent="0" algn="l" rtl="0">
               <a:spcBef>
                 <a:spcPts val="1200"/>
               </a:spcBef>
@@ -9915,7 +10121,7 @@
               <a:buNone/>
             </a:pPr>
             <a:r>
-              <a:rPr b="1" i="1" lang="en" sz="1100">
+              <a:rPr lang="en" sz="1100" b="1" i="1">
                 <a:solidFill>
                   <a:schemeClr val="dk2"/>
                 </a:solidFill>
@@ -9926,7 +10132,7 @@
               </a:rPr>
               <a:t>Hybrid Model:</a:t>
             </a:r>
-            <a:endParaRPr b="1" i="1" sz="1100">
+            <a:endParaRPr sz="1100" b="1" i="1">
               <a:solidFill>
                 <a:schemeClr val="dk2"/>
               </a:solidFill>
@@ -9937,7 +10143,7 @@
             </a:endParaRPr>
           </a:p>
           <a:p>
-            <a:pPr indent="-298450" lvl="0" marL="457200" rtl="0" algn="l">
+            <a:pPr marL="457200" lvl="0" indent="-298450" algn="l" rtl="0">
               <a:spcBef>
                 <a:spcPts val="1200"/>
               </a:spcBef>
@@ -9974,7 +10180,7 @@
             </a:endParaRPr>
           </a:p>
           <a:p>
-            <a:pPr indent="-298450" lvl="0" marL="457200" rtl="0" algn="l">
+            <a:pPr marL="457200" lvl="0" indent="-298450" algn="l" rtl="0">
               <a:spcBef>
                 <a:spcPts val="0"/>
               </a:spcBef>
@@ -10011,7 +10217,7 @@
             </a:endParaRPr>
           </a:p>
           <a:p>
-            <a:pPr indent="-298450" lvl="0" marL="457200" rtl="0" algn="l">
+            <a:pPr marL="457200" lvl="0" indent="-298450" algn="l" rtl="0">
               <a:spcBef>
                 <a:spcPts val="0"/>
               </a:spcBef>
@@ -10058,11 +10264,11 @@
 </file>
 
 <file path=ppt/slides/slide13.xml><?xml version="1.0" encoding="utf-8"?>
-<p:sld xmlns:a="http://schemas.openxmlformats.org/drawingml/2006/main" xmlns:r="http://schemas.openxmlformats.org/officeDocument/2006/relationships" xmlns:mc="http://schemas.openxmlformats.org/markup-compatibility/2006" xmlns:mv="urn:schemas-microsoft-com:mac:vml" xmlns:p="http://schemas.openxmlformats.org/presentationml/2006/main" xmlns:c="http://schemas.openxmlformats.org/drawingml/2006/chart" xmlns:dgm="http://schemas.openxmlformats.org/drawingml/2006/diagram" xmlns:o="urn:schemas-microsoft-com:office:office" xmlns:v="urn:schemas-microsoft-com:vml" xmlns:pvml="urn:schemas-microsoft-com:office:powerpoint" xmlns:com="http://schemas.openxmlformats.org/drawingml/2006/compatibility" xmlns:p14="http://schemas.microsoft.com/office/powerpoint/2010/main" xmlns:p15="http://schemas.microsoft.com/office/powerpoint/2012/main" xmlns:ahyp="http://schemas.microsoft.com/office/drawing/2018/hyperlinkcolor">
+<p:sld xmlns:a="http://schemas.openxmlformats.org/drawingml/2006/main" xmlns:r="http://schemas.openxmlformats.org/officeDocument/2006/relationships" xmlns:p="http://schemas.openxmlformats.org/presentationml/2006/main">
   <p:cSld>
     <p:spTree>
       <p:nvGrpSpPr>
-        <p:cNvPr id="160" name="Shape 160"/>
+        <p:cNvPr id="1" name="Shape 160"/>
         <p:cNvGrpSpPr/>
         <p:nvPr/>
       </p:nvGrpSpPr>
@@ -10077,7 +10283,9 @@
       <p:sp>
         <p:nvSpPr>
           <p:cNvPr id="161" name="Google Shape;161;p25"/>
-          <p:cNvSpPr txBox="1"/>
+          <p:cNvSpPr txBox="1">
+            <a:spLocks noGrp="1"/>
+          </p:cNvSpPr>
           <p:nvPr>
             <p:ph type="title"/>
           </p:nvPr>
@@ -10092,12 +10300,12 @@
           </a:prstGeom>
         </p:spPr>
         <p:txBody>
-          <a:bodyPr anchorCtr="0" anchor="t" bIns="91425" lIns="91425" spcFirstLastPara="1" rIns="91425" wrap="square" tIns="91425">
+          <a:bodyPr spcFirstLastPara="1" wrap="square" lIns="91425" tIns="91425" rIns="91425" bIns="91425" anchor="t" anchorCtr="0">
             <a:normAutofit fontScale="90000"/>
           </a:bodyPr>
           <a:lstStyle/>
           <a:p>
-            <a:pPr indent="0" lvl="0" marL="0" rtl="0" algn="l">
+            <a:pPr marL="0" lvl="0" indent="0" algn="l" rtl="0">
               <a:spcBef>
                 <a:spcPts val="0"/>
               </a:spcBef>
@@ -10117,9 +10325,11 @@
       <p:sp>
         <p:nvSpPr>
           <p:cNvPr id="162" name="Google Shape;162;p25"/>
-          <p:cNvSpPr txBox="1"/>
+          <p:cNvSpPr txBox="1">
+            <a:spLocks noGrp="1"/>
+          </p:cNvSpPr>
           <p:nvPr>
-            <p:ph idx="1" type="body"/>
+            <p:ph type="body" idx="1"/>
           </p:nvPr>
         </p:nvSpPr>
         <p:spPr>
@@ -10132,12 +10342,12 @@
           </a:prstGeom>
         </p:spPr>
         <p:txBody>
-          <a:bodyPr anchorCtr="0" anchor="t" bIns="91425" lIns="91425" spcFirstLastPara="1" rIns="91425" wrap="square" tIns="91425">
+          <a:bodyPr spcFirstLastPara="1" wrap="square" lIns="91425" tIns="91425" rIns="91425" bIns="91425" anchor="t" anchorCtr="0">
             <a:normAutofit/>
           </a:bodyPr>
           <a:lstStyle/>
           <a:p>
-            <a:pPr indent="0" lvl="0" marL="0" rtl="0" algn="l">
+            <a:pPr marL="0" lvl="0" indent="0" algn="l" rtl="0">
               <a:spcBef>
                 <a:spcPts val="0"/>
               </a:spcBef>
@@ -10147,7 +10357,7 @@
               <a:buNone/>
             </a:pPr>
             <a:r>
-              <a:rPr b="1" i="1" lang="en" sz="1100">
+              <a:rPr lang="en" sz="1100" b="1" i="1">
                 <a:solidFill>
                   <a:schemeClr val="dk2"/>
                 </a:solidFill>
@@ -10158,7 +10368,7 @@
               </a:rPr>
               <a:t>Features:</a:t>
             </a:r>
-            <a:endParaRPr b="1" i="1" sz="1100">
+            <a:endParaRPr sz="1100" b="1" i="1">
               <a:solidFill>
                 <a:schemeClr val="dk2"/>
               </a:solidFill>
@@ -10169,7 +10379,7 @@
             </a:endParaRPr>
           </a:p>
           <a:p>
-            <a:pPr indent="-298450" lvl="0" marL="457200" rtl="0" algn="l">
+            <a:pPr marL="457200" lvl="0" indent="-298450" algn="l" rtl="0">
               <a:spcBef>
                 <a:spcPts val="1200"/>
               </a:spcBef>
@@ -10206,7 +10416,7 @@
             </a:endParaRPr>
           </a:p>
           <a:p>
-            <a:pPr indent="-298450" lvl="0" marL="457200" rtl="0" algn="l">
+            <a:pPr marL="457200" lvl="0" indent="-298450" algn="l" rtl="0">
               <a:spcBef>
                 <a:spcPts val="0"/>
               </a:spcBef>
@@ -10243,7 +10453,7 @@
             </a:endParaRPr>
           </a:p>
           <a:p>
-            <a:pPr indent="-298450" lvl="0" marL="457200" rtl="0" algn="l">
+            <a:pPr marL="457200" lvl="0" indent="-298450" algn="l" rtl="0">
               <a:spcBef>
                 <a:spcPts val="0"/>
               </a:spcBef>
@@ -10280,7 +10490,7 @@
             </a:endParaRPr>
           </a:p>
           <a:p>
-            <a:pPr indent="-298450" lvl="0" marL="457200" rtl="0" algn="l">
+            <a:pPr marL="457200" lvl="0" indent="-298450" algn="l" rtl="0">
               <a:spcBef>
                 <a:spcPts val="0"/>
               </a:spcBef>
@@ -10317,7 +10527,7 @@
             </a:endParaRPr>
           </a:p>
           <a:p>
-            <a:pPr indent="-298450" lvl="0" marL="457200" rtl="0" algn="l">
+            <a:pPr marL="457200" lvl="0" indent="-298450" algn="l" rtl="0">
               <a:spcBef>
                 <a:spcPts val="0"/>
               </a:spcBef>
@@ -10364,11 +10574,11 @@
 </file>
 
 <file path=ppt/slides/slide14.xml><?xml version="1.0" encoding="utf-8"?>
-<p:sld xmlns:a="http://schemas.openxmlformats.org/drawingml/2006/main" xmlns:r="http://schemas.openxmlformats.org/officeDocument/2006/relationships" xmlns:mc="http://schemas.openxmlformats.org/markup-compatibility/2006" xmlns:mv="urn:schemas-microsoft-com:mac:vml" xmlns:p="http://schemas.openxmlformats.org/presentationml/2006/main" xmlns:c="http://schemas.openxmlformats.org/drawingml/2006/chart" xmlns:dgm="http://schemas.openxmlformats.org/drawingml/2006/diagram" xmlns:o="urn:schemas-microsoft-com:office:office" xmlns:v="urn:schemas-microsoft-com:vml" xmlns:pvml="urn:schemas-microsoft-com:office:powerpoint" xmlns:com="http://schemas.openxmlformats.org/drawingml/2006/compatibility" xmlns:p14="http://schemas.microsoft.com/office/powerpoint/2010/main" xmlns:p15="http://schemas.microsoft.com/office/powerpoint/2012/main" xmlns:ahyp="http://schemas.microsoft.com/office/drawing/2018/hyperlinkcolor">
+<p:sld xmlns:a="http://schemas.openxmlformats.org/drawingml/2006/main" xmlns:r="http://schemas.openxmlformats.org/officeDocument/2006/relationships" xmlns:p="http://schemas.openxmlformats.org/presentationml/2006/main">
   <p:cSld>
     <p:spTree>
       <p:nvGrpSpPr>
-        <p:cNvPr id="166" name="Shape 166"/>
+        <p:cNvPr id="1" name="Shape 166"/>
         <p:cNvGrpSpPr/>
         <p:nvPr/>
       </p:nvGrpSpPr>
@@ -10383,7 +10593,9 @@
       <p:sp>
         <p:nvSpPr>
           <p:cNvPr id="167" name="Google Shape;167;p26"/>
-          <p:cNvSpPr txBox="1"/>
+          <p:cNvSpPr txBox="1">
+            <a:spLocks noGrp="1"/>
+          </p:cNvSpPr>
           <p:nvPr>
             <p:ph type="title"/>
           </p:nvPr>
@@ -10398,12 +10610,12 @@
           </a:prstGeom>
         </p:spPr>
         <p:txBody>
-          <a:bodyPr anchorCtr="0" anchor="t" bIns="91425" lIns="91425" spcFirstLastPara="1" rIns="91425" wrap="square" tIns="91425">
+          <a:bodyPr spcFirstLastPara="1" wrap="square" lIns="91425" tIns="91425" rIns="91425" bIns="91425" anchor="t" anchorCtr="0">
             <a:normAutofit fontScale="90000"/>
           </a:bodyPr>
           <a:lstStyle/>
           <a:p>
-            <a:pPr indent="0" lvl="0" marL="0" rtl="0" algn="l">
+            <a:pPr marL="0" lvl="0" indent="0" algn="l" rtl="0">
               <a:spcBef>
                 <a:spcPts val="0"/>
               </a:spcBef>
@@ -10423,9 +10635,11 @@
       <p:sp>
         <p:nvSpPr>
           <p:cNvPr id="168" name="Google Shape;168;p26"/>
-          <p:cNvSpPr txBox="1"/>
+          <p:cNvSpPr txBox="1">
+            <a:spLocks noGrp="1"/>
+          </p:cNvSpPr>
           <p:nvPr>
-            <p:ph idx="1" type="body"/>
+            <p:ph type="body" idx="1"/>
           </p:nvPr>
         </p:nvSpPr>
         <p:spPr>
@@ -10438,12 +10652,12 @@
           </a:prstGeom>
         </p:spPr>
         <p:txBody>
-          <a:bodyPr anchorCtr="0" anchor="t" bIns="91425" lIns="91425" spcFirstLastPara="1" rIns="91425" wrap="square" tIns="91425">
+          <a:bodyPr spcFirstLastPara="1" wrap="square" lIns="91425" tIns="91425" rIns="91425" bIns="91425" anchor="t" anchorCtr="0">
             <a:normAutofit/>
           </a:bodyPr>
           <a:lstStyle/>
           <a:p>
-            <a:pPr indent="-298450" lvl="0" marL="457200" rtl="0" algn="l">
+            <a:pPr marL="457200" lvl="0" indent="-298450" algn="l" rtl="0">
               <a:spcBef>
                 <a:spcPts val="0"/>
               </a:spcBef>
@@ -10480,7 +10694,7 @@
             </a:endParaRPr>
           </a:p>
           <a:p>
-            <a:pPr indent="-298450" lvl="0" marL="457200" rtl="0" algn="l">
+            <a:pPr marL="457200" lvl="0" indent="-298450" algn="l" rtl="0">
               <a:spcBef>
                 <a:spcPts val="0"/>
               </a:spcBef>
@@ -10517,7 +10731,7 @@
             </a:endParaRPr>
           </a:p>
           <a:p>
-            <a:pPr indent="-298450" lvl="0" marL="457200" rtl="0" algn="l">
+            <a:pPr marL="457200" lvl="0" indent="-298450" algn="l" rtl="0">
               <a:spcBef>
                 <a:spcPts val="0"/>
               </a:spcBef>
@@ -10554,7 +10768,7 @@
             </a:endParaRPr>
           </a:p>
           <a:p>
-            <a:pPr indent="-298450" lvl="0" marL="457200" rtl="0" algn="l">
+            <a:pPr marL="457200" lvl="0" indent="-298450" algn="l" rtl="0">
               <a:spcBef>
                 <a:spcPts val="0"/>
               </a:spcBef>
@@ -10601,11 +10815,11 @@
 </file>
 
 <file path=ppt/slides/slide15.xml><?xml version="1.0" encoding="utf-8"?>
-<p:sld xmlns:a="http://schemas.openxmlformats.org/drawingml/2006/main" xmlns:r="http://schemas.openxmlformats.org/officeDocument/2006/relationships" xmlns:mc="http://schemas.openxmlformats.org/markup-compatibility/2006" xmlns:mv="urn:schemas-microsoft-com:mac:vml" xmlns:p="http://schemas.openxmlformats.org/presentationml/2006/main" xmlns:c="http://schemas.openxmlformats.org/drawingml/2006/chart" xmlns:dgm="http://schemas.openxmlformats.org/drawingml/2006/diagram" xmlns:o="urn:schemas-microsoft-com:office:office" xmlns:v="urn:schemas-microsoft-com:vml" xmlns:pvml="urn:schemas-microsoft-com:office:powerpoint" xmlns:com="http://schemas.openxmlformats.org/drawingml/2006/compatibility" xmlns:p14="http://schemas.microsoft.com/office/powerpoint/2010/main" xmlns:p15="http://schemas.microsoft.com/office/powerpoint/2012/main" xmlns:ahyp="http://schemas.microsoft.com/office/drawing/2018/hyperlinkcolor">
+<p:sld xmlns:a="http://schemas.openxmlformats.org/drawingml/2006/main" xmlns:r="http://schemas.openxmlformats.org/officeDocument/2006/relationships" xmlns:p="http://schemas.openxmlformats.org/presentationml/2006/main">
   <p:cSld>
     <p:spTree>
       <p:nvGrpSpPr>
-        <p:cNvPr id="172" name="Shape 172"/>
+        <p:cNvPr id="1" name="Shape 172"/>
         <p:cNvGrpSpPr/>
         <p:nvPr/>
       </p:nvGrpSpPr>
@@ -10620,7 +10834,9 @@
       <p:sp>
         <p:nvSpPr>
           <p:cNvPr id="173" name="Google Shape;173;p27"/>
-          <p:cNvSpPr txBox="1"/>
+          <p:cNvSpPr txBox="1">
+            <a:spLocks noGrp="1"/>
+          </p:cNvSpPr>
           <p:nvPr>
             <p:ph type="title"/>
           </p:nvPr>
@@ -10635,12 +10851,12 @@
           </a:prstGeom>
         </p:spPr>
         <p:txBody>
-          <a:bodyPr anchorCtr="0" anchor="t" bIns="91425" lIns="91425" spcFirstLastPara="1" rIns="91425" wrap="square" tIns="91425">
+          <a:bodyPr spcFirstLastPara="1" wrap="square" lIns="91425" tIns="91425" rIns="91425" bIns="91425" anchor="t" anchorCtr="0">
             <a:normAutofit fontScale="90000"/>
           </a:bodyPr>
           <a:lstStyle/>
           <a:p>
-            <a:pPr indent="0" lvl="0" marL="0" rtl="0" algn="l">
+            <a:pPr marL="0" lvl="0" indent="0" algn="l" rtl="0">
               <a:spcBef>
                 <a:spcPts val="0"/>
               </a:spcBef>
@@ -10660,9 +10876,11 @@
       <p:sp>
         <p:nvSpPr>
           <p:cNvPr id="174" name="Google Shape;174;p27"/>
-          <p:cNvSpPr txBox="1"/>
+          <p:cNvSpPr txBox="1">
+            <a:spLocks noGrp="1"/>
+          </p:cNvSpPr>
           <p:nvPr>
-            <p:ph idx="1" type="body"/>
+            <p:ph type="body" idx="1"/>
           </p:nvPr>
         </p:nvSpPr>
         <p:spPr>
@@ -10675,12 +10893,12 @@
           </a:prstGeom>
         </p:spPr>
         <p:txBody>
-          <a:bodyPr anchorCtr="0" anchor="t" bIns="91425" lIns="91425" spcFirstLastPara="1" rIns="91425" wrap="square" tIns="91425">
+          <a:bodyPr spcFirstLastPara="1" wrap="square" lIns="91425" tIns="91425" rIns="91425" bIns="91425" anchor="t" anchorCtr="0">
             <a:normAutofit/>
           </a:bodyPr>
           <a:lstStyle/>
           <a:p>
-            <a:pPr indent="-298450" lvl="0" marL="457200" rtl="0" algn="l">
+            <a:pPr marL="457200" lvl="0" indent="-298450" algn="l" rtl="0">
               <a:spcBef>
                 <a:spcPts val="0"/>
               </a:spcBef>
@@ -10717,7 +10935,7 @@
             </a:endParaRPr>
           </a:p>
           <a:p>
-            <a:pPr indent="-298450" lvl="0" marL="457200" rtl="0" algn="l">
+            <a:pPr marL="457200" lvl="0" indent="-298450" algn="l" rtl="0">
               <a:spcBef>
                 <a:spcPts val="0"/>
               </a:spcBef>
@@ -10754,7 +10972,7 @@
             </a:endParaRPr>
           </a:p>
           <a:p>
-            <a:pPr indent="-298450" lvl="0" marL="457200" rtl="0" algn="l">
+            <a:pPr marL="457200" lvl="0" indent="-298450" algn="l" rtl="0">
               <a:spcBef>
                 <a:spcPts val="0"/>
               </a:spcBef>
@@ -10791,7 +11009,7 @@
             </a:endParaRPr>
           </a:p>
           <a:p>
-            <a:pPr indent="-298450" lvl="0" marL="457200" rtl="0" algn="l">
+            <a:pPr marL="457200" lvl="0" indent="-298450" algn="l" rtl="0">
               <a:spcBef>
                 <a:spcPts val="0"/>
               </a:spcBef>
@@ -10828,7 +11046,7 @@
             </a:endParaRPr>
           </a:p>
           <a:p>
-            <a:pPr indent="-298450" lvl="0" marL="457200" rtl="0" algn="l">
+            <a:pPr marL="457200" lvl="0" indent="-298450" algn="l" rtl="0">
               <a:spcBef>
                 <a:spcPts val="0"/>
               </a:spcBef>
@@ -10875,11 +11093,11 @@
 </file>
 
 <file path=ppt/slides/slide16.xml><?xml version="1.0" encoding="utf-8"?>
-<p:sld xmlns:a="http://schemas.openxmlformats.org/drawingml/2006/main" xmlns:r="http://schemas.openxmlformats.org/officeDocument/2006/relationships" xmlns:mc="http://schemas.openxmlformats.org/markup-compatibility/2006" xmlns:mv="urn:schemas-microsoft-com:mac:vml" xmlns:p="http://schemas.openxmlformats.org/presentationml/2006/main" xmlns:c="http://schemas.openxmlformats.org/drawingml/2006/chart" xmlns:dgm="http://schemas.openxmlformats.org/drawingml/2006/diagram" xmlns:o="urn:schemas-microsoft-com:office:office" xmlns:v="urn:schemas-microsoft-com:vml" xmlns:pvml="urn:schemas-microsoft-com:office:powerpoint" xmlns:com="http://schemas.openxmlformats.org/drawingml/2006/compatibility" xmlns:p14="http://schemas.microsoft.com/office/powerpoint/2010/main" xmlns:p15="http://schemas.microsoft.com/office/powerpoint/2012/main" xmlns:ahyp="http://schemas.microsoft.com/office/drawing/2018/hyperlinkcolor">
+<p:sld xmlns:a="http://schemas.openxmlformats.org/drawingml/2006/main" xmlns:r="http://schemas.openxmlformats.org/officeDocument/2006/relationships" xmlns:p="http://schemas.openxmlformats.org/presentationml/2006/main">
   <p:cSld>
     <p:spTree>
       <p:nvGrpSpPr>
-        <p:cNvPr id="178" name="Shape 178"/>
+        <p:cNvPr id="1" name="Shape 178"/>
         <p:cNvGrpSpPr/>
         <p:nvPr/>
       </p:nvGrpSpPr>
@@ -10894,7 +11112,9 @@
       <p:sp>
         <p:nvSpPr>
           <p:cNvPr id="179" name="Google Shape;179;p28"/>
-          <p:cNvSpPr txBox="1"/>
+          <p:cNvSpPr txBox="1">
+            <a:spLocks noGrp="1"/>
+          </p:cNvSpPr>
           <p:nvPr>
             <p:ph type="title"/>
           </p:nvPr>
@@ -10909,12 +11129,12 @@
           </a:prstGeom>
         </p:spPr>
         <p:txBody>
-          <a:bodyPr anchorCtr="0" anchor="t" bIns="91425" lIns="91425" spcFirstLastPara="1" rIns="91425" wrap="square" tIns="91425">
+          <a:bodyPr spcFirstLastPara="1" wrap="square" lIns="91425" tIns="91425" rIns="91425" bIns="91425" anchor="t" anchorCtr="0">
             <a:normAutofit fontScale="90000"/>
           </a:bodyPr>
           <a:lstStyle/>
           <a:p>
-            <a:pPr indent="0" lvl="0" marL="0" rtl="0" algn="l">
+            <a:pPr marL="0" lvl="0" indent="0" algn="l" rtl="0">
               <a:spcBef>
                 <a:spcPts val="0"/>
               </a:spcBef>
@@ -10923,9 +11143,6 @@
               </a:spcAft>
               <a:buNone/>
             </a:pPr>
-            <a:r>
-              <a:t/>
-            </a:r>
             <a:endParaRPr/>
           </a:p>
         </p:txBody>
@@ -10933,9 +11150,11 @@
       <p:sp>
         <p:nvSpPr>
           <p:cNvPr id="180" name="Google Shape;180;p28"/>
-          <p:cNvSpPr txBox="1"/>
+          <p:cNvSpPr txBox="1">
+            <a:spLocks noGrp="1"/>
+          </p:cNvSpPr>
           <p:nvPr>
-            <p:ph idx="1" type="body"/>
+            <p:ph type="body" idx="1"/>
           </p:nvPr>
         </p:nvSpPr>
         <p:spPr>
@@ -10948,12 +11167,12 @@
           </a:prstGeom>
         </p:spPr>
         <p:txBody>
-          <a:bodyPr anchorCtr="0" anchor="t" bIns="91425" lIns="91425" spcFirstLastPara="1" rIns="91425" wrap="square" tIns="91425">
+          <a:bodyPr spcFirstLastPara="1" wrap="square" lIns="91425" tIns="91425" rIns="91425" bIns="91425" anchor="t" anchorCtr="0">
             <a:normAutofit/>
           </a:bodyPr>
           <a:lstStyle/>
           <a:p>
-            <a:pPr indent="0" lvl="0" marL="0" rtl="0" algn="l">
+            <a:pPr marL="0" lvl="0" indent="0" algn="l" rtl="0">
               <a:spcBef>
                 <a:spcPts val="0"/>
               </a:spcBef>
@@ -10962,16 +11181,13 @@
               </a:spcAft>
               <a:buNone/>
             </a:pPr>
-            <a:r>
-              <a:t/>
-            </a:r>
             <a:endParaRPr/>
           </a:p>
         </p:txBody>
       </p:sp>
       <p:pic>
         <p:nvPicPr>
-          <p:cNvPr descr="Minimal workspace - Flat lay view photo of word thank you caligraphy note in a notebook siding with pen on white wooden background. Top View flat lay photography. New year 2018 thank you concept (Provided by Getty Images)" id="181" name="Google Shape;181;p28"/>
+          <p:cNvPr id="181" name="Google Shape;181;p28" descr="Minimal workspace - Flat lay view photo of word thank you caligraphy note in a notebook siding with pen on white wooden background. Top View flat lay photography. New year 2018 thank you concept (Provided by Getty Images)"/>
           <p:cNvPicPr preferRelativeResize="0"/>
           <p:nvPr/>
         </p:nvPicPr>
@@ -11006,11 +11222,11 @@
 </file>
 
 <file path=ppt/slides/slide2.xml><?xml version="1.0" encoding="utf-8"?>
-<p:sld xmlns:a="http://schemas.openxmlformats.org/drawingml/2006/main" xmlns:r="http://schemas.openxmlformats.org/officeDocument/2006/relationships" xmlns:mc="http://schemas.openxmlformats.org/markup-compatibility/2006" xmlns:mv="urn:schemas-microsoft-com:mac:vml" xmlns:p="http://schemas.openxmlformats.org/presentationml/2006/main" xmlns:c="http://schemas.openxmlformats.org/drawingml/2006/chart" xmlns:dgm="http://schemas.openxmlformats.org/drawingml/2006/diagram" xmlns:o="urn:schemas-microsoft-com:office:office" xmlns:v="urn:schemas-microsoft-com:vml" xmlns:pvml="urn:schemas-microsoft-com:office:powerpoint" xmlns:com="http://schemas.openxmlformats.org/drawingml/2006/compatibility" xmlns:p14="http://schemas.microsoft.com/office/powerpoint/2010/main" xmlns:p15="http://schemas.microsoft.com/office/powerpoint/2012/main" xmlns:ahyp="http://schemas.microsoft.com/office/drawing/2018/hyperlinkcolor">
+<p:sld xmlns:a="http://schemas.openxmlformats.org/drawingml/2006/main" xmlns:r="http://schemas.openxmlformats.org/officeDocument/2006/relationships" xmlns:p="http://schemas.openxmlformats.org/presentationml/2006/main">
   <p:cSld>
     <p:spTree>
       <p:nvGrpSpPr>
-        <p:cNvPr id="91" name="Shape 91"/>
+        <p:cNvPr id="1" name="Shape 91"/>
         <p:cNvGrpSpPr/>
         <p:nvPr/>
       </p:nvGrpSpPr>
@@ -11025,7 +11241,9 @@
       <p:sp>
         <p:nvSpPr>
           <p:cNvPr id="92" name="Google Shape;92;p14"/>
-          <p:cNvSpPr txBox="1"/>
+          <p:cNvSpPr txBox="1">
+            <a:spLocks noGrp="1"/>
+          </p:cNvSpPr>
           <p:nvPr>
             <p:ph type="title"/>
           </p:nvPr>
@@ -11040,12 +11258,12 @@
           </a:prstGeom>
         </p:spPr>
         <p:txBody>
-          <a:bodyPr anchorCtr="0" anchor="t" bIns="91425" lIns="91425" spcFirstLastPara="1" rIns="91425" wrap="square" tIns="91425">
+          <a:bodyPr spcFirstLastPara="1" wrap="square" lIns="91425" tIns="91425" rIns="91425" bIns="91425" anchor="t" anchorCtr="0">
             <a:normAutofit fontScale="90000"/>
           </a:bodyPr>
           <a:lstStyle/>
           <a:p>
-            <a:pPr indent="0" lvl="0" marL="0" rtl="0" algn="l">
+            <a:pPr marL="0" lvl="0" indent="0" algn="l" rtl="0">
               <a:spcBef>
                 <a:spcPts val="0"/>
               </a:spcBef>
@@ -11065,9 +11283,11 @@
       <p:sp>
         <p:nvSpPr>
           <p:cNvPr id="93" name="Google Shape;93;p14"/>
-          <p:cNvSpPr txBox="1"/>
+          <p:cNvSpPr txBox="1">
+            <a:spLocks noGrp="1"/>
+          </p:cNvSpPr>
           <p:nvPr>
-            <p:ph idx="1" type="body"/>
+            <p:ph type="body" idx="1"/>
           </p:nvPr>
         </p:nvSpPr>
         <p:spPr>
@@ -11080,12 +11300,12 @@
           </a:prstGeom>
         </p:spPr>
         <p:txBody>
-          <a:bodyPr anchorCtr="0" anchor="t" bIns="91425" lIns="91425" spcFirstLastPara="1" rIns="91425" wrap="square" tIns="91425">
+          <a:bodyPr spcFirstLastPara="1" wrap="square" lIns="91425" tIns="91425" rIns="91425" bIns="91425" anchor="t" anchorCtr="0">
             <a:normAutofit lnSpcReduction="20000"/>
           </a:bodyPr>
           <a:lstStyle/>
           <a:p>
-            <a:pPr indent="-298450" lvl="0" marL="457200" rtl="0" algn="l">
+            <a:pPr marL="457200" lvl="0" indent="-298450" algn="l" rtl="0">
               <a:lnSpc>
                 <a:spcPct val="100000"/>
               </a:lnSpc>
@@ -11136,7 +11356,7 @@
             </a:endParaRPr>
           </a:p>
           <a:p>
-            <a:pPr indent="-298450" lvl="0" marL="457200" rtl="0" algn="l">
+            <a:pPr marL="457200" lvl="0" indent="-298450" algn="l" rtl="0">
               <a:lnSpc>
                 <a:spcPct val="100000"/>
               </a:lnSpc>
@@ -11166,7 +11386,7 @@
               <a:t>Our goal: build a </a:t>
             </a:r>
             <a:r>
-              <a:rPr b="1" lang="en" sz="1100">
+              <a:rPr lang="en" sz="1100" b="1">
                 <a:solidFill>
                   <a:srgbClr val="000000"/>
                 </a:solidFill>
@@ -11178,7 +11398,7 @@
               <a:t>personalized movie rating predictor</a:t>
             </a:r>
             <a:br>
-              <a:rPr b="1" lang="en" sz="1100">
+              <a:rPr lang="en" sz="1100" b="1">
                 <a:solidFill>
                   <a:srgbClr val="000000"/>
                 </a:solidFill>
@@ -11188,7 +11408,7 @@
                 <a:sym typeface="Arial"/>
               </a:rPr>
             </a:br>
-            <a:endParaRPr b="1" sz="1100">
+            <a:endParaRPr sz="1100" b="1">
               <a:solidFill>
                 <a:srgbClr val="000000"/>
               </a:solidFill>
@@ -11199,7 +11419,7 @@
             </a:endParaRPr>
           </a:p>
           <a:p>
-            <a:pPr indent="0" lvl="0" marL="0" rtl="0" algn="l">
+            <a:pPr marL="0" lvl="0" indent="0" algn="l" rtl="0">
               <a:lnSpc>
                 <a:spcPct val="100000"/>
               </a:lnSpc>
@@ -11212,7 +11432,7 @@
               <a:buNone/>
             </a:pPr>
             <a:r>
-              <a:rPr b="1" i="1" lang="en" sz="1100">
+              <a:rPr lang="en" sz="1100" b="1" i="1">
                 <a:solidFill>
                   <a:srgbClr val="000000"/>
                 </a:solidFill>
@@ -11245,7 +11465,7 @@
             </a:endParaRPr>
           </a:p>
           <a:p>
-            <a:pPr indent="-298450" lvl="0" marL="457200" rtl="0" algn="l">
+            <a:pPr marL="457200" lvl="0" indent="-298450" algn="l" rtl="0">
               <a:spcBef>
                 <a:spcPts val="1200"/>
               </a:spcBef>
@@ -11293,7 +11513,7 @@
             </a:endParaRPr>
           </a:p>
           <a:p>
-            <a:pPr indent="-298450" lvl="0" marL="457200" rtl="0" algn="l">
+            <a:pPr marL="457200" lvl="0" indent="-298450" algn="l" rtl="0">
               <a:spcBef>
                 <a:spcPts val="0"/>
               </a:spcBef>
@@ -11341,7 +11561,7 @@
             </a:endParaRPr>
           </a:p>
           <a:p>
-            <a:pPr indent="0" lvl="0" marL="0" rtl="0" algn="l">
+            <a:pPr marL="0" lvl="0" indent="0" algn="l" rtl="0">
               <a:spcBef>
                 <a:spcPts val="1200"/>
               </a:spcBef>
@@ -11351,7 +11571,7 @@
               <a:buNone/>
             </a:pPr>
             <a:r>
-              <a:rPr b="1" i="1" lang="en" sz="1100">
+              <a:rPr lang="en" sz="1100" b="1" i="1">
                 <a:solidFill>
                   <a:srgbClr val="000000"/>
                 </a:solidFill>
@@ -11384,7 +11604,7 @@
             </a:endParaRPr>
           </a:p>
           <a:p>
-            <a:pPr indent="-298450" lvl="0" marL="457200" rtl="0" algn="l">
+            <a:pPr marL="457200" lvl="0" indent="-298450" algn="l" rtl="0">
               <a:spcBef>
                 <a:spcPts val="1200"/>
               </a:spcBef>
@@ -11432,7 +11652,7 @@
             </a:endParaRPr>
           </a:p>
           <a:p>
-            <a:pPr indent="-298450" lvl="0" marL="457200" rtl="0" algn="l">
+            <a:pPr marL="457200" lvl="0" indent="-298450" algn="l" rtl="0">
               <a:spcBef>
                 <a:spcPts val="0"/>
               </a:spcBef>
@@ -11469,7 +11689,7 @@
             </a:endParaRPr>
           </a:p>
           <a:p>
-            <a:pPr indent="0" lvl="0" marL="0" rtl="0" algn="l">
+            <a:pPr marL="0" lvl="0" indent="0" algn="l" rtl="0">
               <a:spcBef>
                 <a:spcPts val="1200"/>
               </a:spcBef>
@@ -11478,9 +11698,6 @@
               </a:spcAft>
               <a:buNone/>
             </a:pPr>
-            <a:r>
-              <a:t/>
-            </a:r>
             <a:endParaRPr/>
           </a:p>
         </p:txBody>
@@ -11494,11 +11711,11 @@
 </file>
 
 <file path=ppt/slides/slide3.xml><?xml version="1.0" encoding="utf-8"?>
-<p:sld xmlns:a="http://schemas.openxmlformats.org/drawingml/2006/main" xmlns:r="http://schemas.openxmlformats.org/officeDocument/2006/relationships" xmlns:mc="http://schemas.openxmlformats.org/markup-compatibility/2006" xmlns:mv="urn:schemas-microsoft-com:mac:vml" xmlns:p="http://schemas.openxmlformats.org/presentationml/2006/main" xmlns:c="http://schemas.openxmlformats.org/drawingml/2006/chart" xmlns:dgm="http://schemas.openxmlformats.org/drawingml/2006/diagram" xmlns:o="urn:schemas-microsoft-com:office:office" xmlns:v="urn:schemas-microsoft-com:vml" xmlns:pvml="urn:schemas-microsoft-com:office:powerpoint" xmlns:com="http://schemas.openxmlformats.org/drawingml/2006/compatibility" xmlns:p14="http://schemas.microsoft.com/office/powerpoint/2010/main" xmlns:p15="http://schemas.microsoft.com/office/powerpoint/2012/main" xmlns:ahyp="http://schemas.microsoft.com/office/drawing/2018/hyperlinkcolor">
+<p:sld xmlns:a="http://schemas.openxmlformats.org/drawingml/2006/main" xmlns:r="http://schemas.openxmlformats.org/officeDocument/2006/relationships" xmlns:p="http://schemas.openxmlformats.org/presentationml/2006/main">
   <p:cSld>
     <p:spTree>
       <p:nvGrpSpPr>
-        <p:cNvPr id="97" name="Shape 97"/>
+        <p:cNvPr id="1" name="Shape 97"/>
         <p:cNvGrpSpPr/>
         <p:nvPr/>
       </p:nvGrpSpPr>
@@ -11513,7 +11730,9 @@
       <p:sp>
         <p:nvSpPr>
           <p:cNvPr id="98" name="Google Shape;98;p15"/>
-          <p:cNvSpPr txBox="1"/>
+          <p:cNvSpPr txBox="1">
+            <a:spLocks noGrp="1"/>
+          </p:cNvSpPr>
           <p:nvPr>
             <p:ph type="title"/>
           </p:nvPr>
@@ -11528,12 +11747,12 @@
           </a:prstGeom>
         </p:spPr>
         <p:txBody>
-          <a:bodyPr anchorCtr="0" anchor="t" bIns="91425" lIns="91425" spcFirstLastPara="1" rIns="91425" wrap="square" tIns="91425">
+          <a:bodyPr spcFirstLastPara="1" wrap="square" lIns="91425" tIns="91425" rIns="91425" bIns="91425" anchor="t" anchorCtr="0">
             <a:normAutofit fontScale="90000"/>
           </a:bodyPr>
           <a:lstStyle/>
           <a:p>
-            <a:pPr indent="0" lvl="0" marL="0" rtl="0" algn="l">
+            <a:pPr marL="0" lvl="0" indent="0" algn="l" rtl="0">
               <a:spcBef>
                 <a:spcPts val="0"/>
               </a:spcBef>
@@ -11553,9 +11772,11 @@
       <p:sp>
         <p:nvSpPr>
           <p:cNvPr id="99" name="Google Shape;99;p15"/>
-          <p:cNvSpPr txBox="1"/>
+          <p:cNvSpPr txBox="1">
+            <a:spLocks noGrp="1"/>
+          </p:cNvSpPr>
           <p:nvPr>
-            <p:ph idx="1" type="body"/>
+            <p:ph type="body" idx="1"/>
           </p:nvPr>
         </p:nvSpPr>
         <p:spPr>
@@ -11568,12 +11789,12 @@
           </a:prstGeom>
         </p:spPr>
         <p:txBody>
-          <a:bodyPr anchorCtr="0" anchor="t" bIns="91425" lIns="91425" spcFirstLastPara="1" rIns="91425" wrap="square" tIns="91425">
+          <a:bodyPr spcFirstLastPara="1" wrap="square" lIns="91425" tIns="91425" rIns="91425" bIns="91425" anchor="t" anchorCtr="0">
             <a:noAutofit/>
           </a:bodyPr>
           <a:lstStyle/>
           <a:p>
-            <a:pPr indent="-298450" lvl="0" marL="457200" rtl="0" algn="l">
+            <a:pPr marL="457200" lvl="0" indent="-298450" algn="l" rtl="0">
               <a:lnSpc>
                 <a:spcPct val="95000"/>
               </a:lnSpc>
@@ -11603,7 +11824,7 @@
               <a:t>Ratings dataset is </a:t>
             </a:r>
             <a:r>
-              <a:rPr i="1" lang="en" sz="1100">
+              <a:rPr lang="en" sz="1100" i="1">
                 <a:solidFill>
                   <a:srgbClr val="000000"/>
                 </a:solidFill>
@@ -11615,7 +11836,7 @@
               <a:t>sparse</a:t>
             </a:r>
             <a:br>
-              <a:rPr i="1" lang="en" sz="1100">
+              <a:rPr lang="en" sz="1100" i="1">
                 <a:solidFill>
                   <a:srgbClr val="000000"/>
                 </a:solidFill>
@@ -11625,7 +11846,7 @@
                 <a:sym typeface="Arial"/>
               </a:rPr>
             </a:br>
-            <a:endParaRPr i="1" sz="1100">
+            <a:endParaRPr sz="1100" i="1">
               <a:solidFill>
                 <a:srgbClr val="000000"/>
               </a:solidFill>
@@ -11636,7 +11857,7 @@
             </a:endParaRPr>
           </a:p>
           <a:p>
-            <a:pPr indent="-298450" lvl="0" marL="457200" rtl="0" algn="l">
+            <a:pPr marL="457200" lvl="0" indent="-298450" algn="l" rtl="0">
               <a:lnSpc>
                 <a:spcPct val="95000"/>
               </a:lnSpc>
@@ -11687,7 +11908,7 @@
             </a:endParaRPr>
           </a:p>
           <a:p>
-            <a:pPr indent="-298450" lvl="0" marL="457200" rtl="0" algn="l">
+            <a:pPr marL="457200" lvl="0" indent="-298450" algn="l" rtl="0">
               <a:lnSpc>
                 <a:spcPct val="95000"/>
               </a:lnSpc>
@@ -11738,7 +11959,7 @@
             </a:endParaRPr>
           </a:p>
           <a:p>
-            <a:pPr indent="-298450" lvl="0" marL="457200" rtl="0" algn="l">
+            <a:pPr marL="457200" lvl="0" indent="-298450" algn="l" rtl="0">
               <a:lnSpc>
                 <a:spcPct val="95000"/>
               </a:lnSpc>
@@ -11789,7 +12010,7 @@
             </a:endParaRPr>
           </a:p>
           <a:p>
-            <a:pPr indent="-298450" lvl="0" marL="457200" rtl="0" algn="l">
+            <a:pPr marL="457200" lvl="0" indent="-298450" algn="l" rtl="0">
               <a:lnSpc>
                 <a:spcPct val="95000"/>
               </a:lnSpc>
@@ -11829,7 +12050,7 @@
             </a:endParaRPr>
           </a:p>
           <a:p>
-            <a:pPr indent="0" lvl="0" marL="0" rtl="0" algn="l">
+            <a:pPr marL="0" lvl="0" indent="0" algn="l" rtl="0">
               <a:lnSpc>
                 <a:spcPct val="95000"/>
               </a:lnSpc>
@@ -11842,9 +12063,6 @@
               <a:buSzPts val="852"/>
               <a:buNone/>
             </a:pPr>
-            <a:r>
-              <a:t/>
-            </a:r>
             <a:endParaRPr sz="1007"/>
           </a:p>
         </p:txBody>
@@ -11858,11 +12076,11 @@
 </file>
 
 <file path=ppt/slides/slide4.xml><?xml version="1.0" encoding="utf-8"?>
-<p:sld xmlns:a="http://schemas.openxmlformats.org/drawingml/2006/main" xmlns:r="http://schemas.openxmlformats.org/officeDocument/2006/relationships" xmlns:mc="http://schemas.openxmlformats.org/markup-compatibility/2006" xmlns:mv="urn:schemas-microsoft-com:mac:vml" xmlns:p="http://schemas.openxmlformats.org/presentationml/2006/main" xmlns:c="http://schemas.openxmlformats.org/drawingml/2006/chart" xmlns:dgm="http://schemas.openxmlformats.org/drawingml/2006/diagram" xmlns:o="urn:schemas-microsoft-com:office:office" xmlns:v="urn:schemas-microsoft-com:vml" xmlns:pvml="urn:schemas-microsoft-com:office:powerpoint" xmlns:com="http://schemas.openxmlformats.org/drawingml/2006/compatibility" xmlns:p14="http://schemas.microsoft.com/office/powerpoint/2010/main" xmlns:p15="http://schemas.microsoft.com/office/powerpoint/2012/main" xmlns:ahyp="http://schemas.microsoft.com/office/drawing/2018/hyperlinkcolor">
+<p:sld xmlns:a="http://schemas.openxmlformats.org/drawingml/2006/main" xmlns:r="http://schemas.openxmlformats.org/officeDocument/2006/relationships" xmlns:p="http://schemas.openxmlformats.org/presentationml/2006/main">
   <p:cSld>
     <p:spTree>
       <p:nvGrpSpPr>
-        <p:cNvPr id="103" name="Shape 103"/>
+        <p:cNvPr id="1" name="Shape 103"/>
         <p:cNvGrpSpPr/>
         <p:nvPr/>
       </p:nvGrpSpPr>
@@ -11877,7 +12095,9 @@
       <p:sp>
         <p:nvSpPr>
           <p:cNvPr id="104" name="Google Shape;104;p16"/>
-          <p:cNvSpPr txBox="1"/>
+          <p:cNvSpPr txBox="1">
+            <a:spLocks noGrp="1"/>
+          </p:cNvSpPr>
           <p:nvPr>
             <p:ph type="title"/>
           </p:nvPr>
@@ -11892,12 +12112,12 @@
           </a:prstGeom>
         </p:spPr>
         <p:txBody>
-          <a:bodyPr anchorCtr="0" anchor="t" bIns="91425" lIns="91425" spcFirstLastPara="1" rIns="91425" wrap="square" tIns="91425">
+          <a:bodyPr spcFirstLastPara="1" wrap="square" lIns="91425" tIns="91425" rIns="91425" bIns="91425" anchor="t" anchorCtr="0">
             <a:normAutofit fontScale="90000"/>
           </a:bodyPr>
           <a:lstStyle/>
           <a:p>
-            <a:pPr indent="0" lvl="0" marL="0" rtl="0" algn="l">
+            <a:pPr marL="0" lvl="0" indent="0" algn="l" rtl="0">
               <a:spcBef>
                 <a:spcPts val="0"/>
               </a:spcBef>
@@ -11917,9 +12137,11 @@
       <p:sp>
         <p:nvSpPr>
           <p:cNvPr id="105" name="Google Shape;105;p16"/>
-          <p:cNvSpPr txBox="1"/>
+          <p:cNvSpPr txBox="1">
+            <a:spLocks noGrp="1"/>
+          </p:cNvSpPr>
           <p:nvPr>
-            <p:ph idx="1" type="body"/>
+            <p:ph type="body" idx="1"/>
           </p:nvPr>
         </p:nvSpPr>
         <p:spPr>
@@ -11932,12 +12154,12 @@
           </a:prstGeom>
         </p:spPr>
         <p:txBody>
-          <a:bodyPr anchorCtr="0" anchor="t" bIns="91425" lIns="91425" spcFirstLastPara="1" rIns="91425" wrap="square" tIns="91425">
+          <a:bodyPr spcFirstLastPara="1" wrap="square" lIns="91425" tIns="91425" rIns="91425" bIns="91425" anchor="t" anchorCtr="0">
             <a:normAutofit/>
           </a:bodyPr>
           <a:lstStyle/>
           <a:p>
-            <a:pPr indent="-298450" lvl="0" marL="457200" rtl="0" algn="l">
+            <a:pPr marL="457200" lvl="0" indent="-298450" algn="l" rtl="0">
               <a:spcBef>
                 <a:spcPts val="0"/>
               </a:spcBef>
@@ -11952,7 +12174,7 @@
               <a:buChar char="●"/>
             </a:pPr>
             <a:r>
-              <a:rPr b="1" lang="en" sz="1100">
+              <a:rPr lang="en" sz="1100" b="1">
                 <a:solidFill>
                   <a:srgbClr val="000000"/>
                 </a:solidFill>
@@ -11997,7 +12219,7 @@
             </a:endParaRPr>
           </a:p>
           <a:p>
-            <a:pPr indent="-298450" lvl="0" marL="457200" rtl="0" algn="l">
+            <a:pPr marL="457200" lvl="0" indent="-298450" algn="l" rtl="0">
               <a:spcBef>
                 <a:spcPts val="0"/>
               </a:spcBef>
@@ -12012,7 +12234,7 @@
               <a:buChar char="●"/>
             </a:pPr>
             <a:r>
-              <a:rPr b="1" lang="en" sz="1100">
+              <a:rPr lang="en" sz="1100" b="1">
                 <a:solidFill>
                   <a:srgbClr val="000000"/>
                 </a:solidFill>
@@ -12057,7 +12279,7 @@
             </a:endParaRPr>
           </a:p>
           <a:p>
-            <a:pPr indent="-298450" lvl="0" marL="457200" rtl="0" algn="l">
+            <a:pPr marL="457200" lvl="0" indent="-298450" algn="l" rtl="0">
               <a:spcBef>
                 <a:spcPts val="0"/>
               </a:spcBef>
@@ -12072,7 +12294,7 @@
               <a:buChar char="●"/>
             </a:pPr>
             <a:r>
-              <a:rPr b="1" lang="en" sz="1100">
+              <a:rPr lang="en" sz="1100" b="1">
                 <a:solidFill>
                   <a:srgbClr val="000000"/>
                 </a:solidFill>
@@ -12117,7 +12339,7 @@
             </a:endParaRPr>
           </a:p>
           <a:p>
-            <a:pPr indent="-298450" lvl="0" marL="457200" rtl="0" algn="l">
+            <a:pPr marL="457200" lvl="0" indent="-298450" algn="l" rtl="0">
               <a:spcBef>
                 <a:spcPts val="0"/>
               </a:spcBef>
@@ -12154,7 +12376,7 @@
             </a:endParaRPr>
           </a:p>
           <a:p>
-            <a:pPr indent="0" lvl="0" marL="0" rtl="0" algn="l">
+            <a:pPr marL="0" lvl="0" indent="0" algn="l" rtl="0">
               <a:spcBef>
                 <a:spcPts val="1200"/>
               </a:spcBef>
@@ -12163,9 +12385,6 @@
               </a:spcAft>
               <a:buNone/>
             </a:pPr>
-            <a:r>
-              <a:t/>
-            </a:r>
             <a:endParaRPr/>
           </a:p>
         </p:txBody>
@@ -12179,11 +12398,11 @@
 </file>
 
 <file path=ppt/slides/slide5.xml><?xml version="1.0" encoding="utf-8"?>
-<p:sld xmlns:a="http://schemas.openxmlformats.org/drawingml/2006/main" xmlns:r="http://schemas.openxmlformats.org/officeDocument/2006/relationships" xmlns:mc="http://schemas.openxmlformats.org/markup-compatibility/2006" xmlns:mv="urn:schemas-microsoft-com:mac:vml" xmlns:p="http://schemas.openxmlformats.org/presentationml/2006/main" xmlns:c="http://schemas.openxmlformats.org/drawingml/2006/chart" xmlns:dgm="http://schemas.openxmlformats.org/drawingml/2006/diagram" xmlns:o="urn:schemas-microsoft-com:office:office" xmlns:v="urn:schemas-microsoft-com:vml" xmlns:pvml="urn:schemas-microsoft-com:office:powerpoint" xmlns:com="http://schemas.openxmlformats.org/drawingml/2006/compatibility" xmlns:p14="http://schemas.microsoft.com/office/powerpoint/2010/main" xmlns:p15="http://schemas.microsoft.com/office/powerpoint/2012/main" xmlns:ahyp="http://schemas.microsoft.com/office/drawing/2018/hyperlinkcolor">
+<p:sld xmlns:a="http://schemas.openxmlformats.org/drawingml/2006/main" xmlns:r="http://schemas.openxmlformats.org/officeDocument/2006/relationships" xmlns:p="http://schemas.openxmlformats.org/presentationml/2006/main">
   <p:cSld>
     <p:spTree>
       <p:nvGrpSpPr>
-        <p:cNvPr id="109" name="Shape 109"/>
+        <p:cNvPr id="1" name="Shape 109"/>
         <p:cNvGrpSpPr/>
         <p:nvPr/>
       </p:nvGrpSpPr>
@@ -12198,7 +12417,9 @@
       <p:sp>
         <p:nvSpPr>
           <p:cNvPr id="110" name="Google Shape;110;p17"/>
-          <p:cNvSpPr txBox="1"/>
+          <p:cNvSpPr txBox="1">
+            <a:spLocks noGrp="1"/>
+          </p:cNvSpPr>
           <p:nvPr>
             <p:ph type="title"/>
           </p:nvPr>
@@ -12213,12 +12434,12 @@
           </a:prstGeom>
         </p:spPr>
         <p:txBody>
-          <a:bodyPr anchorCtr="0" anchor="t" bIns="91425" lIns="91425" spcFirstLastPara="1" rIns="91425" wrap="square" tIns="91425">
+          <a:bodyPr spcFirstLastPara="1" wrap="square" lIns="91425" tIns="91425" rIns="91425" bIns="91425" anchor="t" anchorCtr="0">
             <a:normAutofit fontScale="90000"/>
           </a:bodyPr>
           <a:lstStyle/>
           <a:p>
-            <a:pPr indent="0" lvl="0" marL="0" rtl="0" algn="l">
+            <a:pPr marL="0" lvl="0" indent="0" algn="l" rtl="0">
               <a:spcBef>
                 <a:spcPts val="0"/>
               </a:spcBef>
@@ -12238,9 +12459,11 @@
       <p:sp>
         <p:nvSpPr>
           <p:cNvPr id="111" name="Google Shape;111;p17"/>
-          <p:cNvSpPr txBox="1"/>
+          <p:cNvSpPr txBox="1">
+            <a:spLocks noGrp="1"/>
+          </p:cNvSpPr>
           <p:nvPr>
-            <p:ph idx="1" type="body"/>
+            <p:ph type="body" idx="1"/>
           </p:nvPr>
         </p:nvSpPr>
         <p:spPr>
@@ -12253,12 +12476,12 @@
           </a:prstGeom>
         </p:spPr>
         <p:txBody>
-          <a:bodyPr anchorCtr="0" anchor="t" bIns="91425" lIns="91425" spcFirstLastPara="1" rIns="91425" wrap="square" tIns="91425">
+          <a:bodyPr spcFirstLastPara="1" wrap="square" lIns="91425" tIns="91425" rIns="91425" bIns="91425" anchor="t" anchorCtr="0">
             <a:normAutofit/>
           </a:bodyPr>
           <a:lstStyle/>
           <a:p>
-            <a:pPr indent="-298450" lvl="0" marL="457200" rtl="0" algn="l">
+            <a:pPr marL="457200" lvl="0" indent="-298450" algn="l" rtl="0">
               <a:spcBef>
                 <a:spcPts val="0"/>
               </a:spcBef>
@@ -12306,7 +12529,7 @@
             </a:endParaRPr>
           </a:p>
           <a:p>
-            <a:pPr indent="-298450" lvl="0" marL="457200" rtl="0" algn="l">
+            <a:pPr marL="457200" lvl="0" indent="-298450" algn="l" rtl="0">
               <a:spcBef>
                 <a:spcPts val="0"/>
               </a:spcBef>
@@ -12354,7 +12577,7 @@
             </a:endParaRPr>
           </a:p>
           <a:p>
-            <a:pPr indent="-298450" lvl="0" marL="457200" rtl="0" algn="l">
+            <a:pPr marL="457200" lvl="0" indent="-298450" algn="l" rtl="0">
               <a:spcBef>
                 <a:spcPts val="0"/>
               </a:spcBef>
@@ -12402,7 +12625,7 @@
             </a:endParaRPr>
           </a:p>
           <a:p>
-            <a:pPr indent="-298450" lvl="0" marL="457200" rtl="0" algn="l">
+            <a:pPr marL="457200" lvl="0" indent="-298450" algn="l" rtl="0">
               <a:spcBef>
                 <a:spcPts val="0"/>
               </a:spcBef>
@@ -12439,7 +12662,7 @@
             </a:endParaRPr>
           </a:p>
           <a:p>
-            <a:pPr indent="0" lvl="0" marL="457200" rtl="0" algn="l">
+            <a:pPr marL="457200" lvl="0" indent="0" algn="l" rtl="0">
               <a:spcBef>
                 <a:spcPts val="1200"/>
               </a:spcBef>
@@ -12448,9 +12671,6 @@
               </a:spcAft>
               <a:buNone/>
             </a:pPr>
-            <a:r>
-              <a:t/>
-            </a:r>
             <a:endParaRPr/>
           </a:p>
         </p:txBody>
@@ -12464,11 +12684,11 @@
 </file>
 
 <file path=ppt/slides/slide6.xml><?xml version="1.0" encoding="utf-8"?>
-<p:sld xmlns:a="http://schemas.openxmlformats.org/drawingml/2006/main" xmlns:r="http://schemas.openxmlformats.org/officeDocument/2006/relationships" xmlns:mc="http://schemas.openxmlformats.org/markup-compatibility/2006" xmlns:mv="urn:schemas-microsoft-com:mac:vml" xmlns:p="http://schemas.openxmlformats.org/presentationml/2006/main" xmlns:c="http://schemas.openxmlformats.org/drawingml/2006/chart" xmlns:dgm="http://schemas.openxmlformats.org/drawingml/2006/diagram" xmlns:o="urn:schemas-microsoft-com:office:office" xmlns:v="urn:schemas-microsoft-com:vml" xmlns:pvml="urn:schemas-microsoft-com:office:powerpoint" xmlns:com="http://schemas.openxmlformats.org/drawingml/2006/compatibility" xmlns:p14="http://schemas.microsoft.com/office/powerpoint/2010/main" xmlns:p15="http://schemas.microsoft.com/office/powerpoint/2012/main" xmlns:ahyp="http://schemas.microsoft.com/office/drawing/2018/hyperlinkcolor">
+<p:sld xmlns:a="http://schemas.openxmlformats.org/drawingml/2006/main" xmlns:r="http://schemas.openxmlformats.org/officeDocument/2006/relationships" xmlns:p="http://schemas.openxmlformats.org/presentationml/2006/main">
   <p:cSld>
     <p:spTree>
       <p:nvGrpSpPr>
-        <p:cNvPr id="115" name="Shape 115"/>
+        <p:cNvPr id="1" name="Shape 115"/>
         <p:cNvGrpSpPr/>
         <p:nvPr/>
       </p:nvGrpSpPr>
@@ -12483,7 +12703,9 @@
       <p:sp>
         <p:nvSpPr>
           <p:cNvPr id="116" name="Google Shape;116;p18"/>
-          <p:cNvSpPr txBox="1"/>
+          <p:cNvSpPr txBox="1">
+            <a:spLocks noGrp="1"/>
+          </p:cNvSpPr>
           <p:nvPr>
             <p:ph type="title"/>
           </p:nvPr>
@@ -12498,12 +12720,12 @@
           </a:prstGeom>
         </p:spPr>
         <p:txBody>
-          <a:bodyPr anchorCtr="0" anchor="t" bIns="91425" lIns="91425" spcFirstLastPara="1" rIns="91425" wrap="square" tIns="91425">
+          <a:bodyPr spcFirstLastPara="1" wrap="square" lIns="91425" tIns="91425" rIns="91425" bIns="91425" anchor="t" anchorCtr="0">
             <a:normAutofit fontScale="90000"/>
           </a:bodyPr>
           <a:lstStyle/>
           <a:p>
-            <a:pPr indent="0" lvl="0" marL="0" rtl="0" algn="l">
+            <a:pPr marL="0" lvl="0" indent="0" algn="l" rtl="0">
               <a:spcBef>
                 <a:spcPts val="0"/>
               </a:spcBef>
@@ -12523,9 +12745,11 @@
       <p:sp>
         <p:nvSpPr>
           <p:cNvPr id="117" name="Google Shape;117;p18"/>
-          <p:cNvSpPr txBox="1"/>
+          <p:cNvSpPr txBox="1">
+            <a:spLocks noGrp="1"/>
+          </p:cNvSpPr>
           <p:nvPr>
-            <p:ph idx="1" type="body"/>
+            <p:ph type="body" idx="1"/>
           </p:nvPr>
         </p:nvSpPr>
         <p:spPr>
@@ -12538,12 +12762,12 @@
           </a:prstGeom>
         </p:spPr>
         <p:txBody>
-          <a:bodyPr anchorCtr="0" anchor="t" bIns="91425" lIns="91425" spcFirstLastPara="1" rIns="91425" wrap="square" tIns="91425">
+          <a:bodyPr spcFirstLastPara="1" wrap="square" lIns="91425" tIns="91425" rIns="91425" bIns="91425" anchor="t" anchorCtr="0">
             <a:noAutofit/>
           </a:bodyPr>
           <a:lstStyle/>
           <a:p>
-            <a:pPr indent="0" lvl="0" marL="0" rtl="0" algn="l">
+            <a:pPr marL="0" lvl="0" indent="0" algn="l" rtl="0">
               <a:lnSpc>
                 <a:spcPct val="50000"/>
               </a:lnSpc>
@@ -12556,7 +12780,7 @@
               <a:buNone/>
             </a:pPr>
             <a:r>
-              <a:rPr b="1" lang="en" sz="1100">
+              <a:rPr lang="en" sz="1100" b="1">
                 <a:solidFill>
                   <a:srgbClr val="000000"/>
                 </a:solidFill>
@@ -12567,7 +12791,7 @@
               </a:rPr>
               <a:t>MovieLens 20M</a:t>
             </a:r>
-            <a:endParaRPr b="1" sz="1100">
+            <a:endParaRPr sz="1100" b="1">
               <a:solidFill>
                 <a:srgbClr val="000000"/>
               </a:solidFill>
@@ -12578,7 +12802,7 @@
             </a:endParaRPr>
           </a:p>
           <a:p>
-            <a:pPr indent="-298450" lvl="0" marL="457200" rtl="0" algn="l">
+            <a:pPr marL="457200" lvl="0" indent="-298450" algn="l" rtl="0">
               <a:lnSpc>
                 <a:spcPct val="50000"/>
               </a:lnSpc>
@@ -12629,7 +12853,7 @@
             </a:endParaRPr>
           </a:p>
           <a:p>
-            <a:pPr indent="-298450" lvl="0" marL="457200" rtl="0" algn="l">
+            <a:pPr marL="457200" lvl="0" indent="-298450" algn="l" rtl="0">
               <a:lnSpc>
                 <a:spcPct val="50000"/>
               </a:lnSpc>
@@ -12669,7 +12893,7 @@
             </a:endParaRPr>
           </a:p>
           <a:p>
-            <a:pPr indent="-298450" lvl="1" marL="914400" rtl="0" algn="l">
+            <a:pPr marL="914400" lvl="1" indent="-298450" algn="l" rtl="0">
               <a:lnSpc>
                 <a:spcPct val="50000"/>
               </a:lnSpc>
@@ -12709,7 +12933,7 @@
             </a:endParaRPr>
           </a:p>
           <a:p>
-            <a:pPr indent="-298450" lvl="1" marL="914400" rtl="0" algn="l">
+            <a:pPr marL="914400" lvl="1" indent="-298450" algn="l" rtl="0">
               <a:lnSpc>
                 <a:spcPct val="50000"/>
               </a:lnSpc>
@@ -12749,7 +12973,7 @@
             </a:endParaRPr>
           </a:p>
           <a:p>
-            <a:pPr indent="-298450" lvl="1" marL="914400" rtl="0" algn="l">
+            <a:pPr marL="914400" lvl="1" indent="-298450" algn="l" rtl="0">
               <a:lnSpc>
                 <a:spcPct val="50000"/>
               </a:lnSpc>
@@ -12789,7 +13013,7 @@
             </a:endParaRPr>
           </a:p>
           <a:p>
-            <a:pPr indent="0" lvl="0" marL="0" rtl="0" algn="l">
+            <a:pPr marL="0" lvl="0" indent="0" algn="l" rtl="0">
               <a:lnSpc>
                 <a:spcPct val="50000"/>
               </a:lnSpc>
@@ -12802,7 +13026,7 @@
               <a:buNone/>
             </a:pPr>
             <a:r>
-              <a:rPr b="1" lang="en" sz="1100">
+              <a:rPr lang="en" sz="1100" b="1">
                 <a:solidFill>
                   <a:srgbClr val="000000"/>
                 </a:solidFill>
@@ -12813,7 +13037,7 @@
               </a:rPr>
               <a:t>TMDB</a:t>
             </a:r>
-            <a:endParaRPr b="1" sz="1100">
+            <a:endParaRPr sz="1100" b="1">
               <a:solidFill>
                 <a:srgbClr val="000000"/>
               </a:solidFill>
@@ -12824,7 +13048,7 @@
             </a:endParaRPr>
           </a:p>
           <a:p>
-            <a:pPr indent="-298450" lvl="0" marL="457200" rtl="0" algn="l">
+            <a:pPr marL="457200" lvl="0" indent="-298450" algn="l" rtl="0">
               <a:lnSpc>
                 <a:spcPct val="50000"/>
               </a:lnSpc>
@@ -12875,7 +13099,7 @@
             </a:endParaRPr>
           </a:p>
           <a:p>
-            <a:pPr indent="-298450" lvl="0" marL="457200" rtl="0" algn="l">
+            <a:pPr marL="457200" lvl="0" indent="-298450" algn="l" rtl="0">
               <a:lnSpc>
                 <a:spcPct val="50000"/>
               </a:lnSpc>
@@ -12926,7 +13150,7 @@
             </a:endParaRPr>
           </a:p>
           <a:p>
-            <a:pPr indent="-298450" lvl="0" marL="457200" rtl="0" algn="l">
+            <a:pPr marL="457200" lvl="0" indent="-298450" algn="l" rtl="0">
               <a:lnSpc>
                 <a:spcPct val="50000"/>
               </a:lnSpc>
@@ -12977,7 +13201,7 @@
             </a:endParaRPr>
           </a:p>
           <a:p>
-            <a:pPr indent="-298450" lvl="0" marL="457200" rtl="0" algn="l">
+            <a:pPr marL="457200" lvl="0" indent="-298450" algn="l" rtl="0">
               <a:lnSpc>
                 <a:spcPct val="50000"/>
               </a:lnSpc>
@@ -13028,7 +13252,7 @@
             </a:endParaRPr>
           </a:p>
           <a:p>
-            <a:pPr indent="-298450" lvl="0" marL="457200" rtl="0" algn="l">
+            <a:pPr marL="457200" lvl="0" indent="-298450" algn="l" rtl="0">
               <a:lnSpc>
                 <a:spcPct val="50000"/>
               </a:lnSpc>
@@ -13068,7 +13292,7 @@
             </a:endParaRPr>
           </a:p>
           <a:p>
-            <a:pPr indent="0" lvl="0" marL="0" rtl="0" algn="l">
+            <a:pPr marL="0" lvl="0" indent="0" algn="l" rtl="0">
               <a:lnSpc>
                 <a:spcPct val="50000"/>
               </a:lnSpc>
@@ -13080,9 +13304,6 @@
               </a:spcAft>
               <a:buNone/>
             </a:pPr>
-            <a:r>
-              <a:t/>
-            </a:r>
             <a:endParaRPr sz="1000">
               <a:solidFill>
                 <a:srgbClr val="000000"/>
@@ -13094,7 +13315,7 @@
             </a:endParaRPr>
           </a:p>
           <a:p>
-            <a:pPr indent="0" lvl="0" marL="0" rtl="0" algn="l">
+            <a:pPr marL="0" lvl="0" indent="0" algn="l" rtl="0">
               <a:spcBef>
                 <a:spcPts val="400"/>
               </a:spcBef>
@@ -13103,9 +13324,6 @@
               </a:spcAft>
               <a:buNone/>
             </a:pPr>
-            <a:r>
-              <a:t/>
-            </a:r>
             <a:endParaRPr/>
           </a:p>
         </p:txBody>
@@ -13119,11 +13337,11 @@
 </file>
 
 <file path=ppt/slides/slide7.xml><?xml version="1.0" encoding="utf-8"?>
-<p:sld xmlns:a="http://schemas.openxmlformats.org/drawingml/2006/main" xmlns:r="http://schemas.openxmlformats.org/officeDocument/2006/relationships" xmlns:mc="http://schemas.openxmlformats.org/markup-compatibility/2006" xmlns:mv="urn:schemas-microsoft-com:mac:vml" xmlns:p="http://schemas.openxmlformats.org/presentationml/2006/main" xmlns:c="http://schemas.openxmlformats.org/drawingml/2006/chart" xmlns:dgm="http://schemas.openxmlformats.org/drawingml/2006/diagram" xmlns:o="urn:schemas-microsoft-com:office:office" xmlns:v="urn:schemas-microsoft-com:vml" xmlns:pvml="urn:schemas-microsoft-com:office:powerpoint" xmlns:com="http://schemas.openxmlformats.org/drawingml/2006/compatibility" xmlns:p14="http://schemas.microsoft.com/office/powerpoint/2010/main" xmlns:p15="http://schemas.microsoft.com/office/powerpoint/2012/main" xmlns:ahyp="http://schemas.microsoft.com/office/drawing/2018/hyperlinkcolor">
+<p:sld xmlns:a="http://schemas.openxmlformats.org/drawingml/2006/main" xmlns:r="http://schemas.openxmlformats.org/officeDocument/2006/relationships" xmlns:p="http://schemas.openxmlformats.org/presentationml/2006/main">
   <p:cSld>
     <p:spTree>
       <p:nvGrpSpPr>
-        <p:cNvPr id="121" name="Shape 121"/>
+        <p:cNvPr id="1" name="Shape 121"/>
         <p:cNvGrpSpPr/>
         <p:nvPr/>
       </p:nvGrpSpPr>
@@ -13138,7 +13356,9 @@
       <p:sp>
         <p:nvSpPr>
           <p:cNvPr id="122" name="Google Shape;122;p19"/>
-          <p:cNvSpPr txBox="1"/>
+          <p:cNvSpPr txBox="1">
+            <a:spLocks noGrp="1"/>
+          </p:cNvSpPr>
           <p:nvPr>
             <p:ph type="title"/>
           </p:nvPr>
@@ -13153,12 +13373,12 @@
           </a:prstGeom>
         </p:spPr>
         <p:txBody>
-          <a:bodyPr anchorCtr="0" anchor="t" bIns="91425" lIns="91425" spcFirstLastPara="1" rIns="91425" wrap="square" tIns="91425">
+          <a:bodyPr spcFirstLastPara="1" wrap="square" lIns="91425" tIns="91425" rIns="91425" bIns="91425" anchor="t" anchorCtr="0">
             <a:normAutofit fontScale="90000"/>
           </a:bodyPr>
           <a:lstStyle/>
           <a:p>
-            <a:pPr indent="0" lvl="0" marL="0" rtl="0" algn="l">
+            <a:pPr marL="0" lvl="0" indent="0" algn="l" rtl="0">
               <a:spcBef>
                 <a:spcPts val="0"/>
               </a:spcBef>
@@ -13178,9 +13398,11 @@
       <p:sp>
         <p:nvSpPr>
           <p:cNvPr id="123" name="Google Shape;123;p19"/>
-          <p:cNvSpPr txBox="1"/>
+          <p:cNvSpPr txBox="1">
+            <a:spLocks noGrp="1"/>
+          </p:cNvSpPr>
           <p:nvPr>
-            <p:ph idx="1" type="body"/>
+            <p:ph type="body" idx="1"/>
           </p:nvPr>
         </p:nvSpPr>
         <p:spPr>
@@ -13193,12 +13415,12 @@
           </a:prstGeom>
         </p:spPr>
         <p:txBody>
-          <a:bodyPr anchorCtr="0" anchor="t" bIns="91425" lIns="91425" spcFirstLastPara="1" rIns="91425" wrap="square" tIns="91425">
+          <a:bodyPr spcFirstLastPara="1" wrap="square" lIns="91425" tIns="91425" rIns="91425" bIns="91425" anchor="t" anchorCtr="0">
             <a:normAutofit/>
           </a:bodyPr>
           <a:lstStyle/>
           <a:p>
-            <a:pPr indent="0" lvl="0" marL="0" rtl="0" algn="l">
+            <a:pPr marL="0" lvl="0" indent="0" algn="l" rtl="0">
               <a:spcBef>
                 <a:spcPts val="1200"/>
               </a:spcBef>
@@ -13208,7 +13430,7 @@
               <a:buNone/>
             </a:pPr>
             <a:r>
-              <a:rPr b="1" i="1" lang="en" sz="1100">
+              <a:rPr lang="en" sz="1100" b="1" i="1">
                 <a:solidFill>
                   <a:srgbClr val="000000"/>
                 </a:solidFill>
@@ -13219,7 +13441,7 @@
               </a:rPr>
               <a:t>Movie Metadata Includes:</a:t>
             </a:r>
-            <a:endParaRPr b="1" i="1" sz="1100">
+            <a:endParaRPr sz="1100" b="1" i="1">
               <a:solidFill>
                 <a:srgbClr val="000000"/>
               </a:solidFill>
@@ -13230,7 +13452,7 @@
             </a:endParaRPr>
           </a:p>
           <a:p>
-            <a:pPr indent="-298450" lvl="0" marL="457200" rtl="0" algn="l">
+            <a:pPr marL="457200" lvl="0" indent="-298450" algn="l" rtl="0">
               <a:spcBef>
                 <a:spcPts val="1200"/>
               </a:spcBef>
@@ -13267,7 +13489,7 @@
             </a:endParaRPr>
           </a:p>
           <a:p>
-            <a:pPr indent="-298450" lvl="0" marL="457200" rtl="0" algn="l">
+            <a:pPr marL="457200" lvl="0" indent="-298450" algn="l" rtl="0">
               <a:spcBef>
                 <a:spcPts val="0"/>
               </a:spcBef>
@@ -13304,7 +13526,7 @@
             </a:endParaRPr>
           </a:p>
           <a:p>
-            <a:pPr indent="-298450" lvl="0" marL="457200" rtl="0" algn="l">
+            <a:pPr marL="457200" lvl="0" indent="-298450" algn="l" rtl="0">
               <a:spcBef>
                 <a:spcPts val="0"/>
               </a:spcBef>
@@ -13341,7 +13563,7 @@
             </a:endParaRPr>
           </a:p>
           <a:p>
-            <a:pPr indent="-298450" lvl="0" marL="457200" rtl="0" algn="l">
+            <a:pPr marL="457200" lvl="0" indent="-298450" algn="l" rtl="0">
               <a:spcBef>
                 <a:spcPts val="0"/>
               </a:spcBef>
@@ -13378,7 +13600,7 @@
             </a:endParaRPr>
           </a:p>
           <a:p>
-            <a:pPr indent="-298450" lvl="0" marL="457200" rtl="0" algn="l">
+            <a:pPr marL="457200" lvl="0" indent="-298450" algn="l" rtl="0">
               <a:spcBef>
                 <a:spcPts val="0"/>
               </a:spcBef>
@@ -13415,7 +13637,7 @@
             </a:endParaRPr>
           </a:p>
           <a:p>
-            <a:pPr indent="0" lvl="0" marL="0" rtl="0" algn="l">
+            <a:pPr marL="0" lvl="0" indent="0" algn="l" rtl="0">
               <a:spcBef>
                 <a:spcPts val="1200"/>
               </a:spcBef>
@@ -13425,7 +13647,7 @@
               <a:buNone/>
             </a:pPr>
             <a:r>
-              <a:rPr b="1" i="1" lang="en" sz="1100">
+              <a:rPr lang="en" sz="1100" b="1" i="1">
                 <a:solidFill>
                   <a:srgbClr val="000000"/>
                 </a:solidFill>
@@ -13436,7 +13658,7 @@
               </a:rPr>
               <a:t>User Metadata:</a:t>
             </a:r>
-            <a:endParaRPr b="1" i="1" sz="1100">
+            <a:endParaRPr sz="1100" b="1" i="1">
               <a:solidFill>
                 <a:srgbClr val="000000"/>
               </a:solidFill>
@@ -13447,7 +13669,7 @@
             </a:endParaRPr>
           </a:p>
           <a:p>
-            <a:pPr indent="-298450" lvl="0" marL="457200" rtl="0" algn="l">
+            <a:pPr marL="457200" lvl="0" indent="-298450" algn="l" rtl="0">
               <a:spcBef>
                 <a:spcPts val="1200"/>
               </a:spcBef>
@@ -13495,7 +13717,7 @@
             </a:endParaRPr>
           </a:p>
           <a:p>
-            <a:pPr indent="0" lvl="0" marL="0" rtl="0" algn="l">
+            <a:pPr marL="0" lvl="0" indent="0" algn="l" rtl="0">
               <a:spcBef>
                 <a:spcPts val="1200"/>
               </a:spcBef>
@@ -13504,9 +13726,6 @@
               </a:spcAft>
               <a:buNone/>
             </a:pPr>
-            <a:r>
-              <a:t/>
-            </a:r>
             <a:endParaRPr/>
           </a:p>
         </p:txBody>
@@ -13520,11 +13739,11 @@
 </file>
 
 <file path=ppt/slides/slide8.xml><?xml version="1.0" encoding="utf-8"?>
-<p:sld xmlns:a="http://schemas.openxmlformats.org/drawingml/2006/main" xmlns:r="http://schemas.openxmlformats.org/officeDocument/2006/relationships" xmlns:mc="http://schemas.openxmlformats.org/markup-compatibility/2006" xmlns:mv="urn:schemas-microsoft-com:mac:vml" xmlns:p="http://schemas.openxmlformats.org/presentationml/2006/main" xmlns:c="http://schemas.openxmlformats.org/drawingml/2006/chart" xmlns:dgm="http://schemas.openxmlformats.org/drawingml/2006/diagram" xmlns:o="urn:schemas-microsoft-com:office:office" xmlns:v="urn:schemas-microsoft-com:vml" xmlns:pvml="urn:schemas-microsoft-com:office:powerpoint" xmlns:com="http://schemas.openxmlformats.org/drawingml/2006/compatibility" xmlns:p14="http://schemas.microsoft.com/office/powerpoint/2010/main" xmlns:p15="http://schemas.microsoft.com/office/powerpoint/2012/main" xmlns:ahyp="http://schemas.microsoft.com/office/drawing/2018/hyperlinkcolor">
+<p:sld xmlns:a="http://schemas.openxmlformats.org/drawingml/2006/main" xmlns:r="http://schemas.openxmlformats.org/officeDocument/2006/relationships" xmlns:p="http://schemas.openxmlformats.org/presentationml/2006/main">
   <p:cSld>
     <p:spTree>
       <p:nvGrpSpPr>
-        <p:cNvPr id="127" name="Shape 127"/>
+        <p:cNvPr id="1" name="Shape 127"/>
         <p:cNvGrpSpPr/>
         <p:nvPr/>
       </p:nvGrpSpPr>
@@ -13539,7 +13758,9 @@
       <p:sp>
         <p:nvSpPr>
           <p:cNvPr id="128" name="Google Shape;128;p20"/>
-          <p:cNvSpPr txBox="1"/>
+          <p:cNvSpPr txBox="1">
+            <a:spLocks noGrp="1"/>
+          </p:cNvSpPr>
           <p:nvPr>
             <p:ph type="title"/>
           </p:nvPr>
@@ -13554,12 +13775,12 @@
           </a:prstGeom>
         </p:spPr>
         <p:txBody>
-          <a:bodyPr anchorCtr="0" anchor="t" bIns="91425" lIns="91425" spcFirstLastPara="1" rIns="91425" wrap="square" tIns="91425">
+          <a:bodyPr spcFirstLastPara="1" wrap="square" lIns="91425" tIns="91425" rIns="91425" bIns="91425" anchor="t" anchorCtr="0">
             <a:normAutofit fontScale="90000"/>
           </a:bodyPr>
           <a:lstStyle/>
           <a:p>
-            <a:pPr indent="0" lvl="0" marL="0" rtl="0" algn="l">
+            <a:pPr marL="0" lvl="0" indent="0" algn="l" rtl="0">
               <a:spcBef>
                 <a:spcPts val="0"/>
               </a:spcBef>
@@ -13579,9 +13800,11 @@
       <p:sp>
         <p:nvSpPr>
           <p:cNvPr id="129" name="Google Shape;129;p20"/>
-          <p:cNvSpPr txBox="1"/>
+          <p:cNvSpPr txBox="1">
+            <a:spLocks noGrp="1"/>
+          </p:cNvSpPr>
           <p:nvPr>
-            <p:ph idx="1" type="body"/>
+            <p:ph type="body" idx="1"/>
           </p:nvPr>
         </p:nvSpPr>
         <p:spPr>
@@ -13594,12 +13817,12 @@
           </a:prstGeom>
         </p:spPr>
         <p:txBody>
-          <a:bodyPr anchorCtr="0" anchor="t" bIns="91425" lIns="91425" spcFirstLastPara="1" rIns="91425" wrap="square" tIns="91425">
+          <a:bodyPr spcFirstLastPara="1" wrap="square" lIns="91425" tIns="91425" rIns="91425" bIns="91425" anchor="t" anchorCtr="0">
             <a:normAutofit/>
           </a:bodyPr>
           <a:lstStyle/>
           <a:p>
-            <a:pPr indent="0" lvl="0" marL="457200" rtl="0" algn="l">
+            <a:pPr marL="457200" lvl="0" indent="0" algn="l" rtl="0">
               <a:spcBef>
                 <a:spcPts val="1200"/>
               </a:spcBef>
@@ -13608,9 +13831,6 @@
               </a:spcAft>
               <a:buNone/>
             </a:pPr>
-            <a:r>
-              <a:t/>
-            </a:r>
             <a:endParaRPr sz="1100">
               <a:latin typeface="Arial"/>
               <a:ea typeface="Arial"/>
@@ -13619,7 +13839,7 @@
             </a:endParaRPr>
           </a:p>
           <a:p>
-            <a:pPr indent="0" lvl="0" marL="0" rtl="0" algn="l">
+            <a:pPr marL="0" lvl="0" indent="0" algn="l" rtl="0">
               <a:spcBef>
                 <a:spcPts val="1200"/>
               </a:spcBef>
@@ -13629,7 +13849,7 @@
               <a:buNone/>
             </a:pPr>
             <a:r>
-              <a:rPr b="1" i="1" lang="en" sz="1100">
+              <a:rPr lang="en" sz="1100" b="1" i="1">
                 <a:solidFill>
                   <a:schemeClr val="dk2"/>
                 </a:solidFill>
@@ -13640,7 +13860,7 @@
               </a:rPr>
               <a:t>Hybrid Model Workflow:</a:t>
             </a:r>
-            <a:endParaRPr b="1" i="1" sz="1100">
+            <a:endParaRPr sz="1100" b="1" i="1">
               <a:solidFill>
                 <a:schemeClr val="dk2"/>
               </a:solidFill>
@@ -13651,7 +13871,7 @@
             </a:endParaRPr>
           </a:p>
           <a:p>
-            <a:pPr indent="-298450" lvl="0" marL="457200" rtl="0" algn="l">
+            <a:pPr marL="457200" lvl="0" indent="-298450" algn="l" rtl="0">
               <a:spcBef>
                 <a:spcPts val="1200"/>
               </a:spcBef>
@@ -13688,7 +13908,7 @@
             </a:endParaRPr>
           </a:p>
           <a:p>
-            <a:pPr indent="-298450" lvl="0" marL="457200" rtl="0" algn="l">
+            <a:pPr marL="457200" lvl="0" indent="-298450" algn="l" rtl="0">
               <a:spcBef>
                 <a:spcPts val="0"/>
               </a:spcBef>
@@ -13725,7 +13945,7 @@
             </a:endParaRPr>
           </a:p>
           <a:p>
-            <a:pPr indent="-298450" lvl="0" marL="457200" rtl="0" algn="l">
+            <a:pPr marL="457200" lvl="0" indent="-298450" algn="l" rtl="0">
               <a:spcBef>
                 <a:spcPts val="0"/>
               </a:spcBef>
@@ -13762,7 +13982,7 @@
             </a:endParaRPr>
           </a:p>
           <a:p>
-            <a:pPr indent="-298450" lvl="0" marL="457200" rtl="0" algn="l">
+            <a:pPr marL="457200" lvl="0" indent="-298450" algn="l" rtl="0">
               <a:spcBef>
                 <a:spcPts val="0"/>
               </a:spcBef>
@@ -13837,11 +14057,11 @@
 </file>
 
 <file path=ppt/slides/slide9.xml><?xml version="1.0" encoding="utf-8"?>
-<p:sld xmlns:a="http://schemas.openxmlformats.org/drawingml/2006/main" xmlns:r="http://schemas.openxmlformats.org/officeDocument/2006/relationships" xmlns:mc="http://schemas.openxmlformats.org/markup-compatibility/2006" xmlns:mv="urn:schemas-microsoft-com:mac:vml" xmlns:p="http://schemas.openxmlformats.org/presentationml/2006/main" xmlns:c="http://schemas.openxmlformats.org/drawingml/2006/chart" xmlns:dgm="http://schemas.openxmlformats.org/drawingml/2006/diagram" xmlns:o="urn:schemas-microsoft-com:office:office" xmlns:v="urn:schemas-microsoft-com:vml" xmlns:pvml="urn:schemas-microsoft-com:office:powerpoint" xmlns:com="http://schemas.openxmlformats.org/drawingml/2006/compatibility" xmlns:p14="http://schemas.microsoft.com/office/powerpoint/2010/main" xmlns:p15="http://schemas.microsoft.com/office/powerpoint/2012/main" xmlns:ahyp="http://schemas.microsoft.com/office/drawing/2018/hyperlinkcolor">
+<p:sld xmlns:a="http://schemas.openxmlformats.org/drawingml/2006/main" xmlns:r="http://schemas.openxmlformats.org/officeDocument/2006/relationships" xmlns:p="http://schemas.openxmlformats.org/presentationml/2006/main">
   <p:cSld>
     <p:spTree>
       <p:nvGrpSpPr>
-        <p:cNvPr id="134" name="Shape 134"/>
+        <p:cNvPr id="1" name="Shape 134"/>
         <p:cNvGrpSpPr/>
         <p:nvPr/>
       </p:nvGrpSpPr>
@@ -13856,7 +14076,9 @@
       <p:sp>
         <p:nvSpPr>
           <p:cNvPr id="135" name="Google Shape;135;p21"/>
-          <p:cNvSpPr txBox="1"/>
+          <p:cNvSpPr txBox="1">
+            <a:spLocks noGrp="1"/>
+          </p:cNvSpPr>
           <p:nvPr>
             <p:ph type="title"/>
           </p:nvPr>
@@ -13871,12 +14093,12 @@
           </a:prstGeom>
         </p:spPr>
         <p:txBody>
-          <a:bodyPr anchorCtr="0" anchor="t" bIns="91425" lIns="91425" spcFirstLastPara="1" rIns="91425" wrap="square" tIns="91425">
+          <a:bodyPr spcFirstLastPara="1" wrap="square" lIns="91425" tIns="91425" rIns="91425" bIns="91425" anchor="t" anchorCtr="0">
             <a:normAutofit fontScale="90000"/>
           </a:bodyPr>
           <a:lstStyle/>
           <a:p>
-            <a:pPr indent="0" lvl="0" marL="0" rtl="0" algn="l">
+            <a:pPr marL="0" lvl="0" indent="0" algn="l" rtl="0">
               <a:spcBef>
                 <a:spcPts val="0"/>
               </a:spcBef>
@@ -13896,9 +14118,11 @@
       <p:sp>
         <p:nvSpPr>
           <p:cNvPr id="136" name="Google Shape;136;p21"/>
-          <p:cNvSpPr txBox="1"/>
+          <p:cNvSpPr txBox="1">
+            <a:spLocks noGrp="1"/>
+          </p:cNvSpPr>
           <p:nvPr>
-            <p:ph idx="1" type="body"/>
+            <p:ph type="body" idx="1"/>
           </p:nvPr>
         </p:nvSpPr>
         <p:spPr>
@@ -13911,12 +14135,12 @@
           </a:prstGeom>
         </p:spPr>
         <p:txBody>
-          <a:bodyPr anchorCtr="0" anchor="t" bIns="91425" lIns="91425" spcFirstLastPara="1" rIns="91425" wrap="square" tIns="91425">
+          <a:bodyPr spcFirstLastPara="1" wrap="square" lIns="91425" tIns="91425" rIns="91425" bIns="91425" anchor="t" anchorCtr="0">
             <a:normAutofit fontScale="85000" lnSpcReduction="20000"/>
           </a:bodyPr>
           <a:lstStyle/>
           <a:p>
-            <a:pPr indent="0" lvl="0" marL="0" rtl="0" algn="l">
+            <a:pPr marL="0" lvl="0" indent="0" algn="l" rtl="0">
               <a:spcBef>
                 <a:spcPts val="0"/>
               </a:spcBef>
@@ -13925,13 +14149,10 @@
               </a:spcAft>
               <a:buNone/>
             </a:pPr>
-            <a:r>
-              <a:t/>
-            </a:r>
             <a:endParaRPr/>
           </a:p>
           <a:p>
-            <a:pPr indent="0" lvl="0" marL="0" rtl="0" algn="l">
+            <a:pPr marL="0" lvl="0" indent="0" algn="l" rtl="0">
               <a:spcBef>
                 <a:spcPts val="1200"/>
               </a:spcBef>
@@ -13940,13 +14161,10 @@
               </a:spcAft>
               <a:buNone/>
             </a:pPr>
-            <a:r>
-              <a:t/>
-            </a:r>
             <a:endParaRPr/>
           </a:p>
           <a:p>
-            <a:pPr indent="0" lvl="0" marL="0" rtl="0" algn="l">
+            <a:pPr marL="0" lvl="0" indent="0" algn="l" rtl="0">
               <a:spcBef>
                 <a:spcPts val="1200"/>
               </a:spcBef>
@@ -13955,13 +14173,10 @@
               </a:spcAft>
               <a:buNone/>
             </a:pPr>
-            <a:r>
-              <a:t/>
-            </a:r>
             <a:endParaRPr/>
           </a:p>
           <a:p>
-            <a:pPr indent="-298767" lvl="0" marL="457200" rtl="0" algn="l">
+            <a:pPr marL="457200" lvl="0" indent="-298767" algn="l" rtl="0">
               <a:spcBef>
                 <a:spcPts val="1200"/>
               </a:spcBef>
@@ -13976,7 +14191,7 @@
               <a:buChar char="●"/>
             </a:pPr>
             <a:r>
-              <a:rPr i="1" lang="en">
+              <a:rPr lang="en" i="1">
                 <a:solidFill>
                   <a:schemeClr val="dk2"/>
                 </a:solidFill>
@@ -13985,19 +14200,7 @@
                 <a:cs typeface="Arial"/>
                 <a:sym typeface="Arial"/>
               </a:rPr>
-              <a:t>h</a:t>
-            </a:r>
-            <a:r>
-              <a:rPr i="1" lang="en">
-                <a:solidFill>
-                  <a:schemeClr val="dk2"/>
-                </a:solidFill>
-                <a:latin typeface="Arial"/>
-                <a:ea typeface="Arial"/>
-                <a:cs typeface="Arial"/>
-                <a:sym typeface="Arial"/>
-              </a:rPr>
-              <a:t>,  g</a:t>
+              <a:t>h,  g</a:t>
             </a:r>
             <a:r>
               <a:rPr lang="en">
@@ -14022,7 +14225,7 @@
             </a:endParaRPr>
           </a:p>
           <a:p>
-            <a:pPr indent="-298767" lvl="0" marL="457200" rtl="0" algn="l">
+            <a:pPr marL="457200" lvl="0" indent="-298767" algn="l" rtl="0">
               <a:spcBef>
                 <a:spcPts val="0"/>
               </a:spcBef>
@@ -14037,7 +14240,7 @@
               <a:buChar char="●"/>
             </a:pPr>
             <a:r>
-              <a:rPr i="1" lang="en">
+              <a:rPr lang="en" i="1">
                 <a:solidFill>
                   <a:schemeClr val="dk2"/>
                 </a:solidFill>
@@ -14058,31 +14261,7 @@
                 <a:cs typeface="Arial"/>
                 <a:sym typeface="Arial"/>
               </a:rPr>
-              <a:t> = </a:t>
-            </a:r>
-            <a:r>
-              <a:rPr lang="en">
-                <a:solidFill>
-                  <a:schemeClr val="dk2"/>
-                </a:solidFill>
-                <a:latin typeface="Arial"/>
-                <a:ea typeface="Arial"/>
-                <a:cs typeface="Arial"/>
-                <a:sym typeface="Arial"/>
-              </a:rPr>
-              <a:t>aggregated</a:t>
-            </a:r>
-            <a:r>
-              <a:rPr lang="en">
-                <a:solidFill>
-                  <a:schemeClr val="dk2"/>
-                </a:solidFill>
-                <a:latin typeface="Arial"/>
-                <a:ea typeface="Arial"/>
-                <a:cs typeface="Arial"/>
-                <a:sym typeface="Arial"/>
-              </a:rPr>
-              <a:t> user metadata</a:t>
+              <a:t> = aggregated user metadata</a:t>
             </a:r>
             <a:endParaRPr>
               <a:solidFill>
@@ -14095,7 +14274,7 @@
             </a:endParaRPr>
           </a:p>
           <a:p>
-            <a:pPr indent="-298767" lvl="0" marL="457200" rtl="0" algn="l">
+            <a:pPr marL="457200" lvl="0" indent="-298767" algn="l" rtl="0">
               <a:spcBef>
                 <a:spcPts val="0"/>
               </a:spcBef>
@@ -14110,7 +14289,7 @@
               <a:buChar char="●"/>
             </a:pPr>
             <a:r>
-              <a:rPr i="1" lang="en">
+              <a:rPr lang="en" i="1">
                 <a:solidFill>
                   <a:schemeClr val="dk2"/>
                 </a:solidFill>
@@ -14144,7 +14323,7 @@
             </a:endParaRPr>
           </a:p>
           <a:p>
-            <a:pPr indent="0" lvl="0" marL="0" rtl="0" algn="l">
+            <a:pPr marL="0" lvl="0" indent="0" algn="l" rtl="0">
               <a:spcBef>
                 <a:spcPts val="1200"/>
               </a:spcBef>
@@ -14153,13 +14332,10 @@
               </a:spcAft>
               <a:buNone/>
             </a:pPr>
-            <a:r>
-              <a:t/>
-            </a:r>
             <a:endParaRPr/>
           </a:p>
           <a:p>
-            <a:pPr indent="0" lvl="0" marL="0" rtl="0" algn="l">
+            <a:pPr marL="0" lvl="0" indent="0" algn="l" rtl="0">
               <a:spcBef>
                 <a:spcPts val="1200"/>
               </a:spcBef>
@@ -14168,9 +14344,6 @@
               </a:spcAft>
               <a:buNone/>
             </a:pPr>
-            <a:r>
-              <a:t/>
-            </a:r>
             <a:endParaRPr/>
           </a:p>
         </p:txBody>
@@ -14212,7 +14385,7 @@
 </file>
 
 <file path=ppt/theme/theme1.xml><?xml version="1.0" encoding="utf-8"?>
-<a:theme xmlns:a="http://schemas.openxmlformats.org/drawingml/2006/main" xmlns:r="http://schemas.openxmlformats.org/officeDocument/2006/relationships" name="Streamline">
+<a:theme xmlns:a="http://schemas.openxmlformats.org/drawingml/2006/main" name="Streamline">
   <a:themeElements>
     <a:clrScheme name="Streamline">
       <a:dk1>
@@ -14487,11 +14660,13 @@
       </a:bgFillStyleLst>
     </a:fmtScheme>
   </a:themeElements>
+  <a:objectDefaults/>
+  <a:extraClrSchemeLst/>
 </a:theme>
 </file>
 
 <file path=ppt/theme/theme2.xml><?xml version="1.0" encoding="utf-8"?>
-<a:theme xmlns:a="http://schemas.openxmlformats.org/drawingml/2006/main" xmlns:r="http://schemas.openxmlformats.org/officeDocument/2006/relationships">
+<a:theme xmlns:a="http://schemas.openxmlformats.org/drawingml/2006/main">
   <a:themeElements>
     <a:clrScheme name="Default">
       <a:dk1>
@@ -14766,5 +14941,7 @@
       </a:bgFillStyleLst>
     </a:fmtScheme>
   </a:themeElements>
+  <a:objectDefaults/>
+  <a:extraClrSchemeLst/>
 </a:theme>
 </file>